--- a/我画的小图/配置中心/apollo操作手册.pptx
+++ b/我画的小图/配置中心/apollo操作手册.pptx
@@ -5,10 +5,10 @@
     <p:sldMasterId id="2147483648" r:id="rId1"/>
   </p:sldMasterIdLst>
   <p:notesMasterIdLst>
-    <p:notesMasterId r:id="rId65"/>
+    <p:notesMasterId r:id="rId79"/>
   </p:notesMasterIdLst>
   <p:handoutMasterIdLst>
-    <p:handoutMasterId r:id="rId66"/>
+    <p:handoutMasterId r:id="rId80"/>
   </p:handoutMasterIdLst>
   <p:sldIdLst>
     <p:sldId id="256" r:id="rId2"/>
@@ -71,9 +71,23 @@
     <p:sldId id="324" r:id="rId59"/>
     <p:sldId id="325" r:id="rId60"/>
     <p:sldId id="284" r:id="rId61"/>
-    <p:sldId id="285" r:id="rId62"/>
-    <p:sldId id="286" r:id="rId63"/>
-    <p:sldId id="288" r:id="rId64"/>
+    <p:sldId id="327" r:id="rId62"/>
+    <p:sldId id="328" r:id="rId63"/>
+    <p:sldId id="330" r:id="rId64"/>
+    <p:sldId id="329" r:id="rId65"/>
+    <p:sldId id="285" r:id="rId66"/>
+    <p:sldId id="331" r:id="rId67"/>
+    <p:sldId id="332" r:id="rId68"/>
+    <p:sldId id="333" r:id="rId69"/>
+    <p:sldId id="335" r:id="rId70"/>
+    <p:sldId id="334" r:id="rId71"/>
+    <p:sldId id="338" r:id="rId72"/>
+    <p:sldId id="337" r:id="rId73"/>
+    <p:sldId id="336" r:id="rId74"/>
+    <p:sldId id="286" r:id="rId75"/>
+    <p:sldId id="339" r:id="rId76"/>
+    <p:sldId id="340" r:id="rId77"/>
+    <p:sldId id="288" r:id="rId78"/>
   </p:sldIdLst>
   <p:sldSz cx="12192000" cy="6858000"/>
   <p:notesSz cx="6858000" cy="9144000"/>
@@ -187,6 +201,9 @@
         </p15:guide>
       </p15:sldGuideLst>
     </p:ext>
+    <p:ext uri="{2D200454-40CA-4A62-9FC3-DE9A4176ACB9}">
+      <p15:notesGuideLst xmlns:p15="http://schemas.microsoft.com/office/powerpoint/2012/main"/>
+    </p:ext>
   </p:extLst>
 </p:presentation>
 </file>
@@ -285,7 +302,7 @@
           <a:p>
             <a:fld id="{BBF99A51-0678-4F1C-8EF8-69AC3D8A6199}" type="datetimeFigureOut">
               <a:rPr lang="zh-CN" altLang="en-US" smtClean="0"/>
-              <a:t>2018/6/12</a:t>
+              <a:t>2018/6/21</a:t>
             </a:fld>
             <a:endParaRPr lang="zh-CN" altLang="en-US"/>
           </a:p>
@@ -466,7 +483,7 @@
           <a:p>
             <a:fld id="{97CB0EFE-6733-40F7-A798-DCEB934D9876}" type="datetimeFigureOut">
               <a:rPr lang="zh-CN" altLang="en-US" smtClean="0"/>
-              <a:t>2018/6/12</a:t>
+              <a:t>2018/6/21</a:t>
             </a:fld>
             <a:endParaRPr lang="zh-CN" altLang="en-US"/>
           </a:p>
@@ -1379,7 +1396,7 @@
           <a:p>
             <a:fld id="{1513C6CA-73B3-4DC9-B066-D1FCF0ECC11E}" type="datetime1">
               <a:rPr lang="zh-CN" altLang="en-US" smtClean="0"/>
-              <a:t>2018/6/12</a:t>
+              <a:t>2018/6/21</a:t>
             </a:fld>
             <a:endParaRPr lang="zh-CN" altLang="en-US"/>
           </a:p>
@@ -1743,7 +1760,7 @@
           <a:p>
             <a:fld id="{03089A9A-579B-401F-8874-C7FF518F5A88}" type="datetime1">
               <a:rPr lang="zh-CN" altLang="en-US" smtClean="0"/>
-              <a:t>2018/6/12</a:t>
+              <a:t>2018/6/21</a:t>
             </a:fld>
             <a:endParaRPr lang="zh-CN" altLang="en-US"/>
           </a:p>
@@ -2197,7 +2214,7 @@
           <a:p>
             <a:fld id="{2B54B63A-702C-438D-9EBD-A554DA0BB4C5}" type="datetime1">
               <a:rPr lang="zh-CN" altLang="en-US" smtClean="0"/>
-              <a:t>2018/6/12</a:t>
+              <a:t>2018/6/21</a:t>
             </a:fld>
             <a:endParaRPr lang="zh-CN" altLang="en-US"/>
           </a:p>
@@ -2373,7 +2390,7 @@
           <a:p>
             <a:fld id="{D50882F4-FFAC-42FD-B4A8-D92464063E96}" type="datetime1">
               <a:rPr lang="zh-CN" altLang="en-US" smtClean="0"/>
-              <a:t>2018/6/12</a:t>
+              <a:t>2018/6/21</a:t>
             </a:fld>
             <a:endParaRPr lang="zh-CN" altLang="en-US"/>
           </a:p>
@@ -2513,7 +2530,7 @@
           <a:p>
             <a:fld id="{CF183E3E-5248-4326-BC57-228FDB2DA169}" type="datetime1">
               <a:rPr lang="zh-CN" altLang="en-US" smtClean="0"/>
-              <a:t>2018/6/12</a:t>
+              <a:t>2018/6/21</a:t>
             </a:fld>
             <a:endParaRPr lang="zh-CN" altLang="en-US"/>
           </a:p>
@@ -2860,7 +2877,7 @@
           <a:p>
             <a:fld id="{9AD990DA-C568-4F29-BCA1-6CE24BE235A0}" type="datetime1">
               <a:rPr lang="zh-CN" altLang="en-US" smtClean="0"/>
-              <a:t>2018/6/12</a:t>
+              <a:t>2018/6/21</a:t>
             </a:fld>
             <a:endParaRPr lang="zh-CN" altLang="en-US"/>
           </a:p>
@@ -3184,7 +3201,7 @@
           <a:p>
             <a:fld id="{BC17C775-DFA7-4101-9AFA-763D12E29B9C}" type="datetime1">
               <a:rPr lang="zh-CN" altLang="en-US" smtClean="0"/>
-              <a:t>2018/6/12</a:t>
+              <a:t>2018/6/21</a:t>
             </a:fld>
             <a:endParaRPr lang="zh-CN" altLang="en-US"/>
           </a:p>
@@ -3425,7 +3442,7 @@
           <a:p>
             <a:fld id="{8B52D78B-8776-437B-A522-0147DE5E648B}" type="datetime1">
               <a:rPr lang="zh-CN" altLang="en-US" smtClean="0"/>
-              <a:t>2018/6/12</a:t>
+              <a:t>2018/6/21</a:t>
             </a:fld>
             <a:endParaRPr lang="zh-CN" altLang="en-US"/>
           </a:p>
@@ -4164,13 +4181,13 @@
   <p:clrMapOvr>
     <a:masterClrMapping/>
   </p:clrMapOvr>
-  <mc:AlternateContent xmlns:mc="http://schemas.openxmlformats.org/markup-compatibility/2006">
-    <mc:Choice xmlns:p14="http://schemas.microsoft.com/office/powerpoint/2010/main" Requires="p14">
+  <mc:AlternateContent xmlns:mc="http://schemas.openxmlformats.org/markup-compatibility/2006" xmlns:p14="http://schemas.microsoft.com/office/powerpoint/2010/main">
+    <mc:Choice Requires="p14">
       <p:transition spd="slow" p14:dur="2000">
         <p14:prism dir="u" isContent="1"/>
       </p:transition>
     </mc:Choice>
-    <mc:Fallback>
+    <mc:Fallback xmlns="">
       <p:transition spd="slow">
         <p:fade/>
       </p:transition>
@@ -4825,13 +4842,13 @@
   <p:clrMapOvr>
     <a:masterClrMapping/>
   </p:clrMapOvr>
-  <mc:AlternateContent xmlns:mc="http://schemas.openxmlformats.org/markup-compatibility/2006">
-    <mc:Choice xmlns:p14="http://schemas.microsoft.com/office/powerpoint/2010/main" Requires="p14">
+  <mc:AlternateContent xmlns:mc="http://schemas.openxmlformats.org/markup-compatibility/2006" xmlns:p14="http://schemas.microsoft.com/office/powerpoint/2010/main">
+    <mc:Choice Requires="p14">
       <p:transition spd="slow" p14:dur="1600">
         <p14:prism dir="d" isContent="1"/>
       </p:transition>
     </mc:Choice>
-    <mc:Fallback>
+    <mc:Fallback xmlns="">
       <p:transition spd="slow">
         <p:fade/>
       </p:transition>
@@ -7310,13 +7327,13 @@
   <p:clrMapOvr>
     <a:masterClrMapping/>
   </p:clrMapOvr>
-  <mc:AlternateContent xmlns:mc="http://schemas.openxmlformats.org/markup-compatibility/2006">
-    <mc:Choice xmlns:p14="http://schemas.microsoft.com/office/powerpoint/2010/main" Requires="p14">
+  <mc:AlternateContent xmlns:mc="http://schemas.openxmlformats.org/markup-compatibility/2006" xmlns:p14="http://schemas.microsoft.com/office/powerpoint/2010/main">
+    <mc:Choice Requires="p14">
       <p:transition spd="slow" p14:dur="2000">
         <p14:prism dir="u" isContent="1"/>
       </p:transition>
     </mc:Choice>
-    <mc:Fallback>
+    <mc:Fallback xmlns="">
       <p:transition spd="slow">
         <p:fade/>
       </p:transition>
@@ -8349,13 +8366,13 @@
   <p:clrMapOvr>
     <a:masterClrMapping/>
   </p:clrMapOvr>
-  <mc:AlternateContent xmlns:mc="http://schemas.openxmlformats.org/markup-compatibility/2006">
-    <mc:Choice xmlns:p14="http://schemas.microsoft.com/office/powerpoint/2010/main" Requires="p14">
+  <mc:AlternateContent xmlns:mc="http://schemas.openxmlformats.org/markup-compatibility/2006" xmlns:p14="http://schemas.microsoft.com/office/powerpoint/2010/main">
+    <mc:Choice Requires="p14">
       <p:transition spd="slow" p14:dur="2000">
         <p14:prism dir="u" isContent="1"/>
       </p:transition>
     </mc:Choice>
-    <mc:Fallback>
+    <mc:Fallback xmlns="">
       <p:transition spd="slow">
         <p:fade/>
       </p:transition>
@@ -8669,13 +8686,13 @@
   <p:clrMapOvr>
     <a:masterClrMapping/>
   </p:clrMapOvr>
-  <mc:AlternateContent xmlns:mc="http://schemas.openxmlformats.org/markup-compatibility/2006">
-    <mc:Choice xmlns:p14="http://schemas.microsoft.com/office/powerpoint/2010/main" Requires="p14">
+  <mc:AlternateContent xmlns:mc="http://schemas.openxmlformats.org/markup-compatibility/2006" xmlns:p14="http://schemas.microsoft.com/office/powerpoint/2010/main">
+    <mc:Choice Requires="p14">
       <p:transition spd="slow" p14:dur="1600">
         <p14:prism dir="d" isContent="1"/>
       </p:transition>
     </mc:Choice>
-    <mc:Fallback>
+    <mc:Fallback xmlns="">
       <p:transition spd="slow">
         <p:fade/>
       </p:transition>
@@ -9231,13 +9248,13 @@
   <p:clrMapOvr>
     <a:masterClrMapping/>
   </p:clrMapOvr>
-  <mc:AlternateContent xmlns:mc="http://schemas.openxmlformats.org/markup-compatibility/2006">
-    <mc:Choice xmlns:p14="http://schemas.microsoft.com/office/powerpoint/2010/main" Requires="p14">
+  <mc:AlternateContent xmlns:mc="http://schemas.openxmlformats.org/markup-compatibility/2006" xmlns:p14="http://schemas.microsoft.com/office/powerpoint/2010/main">
+    <mc:Choice Requires="p14">
       <p:transition spd="slow" p14:dur="1600">
         <p14:prism dir="d" isContent="1"/>
       </p:transition>
     </mc:Choice>
-    <mc:Fallback>
+    <mc:Fallback xmlns="">
       <p:transition spd="slow">
         <p:fade/>
       </p:transition>
@@ -9665,13 +9682,13 @@
   <p:clrMapOvr>
     <a:masterClrMapping/>
   </p:clrMapOvr>
-  <mc:AlternateContent xmlns:mc="http://schemas.openxmlformats.org/markup-compatibility/2006">
-    <mc:Choice xmlns:p14="http://schemas.microsoft.com/office/powerpoint/2010/main" Requires="p14">
+  <mc:AlternateContent xmlns:mc="http://schemas.openxmlformats.org/markup-compatibility/2006" xmlns:p14="http://schemas.microsoft.com/office/powerpoint/2010/main">
+    <mc:Choice Requires="p14">
       <p:transition spd="slow" p14:dur="2000">
         <p14:prism dir="u" isContent="1"/>
       </p:transition>
     </mc:Choice>
-    <mc:Fallback>
+    <mc:Fallback xmlns="">
       <p:transition spd="slow">
         <p:fade/>
       </p:transition>
@@ -10228,13 +10245,13 @@
   <p:clrMapOvr>
     <a:masterClrMapping/>
   </p:clrMapOvr>
-  <mc:AlternateContent xmlns:mc="http://schemas.openxmlformats.org/markup-compatibility/2006">
-    <mc:Choice xmlns:p14="http://schemas.microsoft.com/office/powerpoint/2010/main" Requires="p14">
+  <mc:AlternateContent xmlns:mc="http://schemas.openxmlformats.org/markup-compatibility/2006" xmlns:p14="http://schemas.microsoft.com/office/powerpoint/2010/main">
+    <mc:Choice Requires="p14">
       <p:transition spd="slow" p14:dur="2000">
         <p14:prism dir="u" isContent="1"/>
       </p:transition>
     </mc:Choice>
-    <mc:Fallback>
+    <mc:Fallback xmlns="">
       <p:transition spd="slow">
         <p:fade/>
       </p:transition>
@@ -10538,13 +10555,13 @@
   <p:clrMapOvr>
     <a:masterClrMapping/>
   </p:clrMapOvr>
-  <mc:AlternateContent xmlns:mc="http://schemas.openxmlformats.org/markup-compatibility/2006">
-    <mc:Choice xmlns:p14="http://schemas.microsoft.com/office/powerpoint/2010/main" Requires="p14">
+  <mc:AlternateContent xmlns:mc="http://schemas.openxmlformats.org/markup-compatibility/2006" xmlns:p14="http://schemas.microsoft.com/office/powerpoint/2010/main">
+    <mc:Choice Requires="p14">
       <p:transition spd="slow" p14:dur="2000">
         <p14:prism dir="u" isContent="1"/>
       </p:transition>
     </mc:Choice>
-    <mc:Fallback>
+    <mc:Fallback xmlns="">
       <p:transition spd="slow">
         <p:fade/>
       </p:transition>
@@ -11710,13 +11727,13 @@
   <p:clrMapOvr>
     <a:masterClrMapping/>
   </p:clrMapOvr>
-  <mc:AlternateContent xmlns:mc="http://schemas.openxmlformats.org/markup-compatibility/2006">
-    <mc:Choice xmlns:p14="http://schemas.microsoft.com/office/powerpoint/2010/main" Requires="p14">
+  <mc:AlternateContent xmlns:mc="http://schemas.openxmlformats.org/markup-compatibility/2006" xmlns:p14="http://schemas.microsoft.com/office/powerpoint/2010/main">
+    <mc:Choice Requires="p14">
       <p:transition spd="slow" p14:dur="2000">
         <p14:prism dir="u" isContent="1"/>
       </p:transition>
     </mc:Choice>
-    <mc:Fallback>
+    <mc:Fallback xmlns="">
       <p:transition spd="slow">
         <p:fade/>
       </p:transition>
@@ -12084,13 +12101,13 @@
   <p:clrMapOvr>
     <a:masterClrMapping/>
   </p:clrMapOvr>
-  <mc:AlternateContent xmlns:mc="http://schemas.openxmlformats.org/markup-compatibility/2006">
-    <mc:Choice xmlns:p14="http://schemas.microsoft.com/office/powerpoint/2010/main" Requires="p14">
+  <mc:AlternateContent xmlns:mc="http://schemas.openxmlformats.org/markup-compatibility/2006" xmlns:p14="http://schemas.microsoft.com/office/powerpoint/2010/main">
+    <mc:Choice Requires="p14">
       <p:transition spd="slow" p14:dur="2000">
         <p14:prism dir="u" isContent="1"/>
       </p:transition>
     </mc:Choice>
-    <mc:Fallback>
+    <mc:Fallback xmlns="">
       <p:transition spd="slow">
         <p:fade/>
       </p:transition>
@@ -12568,13 +12585,13 @@
   <p:clrMapOvr>
     <a:masterClrMapping/>
   </p:clrMapOvr>
-  <mc:AlternateContent xmlns:mc="http://schemas.openxmlformats.org/markup-compatibility/2006">
-    <mc:Choice xmlns:p14="http://schemas.microsoft.com/office/powerpoint/2010/main" Requires="p14">
+  <mc:AlternateContent xmlns:mc="http://schemas.openxmlformats.org/markup-compatibility/2006" xmlns:p14="http://schemas.microsoft.com/office/powerpoint/2010/main">
+    <mc:Choice Requires="p14">
       <p:transition spd="slow" p14:dur="2000">
         <p14:prism dir="u" isContent="1"/>
       </p:transition>
     </mc:Choice>
-    <mc:Fallback>
+    <mc:Fallback xmlns="">
       <p:transition spd="slow">
         <p:fade/>
       </p:transition>
@@ -12946,13 +12963,13 @@
   <p:clrMapOvr>
     <a:masterClrMapping/>
   </p:clrMapOvr>
-  <mc:AlternateContent xmlns:mc="http://schemas.openxmlformats.org/markup-compatibility/2006">
-    <mc:Choice xmlns:p14="http://schemas.microsoft.com/office/powerpoint/2010/main" Requires="p14">
+  <mc:AlternateContent xmlns:mc="http://schemas.openxmlformats.org/markup-compatibility/2006" xmlns:p14="http://schemas.microsoft.com/office/powerpoint/2010/main">
+    <mc:Choice Requires="p14">
       <p:transition spd="slow" p14:dur="2000">
         <p14:prism dir="u" isContent="1"/>
       </p:transition>
     </mc:Choice>
-    <mc:Fallback>
+    <mc:Fallback xmlns="">
       <p:transition spd="slow">
         <p:fade/>
       </p:transition>
@@ -14439,13 +14456,13 @@
   <p:clrMapOvr>
     <a:masterClrMapping/>
   </p:clrMapOvr>
-  <mc:AlternateContent xmlns:mc="http://schemas.openxmlformats.org/markup-compatibility/2006">
-    <mc:Choice xmlns:p14="http://schemas.microsoft.com/office/powerpoint/2010/main" Requires="p14">
+  <mc:AlternateContent xmlns:mc="http://schemas.openxmlformats.org/markup-compatibility/2006" xmlns:p14="http://schemas.microsoft.com/office/powerpoint/2010/main">
+    <mc:Choice Requires="p14">
       <p:transition spd="slow" p14:dur="2000">
         <p14:prism dir="u" isContent="1"/>
       </p:transition>
     </mc:Choice>
-    <mc:Fallback>
+    <mc:Fallback xmlns="">
       <p:transition spd="slow">
         <p:fade/>
       </p:transition>
@@ -14948,13 +14965,13 @@
   <p:clrMapOvr>
     <a:masterClrMapping/>
   </p:clrMapOvr>
-  <mc:AlternateContent xmlns:mc="http://schemas.openxmlformats.org/markup-compatibility/2006">
-    <mc:Choice xmlns:p14="http://schemas.microsoft.com/office/powerpoint/2010/main" Requires="p14">
+  <mc:AlternateContent xmlns:mc="http://schemas.openxmlformats.org/markup-compatibility/2006" xmlns:p14="http://schemas.microsoft.com/office/powerpoint/2010/main">
+    <mc:Choice Requires="p14">
       <p:transition spd="slow" p14:dur="2000">
         <p14:prism dir="u" isContent="1"/>
       </p:transition>
     </mc:Choice>
-    <mc:Fallback>
+    <mc:Fallback xmlns="">
       <p:transition spd="slow">
         <p:fade/>
       </p:transition>
@@ -15058,13 +15075,13 @@
   <p:clrMapOvr>
     <a:masterClrMapping/>
   </p:clrMapOvr>
-  <mc:AlternateContent xmlns:mc="http://schemas.openxmlformats.org/markup-compatibility/2006">
-    <mc:Choice xmlns:p14="http://schemas.microsoft.com/office/powerpoint/2010/main" Requires="p14">
+  <mc:AlternateContent xmlns:mc="http://schemas.openxmlformats.org/markup-compatibility/2006" xmlns:p14="http://schemas.microsoft.com/office/powerpoint/2010/main">
+    <mc:Choice Requires="p14">
       <p:transition spd="slow" p14:dur="1400">
         <p14:doors dir="vert"/>
       </p:transition>
     </mc:Choice>
-    <mc:Fallback>
+    <mc:Fallback xmlns="">
       <p:transition spd="slow">
         <p:fade/>
       </p:transition>
@@ -15554,13 +15571,13 @@
   <p:clrMapOvr>
     <a:masterClrMapping/>
   </p:clrMapOvr>
-  <mc:AlternateContent xmlns:mc="http://schemas.openxmlformats.org/markup-compatibility/2006">
-    <mc:Choice xmlns:p14="http://schemas.microsoft.com/office/powerpoint/2010/main" Requires="p14">
+  <mc:AlternateContent xmlns:mc="http://schemas.openxmlformats.org/markup-compatibility/2006" xmlns:p14="http://schemas.microsoft.com/office/powerpoint/2010/main">
+    <mc:Choice Requires="p14">
       <p:transition spd="slow" p14:dur="2000">
         <p14:prism dir="u" isContent="1"/>
       </p:transition>
     </mc:Choice>
-    <mc:Fallback>
+    <mc:Fallback xmlns="">
       <p:transition spd="slow">
         <p:fade/>
       </p:transition>
@@ -15940,13 +15957,13 @@
   <p:clrMapOvr>
     <a:masterClrMapping/>
   </p:clrMapOvr>
-  <mc:AlternateContent xmlns:mc="http://schemas.openxmlformats.org/markup-compatibility/2006">
-    <mc:Choice xmlns:p14="http://schemas.microsoft.com/office/powerpoint/2010/main" Requires="p14">
+  <mc:AlternateContent xmlns:mc="http://schemas.openxmlformats.org/markup-compatibility/2006" xmlns:p14="http://schemas.microsoft.com/office/powerpoint/2010/main">
+    <mc:Choice Requires="p14">
       <p:transition spd="slow" p14:dur="2000">
         <p14:prism dir="u" isContent="1"/>
       </p:transition>
     </mc:Choice>
-    <mc:Fallback>
+    <mc:Fallback xmlns="">
       <p:transition spd="slow">
         <p:fade/>
       </p:transition>
@@ -16341,13 +16358,13 @@
   <p:clrMapOvr>
     <a:masterClrMapping/>
   </p:clrMapOvr>
-  <mc:AlternateContent xmlns:mc="http://schemas.openxmlformats.org/markup-compatibility/2006">
-    <mc:Choice xmlns:p14="http://schemas.microsoft.com/office/powerpoint/2010/main" Requires="p14">
+  <mc:AlternateContent xmlns:mc="http://schemas.openxmlformats.org/markup-compatibility/2006" xmlns:p14="http://schemas.microsoft.com/office/powerpoint/2010/main">
+    <mc:Choice Requires="p14">
       <p:transition spd="slow" p14:dur="1600">
         <p14:prism dir="d" isContent="1"/>
       </p:transition>
     </mc:Choice>
-    <mc:Fallback>
+    <mc:Fallback xmlns="">
       <p:transition spd="slow">
         <p:fade/>
       </p:transition>
@@ -16618,13 +16635,13 @@
   <p:clrMapOvr>
     <a:masterClrMapping/>
   </p:clrMapOvr>
-  <mc:AlternateContent xmlns:mc="http://schemas.openxmlformats.org/markup-compatibility/2006">
-    <mc:Choice xmlns:p14="http://schemas.microsoft.com/office/powerpoint/2010/main" Requires="p14">
+  <mc:AlternateContent xmlns:mc="http://schemas.openxmlformats.org/markup-compatibility/2006" xmlns:p14="http://schemas.microsoft.com/office/powerpoint/2010/main">
+    <mc:Choice Requires="p14">
       <p:transition spd="slow" p14:dur="2000">
         <p14:prism dir="u" isContent="1"/>
       </p:transition>
     </mc:Choice>
-    <mc:Fallback>
+    <mc:Fallback xmlns="">
       <p:transition spd="slow">
         <p:fade/>
       </p:transition>
@@ -16832,13 +16849,13 @@
   <p:clrMapOvr>
     <a:masterClrMapping/>
   </p:clrMapOvr>
-  <mc:AlternateContent xmlns:mc="http://schemas.openxmlformats.org/markup-compatibility/2006">
-    <mc:Choice xmlns:p14="http://schemas.microsoft.com/office/powerpoint/2010/main" Requires="p14">
+  <mc:AlternateContent xmlns:mc="http://schemas.openxmlformats.org/markup-compatibility/2006" xmlns:p14="http://schemas.microsoft.com/office/powerpoint/2010/main">
+    <mc:Choice Requires="p14">
       <p:transition spd="slow" p14:dur="1600">
         <p14:prism dir="d" isContent="1"/>
       </p:transition>
     </mc:Choice>
-    <mc:Fallback>
+    <mc:Fallback xmlns="">
       <p:transition spd="slow">
         <p:fade/>
       </p:transition>
@@ -17335,13 +17352,13 @@
   <p:clrMapOvr>
     <a:masterClrMapping/>
   </p:clrMapOvr>
-  <mc:AlternateContent xmlns:mc="http://schemas.openxmlformats.org/markup-compatibility/2006">
-    <mc:Choice xmlns:p14="http://schemas.microsoft.com/office/powerpoint/2010/main" Requires="p14">
+  <mc:AlternateContent xmlns:mc="http://schemas.openxmlformats.org/markup-compatibility/2006" xmlns:p14="http://schemas.microsoft.com/office/powerpoint/2010/main">
+    <mc:Choice Requires="p14">
       <p:transition spd="slow" p14:dur="1600">
         <p14:prism dir="d" isContent="1"/>
       </p:transition>
     </mc:Choice>
-    <mc:Fallback>
+    <mc:Fallback xmlns="">
       <p:transition spd="slow">
         <p:fade/>
       </p:transition>
@@ -17764,13 +17781,13 @@
   <p:clrMapOvr>
     <a:masterClrMapping/>
   </p:clrMapOvr>
-  <mc:AlternateContent xmlns:mc="http://schemas.openxmlformats.org/markup-compatibility/2006">
-    <mc:Choice xmlns:p14="http://schemas.microsoft.com/office/powerpoint/2010/main" Requires="p14">
+  <mc:AlternateContent xmlns:mc="http://schemas.openxmlformats.org/markup-compatibility/2006" xmlns:p14="http://schemas.microsoft.com/office/powerpoint/2010/main">
+    <mc:Choice Requires="p14">
       <p:transition spd="slow" p14:dur="2000">
         <p14:prism dir="u" isContent="1"/>
       </p:transition>
     </mc:Choice>
-    <mc:Fallback>
+    <mc:Fallback xmlns="">
       <p:transition spd="slow">
         <p:fade/>
       </p:transition>
@@ -18165,13 +18182,13 @@
   <p:clrMapOvr>
     <a:masterClrMapping/>
   </p:clrMapOvr>
-  <mc:AlternateContent xmlns:mc="http://schemas.openxmlformats.org/markup-compatibility/2006">
-    <mc:Choice xmlns:p14="http://schemas.microsoft.com/office/powerpoint/2010/main" Requires="p14">
+  <mc:AlternateContent xmlns:mc="http://schemas.openxmlformats.org/markup-compatibility/2006" xmlns:p14="http://schemas.microsoft.com/office/powerpoint/2010/main">
+    <mc:Choice Requires="p14">
       <p:transition spd="slow" p14:dur="2000">
         <p14:prism dir="u" isContent="1"/>
       </p:transition>
     </mc:Choice>
-    <mc:Fallback>
+    <mc:Fallback xmlns="">
       <p:transition spd="slow">
         <p:fade/>
       </p:transition>
@@ -19360,6 +19377,18 @@
   <p:clrMapOvr>
     <a:masterClrMapping/>
   </p:clrMapOvr>
+  <mc:AlternateContent xmlns:mc="http://schemas.openxmlformats.org/markup-compatibility/2006">
+    <mc:Choice xmlns:p14="http://schemas.microsoft.com/office/powerpoint/2010/main" Requires="p14">
+      <p:transition spd="med" p14:dur="700">
+        <p:fade/>
+      </p:transition>
+    </mc:Choice>
+    <mc:Fallback>
+      <p:transition spd="med">
+        <p:fade/>
+      </p:transition>
+    </mc:Fallback>
+  </mc:AlternateContent>
 </p:sld>
 </file>
 
@@ -19627,13 +19656,13 @@
   <p:clrMapOvr>
     <a:masterClrMapping/>
   </p:clrMapOvr>
-  <mc:AlternateContent xmlns:mc="http://schemas.openxmlformats.org/markup-compatibility/2006">
-    <mc:Choice xmlns:p14="http://schemas.microsoft.com/office/powerpoint/2010/main" Requires="p14">
+  <mc:AlternateContent xmlns:mc="http://schemas.openxmlformats.org/markup-compatibility/2006" xmlns:p14="http://schemas.microsoft.com/office/powerpoint/2010/main">
+    <mc:Choice Requires="p14">
       <p:transition spd="med" p14:dur="700">
         <p:fade/>
       </p:transition>
     </mc:Choice>
-    <mc:Fallback>
+    <mc:Fallback xmlns="">
       <p:transition spd="med">
         <p:fade/>
       </p:transition>
@@ -19661,10 +19690,10 @@
       </p:grpSpPr>
       <p:sp>
         <p:nvSpPr>
-          <p:cNvPr id="4" name="矩形 3">
-            <a:extLst>
-              <a:ext uri="{FF2B5EF4-FFF2-40B4-BE49-F238E27FC236}">
-                <a16:creationId xmlns:a16="http://schemas.microsoft.com/office/drawing/2014/main" id="{42974963-45A6-4DFB-8BB4-486ACBA4DE2A}"/>
+          <p:cNvPr id="7" name="矩形 6">
+            <a:extLst>
+              <a:ext uri="{FF2B5EF4-FFF2-40B4-BE49-F238E27FC236}">
+                <a16:creationId xmlns:a16="http://schemas.microsoft.com/office/drawing/2014/main" id="{4AD40DD2-32FC-4CB2-AC19-AA538D51534B}"/>
               </a:ext>
             </a:extLst>
           </p:cNvPr>
@@ -19673,7 +19702,118 @@
         </p:nvSpPr>
         <p:spPr>
           <a:xfrm>
-            <a:off x="3961254" y="1688986"/>
+            <a:off x="5593300" y="5671112"/>
+            <a:ext cx="1005403" cy="338554"/>
+          </a:xfrm>
+          <a:prstGeom prst="rect">
+            <a:avLst/>
+          </a:prstGeom>
+          <a:noFill/>
+        </p:spPr>
+        <p:txBody>
+          <a:bodyPr wrap="none" lIns="91440" tIns="45720" rIns="91440" bIns="45720">
+            <a:spAutoFit/>
+          </a:bodyPr>
+          <a:lstStyle/>
+          <a:p>
+            <a:pPr algn="ctr"/>
+            <a:r>
+              <a:rPr lang="zh-CN" altLang="en-US" sz="1600" b="0" cap="none" spc="0" dirty="0">
+                <a:ln w="0"/>
+                <a:solidFill>
+                  <a:schemeClr val="tx1">
+                    <a:lumMod val="65000"/>
+                    <a:lumOff val="35000"/>
+                  </a:schemeClr>
+                </a:solidFill>
+                <a:effectLst>
+                  <a:outerShdw blurRad="38100" dist="25400" dir="5400000" algn="ctr" rotWithShape="0">
+                    <a:srgbClr val="6E747A">
+                      <a:alpha val="43000"/>
+                    </a:srgbClr>
+                  </a:outerShdw>
+                </a:effectLst>
+                <a:latin typeface="宋体" panose="02010600030101010101" pitchFamily="2" charset="-122"/>
+                <a:ea typeface="宋体" panose="02010600030101010101" pitchFamily="2" charset="-122"/>
+              </a:rPr>
+              <a:t>配置发布</a:t>
+            </a:r>
+          </a:p>
+        </p:txBody>
+      </p:sp>
+      <p:sp>
+        <p:nvSpPr>
+          <p:cNvPr id="8" name="立方体 7">
+            <a:extLst>
+              <a:ext uri="{FF2B5EF4-FFF2-40B4-BE49-F238E27FC236}">
+                <a16:creationId xmlns:a16="http://schemas.microsoft.com/office/drawing/2014/main" id="{F4911F2D-44ED-4365-949B-9B287B178B09}"/>
+              </a:ext>
+            </a:extLst>
+          </p:cNvPr>
+          <p:cNvSpPr/>
+          <p:nvPr/>
+        </p:nvSpPr>
+        <p:spPr>
+          <a:xfrm>
+            <a:off x="5899608" y="5231471"/>
+            <a:ext cx="392784" cy="338554"/>
+          </a:xfrm>
+          <a:prstGeom prst="cube">
+            <a:avLst/>
+          </a:prstGeom>
+          <a:solidFill>
+            <a:schemeClr val="bg1">
+              <a:lumMod val="85000"/>
+            </a:schemeClr>
+          </a:solidFill>
+          <a:ln>
+            <a:solidFill>
+              <a:schemeClr val="bg2">
+                <a:lumMod val="75000"/>
+              </a:schemeClr>
+            </a:solidFill>
+          </a:ln>
+        </p:spPr>
+        <p:style>
+          <a:lnRef idx="2">
+            <a:schemeClr val="accent1">
+              <a:shade val="50000"/>
+            </a:schemeClr>
+          </a:lnRef>
+          <a:fillRef idx="1">
+            <a:schemeClr val="accent1"/>
+          </a:fillRef>
+          <a:effectRef idx="0">
+            <a:schemeClr val="accent1"/>
+          </a:effectRef>
+          <a:fontRef idx="minor">
+            <a:schemeClr val="lt1"/>
+          </a:fontRef>
+        </p:style>
+        <p:txBody>
+          <a:bodyPr rtlCol="0" anchor="ctr"/>
+          <a:lstStyle/>
+          <a:p>
+            <a:pPr algn="ctr"/>
+            <a:endParaRPr lang="zh-CN" altLang="en-US"/>
+          </a:p>
+        </p:txBody>
+      </p:sp>
+      <p:sp>
+        <p:nvSpPr>
+          <p:cNvPr id="13" name="矩形 12">
+            <a:extLst>
+              <a:ext uri="{FF2B5EF4-FFF2-40B4-BE49-F238E27FC236}">
+                <a16:creationId xmlns:a16="http://schemas.microsoft.com/office/drawing/2014/main" id="{E9F800C9-742B-4444-8061-4A631E2E80CA}"/>
+              </a:ext>
+            </a:extLst>
+          </p:cNvPr>
+          <p:cNvSpPr/>
+          <p:nvPr/>
+        </p:nvSpPr>
+        <p:spPr>
+          <a:xfrm>
+            <a:off x="4492812" y="1179938"/>
             <a:ext cx="2813591" cy="707886"/>
           </a:xfrm>
           <a:prstGeom prst="rect">
@@ -19714,10 +19854,10 @@
       </p:sp>
       <p:sp>
         <p:nvSpPr>
-          <p:cNvPr id="5" name="矩形 4">
-            <a:extLst>
-              <a:ext uri="{FF2B5EF4-FFF2-40B4-BE49-F238E27FC236}">
-                <a16:creationId xmlns:a16="http://schemas.microsoft.com/office/drawing/2014/main" id="{E90AEE62-A014-4BA6-A736-33939477ED96}"/>
+          <p:cNvPr id="14" name="矩形 13">
+            <a:extLst>
+              <a:ext uri="{FF2B5EF4-FFF2-40B4-BE49-F238E27FC236}">
+                <a16:creationId xmlns:a16="http://schemas.microsoft.com/office/drawing/2014/main" id="{1618FD8F-DCD4-41C9-9633-713C02D2DC08}"/>
               </a:ext>
             </a:extLst>
           </p:cNvPr>
@@ -19726,7 +19866,7 @@
         </p:nvSpPr>
         <p:spPr>
           <a:xfrm>
-            <a:off x="3961254" y="2662439"/>
+            <a:off x="4492812" y="2959918"/>
             <a:ext cx="4865434" cy="707886"/>
           </a:xfrm>
           <a:prstGeom prst="rect">
@@ -19782,10 +19922,10 @@
       </p:sp>
       <p:sp>
         <p:nvSpPr>
-          <p:cNvPr id="6" name="矩形 5">
-            <a:extLst>
-              <a:ext uri="{FF2B5EF4-FFF2-40B4-BE49-F238E27FC236}">
-                <a16:creationId xmlns:a16="http://schemas.microsoft.com/office/drawing/2014/main" id="{E3CF1568-03EE-4E54-B443-4130E1991CEA}"/>
+          <p:cNvPr id="15" name="矩形 14">
+            <a:extLst>
+              <a:ext uri="{FF2B5EF4-FFF2-40B4-BE49-F238E27FC236}">
+                <a16:creationId xmlns:a16="http://schemas.microsoft.com/office/drawing/2014/main" id="{D1132F27-9B3E-4AB9-95A0-04F6B302C839}"/>
               </a:ext>
             </a:extLst>
           </p:cNvPr>
@@ -19794,7 +19934,7 @@
         </p:nvSpPr>
         <p:spPr>
           <a:xfrm>
-            <a:off x="3961254" y="3635892"/>
+            <a:off x="4492812" y="3933371"/>
             <a:ext cx="4865434" cy="707886"/>
           </a:xfrm>
           <a:prstGeom prst="rect">
@@ -19850,6 +19990,116 @@
       </p:sp>
       <p:sp>
         <p:nvSpPr>
+          <p:cNvPr id="16" name="矩形 15">
+            <a:extLst>
+              <a:ext uri="{FF2B5EF4-FFF2-40B4-BE49-F238E27FC236}">
+                <a16:creationId xmlns:a16="http://schemas.microsoft.com/office/drawing/2014/main" id="{47DE001D-8DA0-475B-B0A0-5AC847FA2316}"/>
+              </a:ext>
+            </a:extLst>
+          </p:cNvPr>
+          <p:cNvSpPr/>
+          <p:nvPr/>
+        </p:nvSpPr>
+        <p:spPr>
+          <a:xfrm>
+            <a:off x="4492812" y="2069928"/>
+            <a:ext cx="2813591" cy="707886"/>
+          </a:xfrm>
+          <a:prstGeom prst="rect">
+            <a:avLst/>
+          </a:prstGeom>
+          <a:noFill/>
+        </p:spPr>
+        <p:txBody>
+          <a:bodyPr wrap="none" lIns="91440" tIns="45720" rIns="91440" bIns="45720">
+            <a:spAutoFit/>
+          </a:bodyPr>
+          <a:lstStyle/>
+          <a:p>
+            <a:pPr marL="571500" indent="-571500">
+              <a:buFont typeface="Wingdings" panose="05000000000000000000" pitchFamily="2" charset="2"/>
+              <a:buChar char="p"/>
+            </a:pPr>
+            <a:r>
+              <a:rPr lang="zh-CN" altLang="en-US" sz="4000" b="0" cap="none" spc="0" dirty="0">
+                <a:ln w="0"/>
+                <a:solidFill>
+                  <a:schemeClr val="bg1"/>
+                </a:solidFill>
+                <a:effectLst>
+                  <a:outerShdw blurRad="38100" dist="25400" dir="5400000" algn="ctr" rotWithShape="0">
+                    <a:srgbClr val="6E747A">
+                      <a:alpha val="43000"/>
+                    </a:srgbClr>
+                  </a:outerShdw>
+                </a:effectLst>
+                <a:latin typeface="宋体" panose="02010600030101010101" pitchFamily="2" charset="-122"/>
+                <a:ea typeface="宋体" panose="02010600030101010101" pitchFamily="2" charset="-122"/>
+              </a:rPr>
+              <a:t>回滚配置</a:t>
+            </a:r>
+            <a:endParaRPr lang="en-US" altLang="zh-CN" sz="4000" b="0" cap="none" spc="0" dirty="0">
+              <a:ln w="0"/>
+              <a:solidFill>
+                <a:schemeClr val="bg1"/>
+              </a:solidFill>
+              <a:effectLst>
+                <a:outerShdw blurRad="38100" dist="25400" dir="5400000" algn="ctr" rotWithShape="0">
+                  <a:srgbClr val="6E747A">
+                    <a:alpha val="43000"/>
+                  </a:srgbClr>
+                </a:outerShdw>
+              </a:effectLst>
+              <a:latin typeface="宋体" panose="02010600030101010101" pitchFamily="2" charset="-122"/>
+              <a:ea typeface="宋体" panose="02010600030101010101" pitchFamily="2" charset="-122"/>
+            </a:endParaRPr>
+          </a:p>
+        </p:txBody>
+      </p:sp>
+    </p:spTree>
+    <p:extLst>
+      <p:ext uri="{BB962C8B-B14F-4D97-AF65-F5344CB8AC3E}">
+        <p14:creationId xmlns:p14="http://schemas.microsoft.com/office/powerpoint/2010/main" val="1322431123"/>
+      </p:ext>
+    </p:extLst>
+  </p:cSld>
+  <p:clrMapOvr>
+    <a:masterClrMapping/>
+  </p:clrMapOvr>
+  <mc:AlternateContent xmlns:mc="http://schemas.openxmlformats.org/markup-compatibility/2006">
+    <mc:Choice xmlns:p14="http://schemas.microsoft.com/office/powerpoint/2010/main" Requires="p14">
+      <p:transition spd="med" p14:dur="700">
+        <p:fade/>
+      </p:transition>
+    </mc:Choice>
+    <mc:Fallback>
+      <p:transition spd="med">
+        <p:fade/>
+      </p:transition>
+    </mc:Fallback>
+  </mc:AlternateContent>
+</p:sld>
+</file>
+
+<file path=ppt/slides/slide54.xml><?xml version="1.0" encoding="utf-8"?>
+<p:sld xmlns:a="http://schemas.openxmlformats.org/drawingml/2006/main" xmlns:r="http://schemas.openxmlformats.org/officeDocument/2006/relationships" xmlns:p="http://schemas.openxmlformats.org/presentationml/2006/main">
+  <p:cSld>
+    <p:spTree>
+      <p:nvGrpSpPr>
+        <p:cNvPr id="1" name=""/>
+        <p:cNvGrpSpPr/>
+        <p:nvPr/>
+      </p:nvGrpSpPr>
+      <p:grpSpPr>
+        <a:xfrm>
+          <a:off x="0" y="0"/>
+          <a:ext cx="0" cy="0"/>
+          <a:chOff x="0" y="0"/>
+          <a:chExt cx="0" cy="0"/>
+        </a:xfrm>
+      </p:grpSpPr>
+      <p:sp>
+        <p:nvSpPr>
           <p:cNvPr id="7" name="矩形 6">
             <a:extLst>
               <a:ext uri="{FF2B5EF4-FFF2-40B4-BE49-F238E27FC236}">
@@ -19959,42 +20209,12 @@
           </a:p>
         </p:txBody>
       </p:sp>
-    </p:spTree>
-    <p:extLst>
-      <p:ext uri="{BB962C8B-B14F-4D97-AF65-F5344CB8AC3E}">
-        <p14:creationId xmlns:p14="http://schemas.microsoft.com/office/powerpoint/2010/main" val="1322431123"/>
-      </p:ext>
-    </p:extLst>
-  </p:cSld>
-  <p:clrMapOvr>
-    <a:masterClrMapping/>
-  </p:clrMapOvr>
-</p:sld>
-</file>
-
-<file path=ppt/slides/slide54.xml><?xml version="1.0" encoding="utf-8"?>
-<p:sld xmlns:a="http://schemas.openxmlformats.org/drawingml/2006/main" xmlns:r="http://schemas.openxmlformats.org/officeDocument/2006/relationships" xmlns:p="http://schemas.openxmlformats.org/presentationml/2006/main">
-  <p:cSld>
-    <p:spTree>
-      <p:nvGrpSpPr>
-        <p:cNvPr id="1" name=""/>
-        <p:cNvGrpSpPr/>
-        <p:nvPr/>
-      </p:nvGrpSpPr>
-      <p:grpSpPr>
-        <a:xfrm>
-          <a:off x="0" y="0"/>
-          <a:ext cx="0" cy="0"/>
-          <a:chOff x="0" y="0"/>
-          <a:chExt cx="0" cy="0"/>
-        </a:xfrm>
-      </p:grpSpPr>
       <p:sp>
         <p:nvSpPr>
-          <p:cNvPr id="4" name="矩形 3">
-            <a:extLst>
-              <a:ext uri="{FF2B5EF4-FFF2-40B4-BE49-F238E27FC236}">
-                <a16:creationId xmlns:a16="http://schemas.microsoft.com/office/drawing/2014/main" id="{42974963-45A6-4DFB-8BB4-486ACBA4DE2A}"/>
+          <p:cNvPr id="9" name="矩形 8">
+            <a:extLst>
+              <a:ext uri="{FF2B5EF4-FFF2-40B4-BE49-F238E27FC236}">
+                <a16:creationId xmlns:a16="http://schemas.microsoft.com/office/drawing/2014/main" id="{A44DEA13-F88F-42A1-AD33-E9A12157A59F}"/>
               </a:ext>
             </a:extLst>
           </p:cNvPr>
@@ -20003,7 +20223,7 @@
         </p:nvSpPr>
         <p:spPr>
           <a:xfrm>
-            <a:off x="3961254" y="1688986"/>
+            <a:off x="4492812" y="1179938"/>
             <a:ext cx="2813591" cy="707886"/>
           </a:xfrm>
           <a:prstGeom prst="rect">
@@ -20044,10 +20264,10 @@
       </p:sp>
       <p:sp>
         <p:nvSpPr>
-          <p:cNvPr id="5" name="矩形 4">
-            <a:extLst>
-              <a:ext uri="{FF2B5EF4-FFF2-40B4-BE49-F238E27FC236}">
-                <a16:creationId xmlns:a16="http://schemas.microsoft.com/office/drawing/2014/main" id="{E90AEE62-A014-4BA6-A736-33939477ED96}"/>
+          <p:cNvPr id="10" name="矩形 9">
+            <a:extLst>
+              <a:ext uri="{FF2B5EF4-FFF2-40B4-BE49-F238E27FC236}">
+                <a16:creationId xmlns:a16="http://schemas.microsoft.com/office/drawing/2014/main" id="{F74A9F76-6C64-4379-BE1A-9AAE325DA374}"/>
               </a:ext>
             </a:extLst>
           </p:cNvPr>
@@ -20056,7 +20276,7 @@
         </p:nvSpPr>
         <p:spPr>
           <a:xfrm>
-            <a:off x="3961254" y="2662439"/>
+            <a:off x="4492812" y="2959918"/>
             <a:ext cx="4865434" cy="707886"/>
           </a:xfrm>
           <a:prstGeom prst="rect">
@@ -20116,10 +20336,10 @@
       </p:sp>
       <p:sp>
         <p:nvSpPr>
-          <p:cNvPr id="6" name="矩形 5">
-            <a:extLst>
-              <a:ext uri="{FF2B5EF4-FFF2-40B4-BE49-F238E27FC236}">
-                <a16:creationId xmlns:a16="http://schemas.microsoft.com/office/drawing/2014/main" id="{E3CF1568-03EE-4E54-B443-4130E1991CEA}"/>
+          <p:cNvPr id="11" name="矩形 10">
+            <a:extLst>
+              <a:ext uri="{FF2B5EF4-FFF2-40B4-BE49-F238E27FC236}">
+                <a16:creationId xmlns:a16="http://schemas.microsoft.com/office/drawing/2014/main" id="{054FF0FD-279A-4CE1-AC34-6E0024F25420}"/>
               </a:ext>
             </a:extLst>
           </p:cNvPr>
@@ -20128,7 +20348,7 @@
         </p:nvSpPr>
         <p:spPr>
           <a:xfrm>
-            <a:off x="3961254" y="3635892"/>
+            <a:off x="4492812" y="3933371"/>
             <a:ext cx="4865434" cy="707886"/>
           </a:xfrm>
           <a:prstGeom prst="rect">
@@ -20188,10 +20408,10 @@
       </p:sp>
       <p:sp>
         <p:nvSpPr>
-          <p:cNvPr id="7" name="矩形 6">
-            <a:extLst>
-              <a:ext uri="{FF2B5EF4-FFF2-40B4-BE49-F238E27FC236}">
-                <a16:creationId xmlns:a16="http://schemas.microsoft.com/office/drawing/2014/main" id="{4AD40DD2-32FC-4CB2-AC19-AA538D51534B}"/>
+          <p:cNvPr id="12" name="矩形 11">
+            <a:extLst>
+              <a:ext uri="{FF2B5EF4-FFF2-40B4-BE49-F238E27FC236}">
+                <a16:creationId xmlns:a16="http://schemas.microsoft.com/office/drawing/2014/main" id="{BD5594CC-D12B-4C81-A106-C53677F710D5}"/>
               </a:ext>
             </a:extLst>
           </p:cNvPr>
@@ -20200,8 +20420,8 @@
         </p:nvSpPr>
         <p:spPr>
           <a:xfrm>
-            <a:off x="5593300" y="5671112"/>
-            <a:ext cx="1005403" cy="338554"/>
+            <a:off x="4492812" y="2069928"/>
+            <a:ext cx="2813591" cy="707886"/>
           </a:xfrm>
           <a:prstGeom prst="rect">
             <a:avLst/>
@@ -20214,14 +20434,16 @@
           </a:bodyPr>
           <a:lstStyle/>
           <a:p>
-            <a:pPr algn="ctr"/>
+            <a:pPr marL="571500" indent="-571500">
+              <a:buFont typeface="Wingdings" panose="05000000000000000000" pitchFamily="2" charset="2"/>
+              <a:buChar char="p"/>
+            </a:pPr>
             <a:r>
-              <a:rPr lang="zh-CN" altLang="en-US" sz="1600" b="0" cap="none" spc="0" dirty="0">
+              <a:rPr lang="zh-CN" altLang="en-US" sz="4000" b="0" cap="none" spc="0" dirty="0">
                 <a:ln w="0"/>
                 <a:solidFill>
-                  <a:schemeClr val="tx1">
+                  <a:schemeClr val="bg1">
                     <a:lumMod val="65000"/>
-                    <a:lumOff val="35000"/>
                   </a:schemeClr>
                 </a:solidFill>
                 <a:effectLst>
@@ -20234,66 +20456,25 @@
                 <a:latin typeface="宋体" panose="02010600030101010101" pitchFamily="2" charset="-122"/>
                 <a:ea typeface="宋体" panose="02010600030101010101" pitchFamily="2" charset="-122"/>
               </a:rPr>
-              <a:t>配置发布</a:t>
+              <a:t>回滚配置</a:t>
             </a:r>
-          </a:p>
-        </p:txBody>
-      </p:sp>
-      <p:sp>
-        <p:nvSpPr>
-          <p:cNvPr id="8" name="立方体 7">
-            <a:extLst>
-              <a:ext uri="{FF2B5EF4-FFF2-40B4-BE49-F238E27FC236}">
-                <a16:creationId xmlns:a16="http://schemas.microsoft.com/office/drawing/2014/main" id="{F4911F2D-44ED-4365-949B-9B287B178B09}"/>
-              </a:ext>
-            </a:extLst>
-          </p:cNvPr>
-          <p:cNvSpPr/>
-          <p:nvPr/>
-        </p:nvSpPr>
-        <p:spPr>
-          <a:xfrm>
-            <a:off x="5899608" y="5231471"/>
-            <a:ext cx="392784" cy="338554"/>
-          </a:xfrm>
-          <a:prstGeom prst="cube">
-            <a:avLst/>
-          </a:prstGeom>
-          <a:solidFill>
-            <a:schemeClr val="bg1">
-              <a:lumMod val="85000"/>
-            </a:schemeClr>
-          </a:solidFill>
-          <a:ln>
-            <a:solidFill>
-              <a:schemeClr val="bg2">
-                <a:lumMod val="75000"/>
-              </a:schemeClr>
-            </a:solidFill>
-          </a:ln>
-        </p:spPr>
-        <p:style>
-          <a:lnRef idx="2">
-            <a:schemeClr val="accent1">
-              <a:shade val="50000"/>
-            </a:schemeClr>
-          </a:lnRef>
-          <a:fillRef idx="1">
-            <a:schemeClr val="accent1"/>
-          </a:fillRef>
-          <a:effectRef idx="0">
-            <a:schemeClr val="accent1"/>
-          </a:effectRef>
-          <a:fontRef idx="minor">
-            <a:schemeClr val="lt1"/>
-          </a:fontRef>
-        </p:style>
-        <p:txBody>
-          <a:bodyPr rtlCol="0" anchor="ctr"/>
-          <a:lstStyle/>
-          <a:p>
-            <a:pPr algn="ctr"/>
-            <a:endParaRPr lang="zh-CN" altLang="en-US"/>
+            <a:endParaRPr lang="en-US" altLang="zh-CN" sz="4000" b="0" cap="none" spc="0" dirty="0">
+              <a:ln w="0"/>
+              <a:solidFill>
+                <a:schemeClr val="bg1">
+                  <a:lumMod val="65000"/>
+                </a:schemeClr>
+              </a:solidFill>
+              <a:effectLst>
+                <a:outerShdw blurRad="38100" dist="25400" dir="5400000" algn="ctr" rotWithShape="0">
+                  <a:srgbClr val="6E747A">
+                    <a:alpha val="43000"/>
+                  </a:srgbClr>
+                </a:outerShdw>
+              </a:effectLst>
+              <a:latin typeface="宋体" panose="02010600030101010101" pitchFamily="2" charset="-122"/>
+              <a:ea typeface="宋体" panose="02010600030101010101" pitchFamily="2" charset="-122"/>
+            </a:endParaRPr>
           </a:p>
         </p:txBody>
       </p:sp>
@@ -20307,6 +20488,18 @@
   <p:clrMapOvr>
     <a:masterClrMapping/>
   </p:clrMapOvr>
+  <mc:AlternateContent xmlns:mc="http://schemas.openxmlformats.org/markup-compatibility/2006">
+    <mc:Choice xmlns:p14="http://schemas.microsoft.com/office/powerpoint/2010/main" Requires="p14">
+      <p:transition spd="med" p14:dur="700">
+        <p:fade/>
+      </p:transition>
+    </mc:Choice>
+    <mc:Fallback>
+      <p:transition spd="med">
+        <p:fade/>
+      </p:transition>
+    </mc:Fallback>
+  </mc:AlternateContent>
 </p:sld>
 </file>
 
@@ -20531,9 +20724,18 @@
   <p:clrMapOvr>
     <a:masterClrMapping/>
   </p:clrMapOvr>
-  <p:transition spd="slow">
-    <p:wipe/>
-  </p:transition>
+  <mc:AlternateContent xmlns:mc="http://schemas.openxmlformats.org/markup-compatibility/2006">
+    <mc:Choice xmlns:p14="http://schemas.microsoft.com/office/powerpoint/2010/main" Requires="p14">
+      <p:transition spd="med" p14:dur="700">
+        <p:fade/>
+      </p:transition>
+    </mc:Choice>
+    <mc:Fallback>
+      <p:transition spd="med">
+        <p:fade/>
+      </p:transition>
+    </mc:Fallback>
+  </mc:AlternateContent>
   <p:timing>
     <p:tnLst>
       <p:par>
@@ -20937,13 +21139,13 @@
   <p:clrMapOvr>
     <a:masterClrMapping/>
   </p:clrMapOvr>
-  <mc:AlternateContent xmlns:mc="http://schemas.openxmlformats.org/markup-compatibility/2006">
-    <mc:Choice xmlns:p14="http://schemas.microsoft.com/office/powerpoint/2010/main" Requires="p14">
+  <mc:AlternateContent xmlns:mc="http://schemas.openxmlformats.org/markup-compatibility/2006" xmlns:p14="http://schemas.microsoft.com/office/powerpoint/2010/main">
+    <mc:Choice Requires="p14">
       <p:transition spd="slow" p14:dur="2000">
         <p14:prism dir="u" isContent="1"/>
       </p:transition>
     </mc:Choice>
-    <mc:Fallback>
+    <mc:Fallback xmlns="">
       <p:transition spd="slow">
         <p:fade/>
       </p:transition>
@@ -21300,13 +21502,13 @@
   <p:clrMapOvr>
     <a:masterClrMapping/>
   </p:clrMapOvr>
-  <mc:AlternateContent xmlns:mc="http://schemas.openxmlformats.org/markup-compatibility/2006">
-    <mc:Choice xmlns:p14="http://schemas.microsoft.com/office/powerpoint/2010/main" Requires="p14">
+  <mc:AlternateContent xmlns:mc="http://schemas.openxmlformats.org/markup-compatibility/2006" xmlns:p14="http://schemas.microsoft.com/office/powerpoint/2010/main">
+    <mc:Choice Requires="p14">
       <p:transition spd="slow" p14:dur="1600">
         <p14:prism dir="d" isContent="1"/>
       </p:transition>
     </mc:Choice>
-    <mc:Fallback>
+    <mc:Fallback xmlns="">
       <p:transition spd="slow">
         <p:fade/>
       </p:transition>
@@ -22628,13 +22830,13 @@
   <p:clrMapOvr>
     <a:masterClrMapping/>
   </p:clrMapOvr>
-  <mc:AlternateContent xmlns:mc="http://schemas.openxmlformats.org/markup-compatibility/2006">
-    <mc:Choice xmlns:p14="http://schemas.microsoft.com/office/powerpoint/2010/main" Requires="p14">
+  <mc:AlternateContent xmlns:mc="http://schemas.openxmlformats.org/markup-compatibility/2006" xmlns:p14="http://schemas.microsoft.com/office/powerpoint/2010/main">
+    <mc:Choice Requires="p14">
       <p:transition spd="med" p14:dur="700">
         <p:fade/>
       </p:transition>
     </mc:Choice>
-    <mc:Fallback>
+    <mc:Fallback xmlns="">
       <p:transition spd="med">
         <p:fade/>
       </p:transition>
@@ -22674,7 +22876,7 @@
         </p:nvSpPr>
         <p:spPr>
           <a:xfrm>
-            <a:off x="3961254" y="1688986"/>
+            <a:off x="4055522" y="1208219"/>
             <a:ext cx="2813591" cy="707886"/>
           </a:xfrm>
           <a:prstGeom prst="rect">
@@ -22729,7 +22931,7 @@
         </p:nvSpPr>
         <p:spPr>
           <a:xfrm>
-            <a:off x="3961254" y="2662439"/>
+            <a:off x="4055522" y="2988199"/>
             <a:ext cx="4865434" cy="707886"/>
           </a:xfrm>
           <a:prstGeom prst="rect">
@@ -22751,7 +22953,9 @@
               <a:rPr lang="zh-CN" altLang="en-US" sz="4000" b="0" cap="none" spc="0" dirty="0">
                 <a:ln w="0"/>
                 <a:solidFill>
-                  <a:schemeClr val="bg1"/>
+                  <a:schemeClr val="bg1">
+                    <a:lumMod val="65000"/>
+                  </a:schemeClr>
                 </a:solidFill>
                 <a:effectLst>
                   <a:outerShdw blurRad="38100" dist="25400" dir="5400000" algn="ctr" rotWithShape="0">
@@ -22768,7 +22972,9 @@
             <a:endParaRPr lang="en-US" altLang="zh-CN" sz="4000" b="0" cap="none" spc="0" dirty="0">
               <a:ln w="0"/>
               <a:solidFill>
-                <a:schemeClr val="bg1"/>
+                <a:schemeClr val="bg1">
+                  <a:lumMod val="65000"/>
+                </a:schemeClr>
               </a:solidFill>
               <a:effectLst>
                 <a:outerShdw blurRad="38100" dist="25400" dir="5400000" algn="ctr" rotWithShape="0">
@@ -22797,7 +23003,7 @@
         </p:nvSpPr>
         <p:spPr>
           <a:xfrm>
-            <a:off x="3961254" y="3635892"/>
+            <a:off x="4055522" y="3961652"/>
             <a:ext cx="4865434" cy="707886"/>
           </a:xfrm>
           <a:prstGeom prst="rect">
@@ -22922,7 +23128,7 @@
         </p:nvSpPr>
         <p:spPr>
           <a:xfrm>
-            <a:off x="5899608" y="5231471"/>
+            <a:off x="6001187" y="5068065"/>
             <a:ext cx="392784" cy="338554"/>
           </a:xfrm>
           <a:prstGeom prst="cube">
@@ -22966,6 +23172,74 @@
           </a:p>
         </p:txBody>
       </p:sp>
+      <p:sp>
+        <p:nvSpPr>
+          <p:cNvPr id="9" name="矩形 8">
+            <a:extLst>
+              <a:ext uri="{FF2B5EF4-FFF2-40B4-BE49-F238E27FC236}">
+                <a16:creationId xmlns:a16="http://schemas.microsoft.com/office/drawing/2014/main" id="{A00662D6-B7EE-4B7E-BF98-674D0A2641A4}"/>
+              </a:ext>
+            </a:extLst>
+          </p:cNvPr>
+          <p:cNvSpPr/>
+          <p:nvPr/>
+        </p:nvSpPr>
+        <p:spPr>
+          <a:xfrm>
+            <a:off x="4055522" y="2098209"/>
+            <a:ext cx="2813591" cy="707886"/>
+          </a:xfrm>
+          <a:prstGeom prst="rect">
+            <a:avLst/>
+          </a:prstGeom>
+          <a:noFill/>
+        </p:spPr>
+        <p:txBody>
+          <a:bodyPr wrap="none" lIns="91440" tIns="45720" rIns="91440" bIns="45720">
+            <a:spAutoFit/>
+          </a:bodyPr>
+          <a:lstStyle/>
+          <a:p>
+            <a:pPr marL="571500" indent="-571500">
+              <a:buFont typeface="Wingdings" panose="05000000000000000000" pitchFamily="2" charset="2"/>
+              <a:buChar char="p"/>
+            </a:pPr>
+            <a:r>
+              <a:rPr lang="zh-CN" altLang="en-US" sz="4000" b="0" cap="none" spc="0" dirty="0">
+                <a:ln w="0"/>
+                <a:solidFill>
+                  <a:schemeClr val="bg1"/>
+                </a:solidFill>
+                <a:effectLst>
+                  <a:outerShdw blurRad="38100" dist="25400" dir="5400000" algn="ctr" rotWithShape="0">
+                    <a:srgbClr val="6E747A">
+                      <a:alpha val="43000"/>
+                    </a:srgbClr>
+                  </a:outerShdw>
+                </a:effectLst>
+                <a:latin typeface="宋体" panose="02010600030101010101" pitchFamily="2" charset="-122"/>
+                <a:ea typeface="宋体" panose="02010600030101010101" pitchFamily="2" charset="-122"/>
+              </a:rPr>
+              <a:t>回滚配置</a:t>
+            </a:r>
+            <a:endParaRPr lang="en-US" altLang="zh-CN" sz="4000" b="0" cap="none" spc="0" dirty="0">
+              <a:ln w="0"/>
+              <a:solidFill>
+                <a:schemeClr val="bg1"/>
+              </a:solidFill>
+              <a:effectLst>
+                <a:outerShdw blurRad="38100" dist="25400" dir="5400000" algn="ctr" rotWithShape="0">
+                  <a:srgbClr val="6E747A">
+                    <a:alpha val="43000"/>
+                  </a:srgbClr>
+                </a:outerShdw>
+              </a:effectLst>
+              <a:latin typeface="宋体" panose="02010600030101010101" pitchFamily="2" charset="-122"/>
+              <a:ea typeface="宋体" panose="02010600030101010101" pitchFamily="2" charset="-122"/>
+            </a:endParaRPr>
+          </a:p>
+        </p:txBody>
+      </p:sp>
     </p:spTree>
     <p:extLst>
       <p:ext uri="{BB962C8B-B14F-4D97-AF65-F5344CB8AC3E}">
@@ -22976,10 +23250,1116 @@
   <p:clrMapOvr>
     <a:masterClrMapping/>
   </p:clrMapOvr>
+  <mc:AlternateContent xmlns:mc="http://schemas.openxmlformats.org/markup-compatibility/2006" xmlns:p14="http://schemas.microsoft.com/office/powerpoint/2010/main">
+    <mc:Choice Requires="p14">
+      <p:transition spd="med" p14:dur="700">
+        <p:fade/>
+      </p:transition>
+    </mc:Choice>
+    <mc:Fallback xmlns="">
+      <p:transition spd="med">
+        <p:fade/>
+      </p:transition>
+    </mc:Fallback>
+  </mc:AlternateContent>
 </p:sld>
 </file>
 
 <file path=ppt/slides/slide61.xml><?xml version="1.0" encoding="utf-8"?>
+<p:sld xmlns:a="http://schemas.openxmlformats.org/drawingml/2006/main" xmlns:r="http://schemas.openxmlformats.org/officeDocument/2006/relationships" xmlns:p="http://schemas.openxmlformats.org/presentationml/2006/main">
+  <p:cSld>
+    <p:bg>
+      <p:bgPr>
+        <a:solidFill>
+          <a:srgbClr val="F1F2F7"/>
+        </a:solidFill>
+        <a:effectLst/>
+      </p:bgPr>
+    </p:bg>
+    <p:spTree>
+      <p:nvGrpSpPr>
+        <p:cNvPr id="1" name=""/>
+        <p:cNvGrpSpPr/>
+        <p:nvPr/>
+      </p:nvGrpSpPr>
+      <p:grpSpPr>
+        <a:xfrm>
+          <a:off x="0" y="0"/>
+          <a:ext cx="0" cy="0"/>
+          <a:chOff x="0" y="0"/>
+          <a:chExt cx="0" cy="0"/>
+        </a:xfrm>
+      </p:grpSpPr>
+      <p:pic>
+        <p:nvPicPr>
+          <p:cNvPr id="2" name="图片 1">
+            <a:extLst>
+              <a:ext uri="{FF2B5EF4-FFF2-40B4-BE49-F238E27FC236}">
+                <a16:creationId xmlns:a16="http://schemas.microsoft.com/office/drawing/2014/main" id="{708D57C6-9866-46F2-8424-B066F33F6347}"/>
+              </a:ext>
+            </a:extLst>
+          </p:cNvPr>
+          <p:cNvPicPr>
+            <a:picLocks noChangeAspect="1"/>
+          </p:cNvPicPr>
+          <p:nvPr/>
+        </p:nvPicPr>
+        <p:blipFill>
+          <a:blip r:embed="rId2"/>
+          <a:stretch>
+            <a:fillRect/>
+          </a:stretch>
+        </p:blipFill>
+        <p:spPr>
+          <a:xfrm>
+            <a:off x="0" y="1552325"/>
+            <a:ext cx="12192000" cy="3753349"/>
+          </a:xfrm>
+          <a:prstGeom prst="rect">
+            <a:avLst/>
+          </a:prstGeom>
+        </p:spPr>
+      </p:pic>
+      <p:sp>
+        <p:nvSpPr>
+          <p:cNvPr id="3" name="椭圆 2">
+            <a:extLst>
+              <a:ext uri="{FF2B5EF4-FFF2-40B4-BE49-F238E27FC236}">
+                <a16:creationId xmlns:a16="http://schemas.microsoft.com/office/drawing/2014/main" id="{F572A115-D5E3-4A23-A6B8-A44C7E72279A}"/>
+              </a:ext>
+            </a:extLst>
+          </p:cNvPr>
+          <p:cNvSpPr/>
+          <p:nvPr/>
+        </p:nvSpPr>
+        <p:spPr>
+          <a:xfrm>
+            <a:off x="9859651" y="2049879"/>
+            <a:ext cx="446314" cy="294701"/>
+          </a:xfrm>
+          <a:prstGeom prst="ellipse">
+            <a:avLst/>
+          </a:prstGeom>
+          <a:noFill/>
+          <a:ln>
+            <a:solidFill>
+              <a:srgbClr val="FF0000"/>
+            </a:solidFill>
+          </a:ln>
+        </p:spPr>
+        <p:style>
+          <a:lnRef idx="2">
+            <a:schemeClr val="accent1">
+              <a:shade val="50000"/>
+            </a:schemeClr>
+          </a:lnRef>
+          <a:fillRef idx="1">
+            <a:schemeClr val="accent1"/>
+          </a:fillRef>
+          <a:effectRef idx="0">
+            <a:schemeClr val="accent1"/>
+          </a:effectRef>
+          <a:fontRef idx="minor">
+            <a:schemeClr val="lt1"/>
+          </a:fontRef>
+        </p:style>
+        <p:txBody>
+          <a:bodyPr rtlCol="0" anchor="ctr"/>
+          <a:lstStyle/>
+          <a:p>
+            <a:pPr algn="ctr"/>
+            <a:endParaRPr lang="zh-CN" altLang="en-US"/>
+          </a:p>
+        </p:txBody>
+      </p:sp>
+      <p:sp>
+        <p:nvSpPr>
+          <p:cNvPr id="4" name="椭圆 3">
+            <a:extLst>
+              <a:ext uri="{FF2B5EF4-FFF2-40B4-BE49-F238E27FC236}">
+                <a16:creationId xmlns:a16="http://schemas.microsoft.com/office/drawing/2014/main" id="{C91B7706-5374-4170-8E2B-51091A8CA68D}"/>
+              </a:ext>
+            </a:extLst>
+          </p:cNvPr>
+          <p:cNvSpPr/>
+          <p:nvPr/>
+        </p:nvSpPr>
+        <p:spPr>
+          <a:xfrm>
+            <a:off x="9859651" y="4700382"/>
+            <a:ext cx="446314" cy="294701"/>
+          </a:xfrm>
+          <a:prstGeom prst="ellipse">
+            <a:avLst/>
+          </a:prstGeom>
+          <a:noFill/>
+          <a:ln>
+            <a:solidFill>
+              <a:srgbClr val="FF0000"/>
+            </a:solidFill>
+          </a:ln>
+        </p:spPr>
+        <p:style>
+          <a:lnRef idx="2">
+            <a:schemeClr val="accent1">
+              <a:shade val="50000"/>
+            </a:schemeClr>
+          </a:lnRef>
+          <a:fillRef idx="1">
+            <a:schemeClr val="accent1"/>
+          </a:fillRef>
+          <a:effectRef idx="0">
+            <a:schemeClr val="accent1"/>
+          </a:effectRef>
+          <a:fontRef idx="minor">
+            <a:schemeClr val="lt1"/>
+          </a:fontRef>
+        </p:style>
+        <p:txBody>
+          <a:bodyPr rtlCol="0" anchor="ctr"/>
+          <a:lstStyle/>
+          <a:p>
+            <a:pPr algn="ctr"/>
+            <a:endParaRPr lang="zh-CN" altLang="en-US"/>
+          </a:p>
+        </p:txBody>
+      </p:sp>
+    </p:spTree>
+    <p:extLst>
+      <p:ext uri="{BB962C8B-B14F-4D97-AF65-F5344CB8AC3E}">
+        <p14:creationId xmlns:p14="http://schemas.microsoft.com/office/powerpoint/2010/main" val="2909369772"/>
+      </p:ext>
+    </p:extLst>
+  </p:cSld>
+  <p:clrMapOvr>
+    <a:masterClrMapping/>
+  </p:clrMapOvr>
+  <mc:AlternateContent xmlns:mc="http://schemas.openxmlformats.org/markup-compatibility/2006">
+    <mc:Choice xmlns:p14="http://schemas.microsoft.com/office/powerpoint/2010/main" Requires="p14">
+      <p:transition spd="slow" p14:dur="1600">
+        <p14:prism dir="d" isContent="1"/>
+      </p:transition>
+    </mc:Choice>
+    <mc:Fallback>
+      <p:transition spd="slow">
+        <p:fade/>
+      </p:transition>
+    </mc:Fallback>
+  </mc:AlternateContent>
+  <p:timing>
+    <p:tnLst>
+      <p:par>
+        <p:cTn id="1" dur="indefinite" restart="never" nodeType="tmRoot">
+          <p:childTnLst>
+            <p:seq concurrent="1" nextAc="seek">
+              <p:cTn id="2" dur="indefinite" nodeType="mainSeq">
+                <p:childTnLst>
+                  <p:par>
+                    <p:cTn id="3" fill="hold">
+                      <p:stCondLst>
+                        <p:cond delay="indefinite"/>
+                        <p:cond evt="onBegin" delay="0">
+                          <p:tn val="2"/>
+                        </p:cond>
+                      </p:stCondLst>
+                      <p:childTnLst>
+                        <p:par>
+                          <p:cTn id="4" fill="hold">
+                            <p:stCondLst>
+                              <p:cond delay="0"/>
+                            </p:stCondLst>
+                            <p:childTnLst>
+                              <p:par>
+                                <p:cTn id="5" presetID="21" presetClass="entr" presetSubtype="1" fill="hold" grpId="0" nodeType="afterEffect">
+                                  <p:stCondLst>
+                                    <p:cond delay="0"/>
+                                  </p:stCondLst>
+                                  <p:childTnLst>
+                                    <p:set>
+                                      <p:cBhvr>
+                                        <p:cTn id="6" dur="1" fill="hold">
+                                          <p:stCondLst>
+                                            <p:cond delay="0"/>
+                                          </p:stCondLst>
+                                        </p:cTn>
+                                        <p:tgtEl>
+                                          <p:spTgt spid="3"/>
+                                        </p:tgtEl>
+                                        <p:attrNameLst>
+                                          <p:attrName>style.visibility</p:attrName>
+                                        </p:attrNameLst>
+                                      </p:cBhvr>
+                                      <p:to>
+                                        <p:strVal val="visible"/>
+                                      </p:to>
+                                    </p:set>
+                                    <p:animEffect transition="in" filter="wheel(1)">
+                                      <p:cBhvr>
+                                        <p:cTn id="7" dur="2000"/>
+                                        <p:tgtEl>
+                                          <p:spTgt spid="3"/>
+                                        </p:tgtEl>
+                                      </p:cBhvr>
+                                    </p:animEffect>
+                                  </p:childTnLst>
+                                </p:cTn>
+                              </p:par>
+                            </p:childTnLst>
+                          </p:cTn>
+                        </p:par>
+                        <p:par>
+                          <p:cTn id="8" fill="hold">
+                            <p:stCondLst>
+                              <p:cond delay="2000"/>
+                            </p:stCondLst>
+                            <p:childTnLst>
+                              <p:par>
+                                <p:cTn id="9" presetID="21" presetClass="entr" presetSubtype="1" fill="hold" grpId="0" nodeType="afterEffect">
+                                  <p:stCondLst>
+                                    <p:cond delay="0"/>
+                                  </p:stCondLst>
+                                  <p:childTnLst>
+                                    <p:set>
+                                      <p:cBhvr>
+                                        <p:cTn id="10" dur="1" fill="hold">
+                                          <p:stCondLst>
+                                            <p:cond delay="0"/>
+                                          </p:stCondLst>
+                                        </p:cTn>
+                                        <p:tgtEl>
+                                          <p:spTgt spid="4"/>
+                                        </p:tgtEl>
+                                        <p:attrNameLst>
+                                          <p:attrName>style.visibility</p:attrName>
+                                        </p:attrNameLst>
+                                      </p:cBhvr>
+                                      <p:to>
+                                        <p:strVal val="visible"/>
+                                      </p:to>
+                                    </p:set>
+                                    <p:animEffect transition="in" filter="wheel(1)">
+                                      <p:cBhvr>
+                                        <p:cTn id="11" dur="2000"/>
+                                        <p:tgtEl>
+                                          <p:spTgt spid="4"/>
+                                        </p:tgtEl>
+                                      </p:cBhvr>
+                                    </p:animEffect>
+                                  </p:childTnLst>
+                                </p:cTn>
+                              </p:par>
+                            </p:childTnLst>
+                          </p:cTn>
+                        </p:par>
+                      </p:childTnLst>
+                    </p:cTn>
+                  </p:par>
+                </p:childTnLst>
+              </p:cTn>
+              <p:prevCondLst>
+                <p:cond evt="onPrev" delay="0">
+                  <p:tgtEl>
+                    <p:sldTgt/>
+                  </p:tgtEl>
+                </p:cond>
+              </p:prevCondLst>
+              <p:nextCondLst>
+                <p:cond evt="onNext" delay="0">
+                  <p:tgtEl>
+                    <p:sldTgt/>
+                  </p:tgtEl>
+                </p:cond>
+              </p:nextCondLst>
+            </p:seq>
+          </p:childTnLst>
+        </p:cTn>
+      </p:par>
+    </p:tnLst>
+    <p:bldLst>
+      <p:bldP spid="3" grpId="0" animBg="1"/>
+      <p:bldP spid="4" grpId="0" animBg="1"/>
+    </p:bldLst>
+  </p:timing>
+</p:sld>
+</file>
+
+<file path=ppt/slides/slide62.xml><?xml version="1.0" encoding="utf-8"?>
+<p:sld xmlns:a="http://schemas.openxmlformats.org/drawingml/2006/main" xmlns:r="http://schemas.openxmlformats.org/officeDocument/2006/relationships" xmlns:p="http://schemas.openxmlformats.org/presentationml/2006/main">
+  <p:cSld>
+    <p:bg>
+      <p:bgPr>
+        <a:solidFill>
+          <a:srgbClr val="F1F2F7"/>
+        </a:solidFill>
+        <a:effectLst/>
+      </p:bgPr>
+    </p:bg>
+    <p:spTree>
+      <p:nvGrpSpPr>
+        <p:cNvPr id="1" name=""/>
+        <p:cNvGrpSpPr/>
+        <p:nvPr/>
+      </p:nvGrpSpPr>
+      <p:grpSpPr>
+        <a:xfrm>
+          <a:off x="0" y="0"/>
+          <a:ext cx="0" cy="0"/>
+          <a:chOff x="0" y="0"/>
+          <a:chExt cx="0" cy="0"/>
+        </a:xfrm>
+      </p:grpSpPr>
+      <p:pic>
+        <p:nvPicPr>
+          <p:cNvPr id="2" name="图片 1">
+            <a:extLst>
+              <a:ext uri="{FF2B5EF4-FFF2-40B4-BE49-F238E27FC236}">
+                <a16:creationId xmlns:a16="http://schemas.microsoft.com/office/drawing/2014/main" id="{5C803B54-9BDC-4C54-B39A-A9EC1725CAF9}"/>
+              </a:ext>
+            </a:extLst>
+          </p:cNvPr>
+          <p:cNvPicPr>
+            <a:picLocks noChangeAspect="1"/>
+          </p:cNvPicPr>
+          <p:nvPr/>
+        </p:nvPicPr>
+        <p:blipFill>
+          <a:blip r:embed="rId2">
+            <a:extLst>
+              <a:ext uri="{BEBA8EAE-BF5A-486C-A8C5-ECC9F3942E4B}">
+                <a14:imgProps xmlns:a14="http://schemas.microsoft.com/office/drawing/2010/main">
+                  <a14:imgLayer r:embed="rId3">
+                    <a14:imgEffect>
+                      <a14:backgroundRemoval t="2591" b="98705" l="1594" r="97311"/>
+                    </a14:imgEffect>
+                  </a14:imgLayer>
+                </a14:imgProps>
+              </a:ext>
+            </a:extLst>
+          </a:blip>
+          <a:stretch>
+            <a:fillRect/>
+          </a:stretch>
+        </p:blipFill>
+        <p:spPr>
+          <a:xfrm>
+            <a:off x="1314450" y="1524687"/>
+            <a:ext cx="9563100" cy="3676650"/>
+          </a:xfrm>
+          <a:prstGeom prst="rect">
+            <a:avLst/>
+          </a:prstGeom>
+        </p:spPr>
+      </p:pic>
+      <p:sp>
+        <p:nvSpPr>
+          <p:cNvPr id="3" name="椭圆 2">
+            <a:extLst>
+              <a:ext uri="{FF2B5EF4-FFF2-40B4-BE49-F238E27FC236}">
+                <a16:creationId xmlns:a16="http://schemas.microsoft.com/office/drawing/2014/main" id="{5D759550-4456-435F-9B40-8F644AFB138E}"/>
+              </a:ext>
+            </a:extLst>
+          </p:cNvPr>
+          <p:cNvSpPr/>
+          <p:nvPr/>
+        </p:nvSpPr>
+        <p:spPr>
+          <a:xfrm>
+            <a:off x="9774809" y="4361017"/>
+            <a:ext cx="792637" cy="588055"/>
+          </a:xfrm>
+          <a:prstGeom prst="ellipse">
+            <a:avLst/>
+          </a:prstGeom>
+          <a:noFill/>
+          <a:ln>
+            <a:solidFill>
+              <a:srgbClr val="FF0000"/>
+            </a:solidFill>
+          </a:ln>
+        </p:spPr>
+        <p:style>
+          <a:lnRef idx="2">
+            <a:schemeClr val="accent1">
+              <a:shade val="50000"/>
+            </a:schemeClr>
+          </a:lnRef>
+          <a:fillRef idx="1">
+            <a:schemeClr val="accent1"/>
+          </a:fillRef>
+          <a:effectRef idx="0">
+            <a:schemeClr val="accent1"/>
+          </a:effectRef>
+          <a:fontRef idx="minor">
+            <a:schemeClr val="lt1"/>
+          </a:fontRef>
+        </p:style>
+        <p:txBody>
+          <a:bodyPr rtlCol="0" anchor="ctr"/>
+          <a:lstStyle/>
+          <a:p>
+            <a:pPr algn="ctr"/>
+            <a:endParaRPr lang="zh-CN" altLang="en-US"/>
+          </a:p>
+        </p:txBody>
+      </p:sp>
+    </p:spTree>
+    <p:extLst>
+      <p:ext uri="{BB962C8B-B14F-4D97-AF65-F5344CB8AC3E}">
+        <p14:creationId xmlns:p14="http://schemas.microsoft.com/office/powerpoint/2010/main" val="1663553465"/>
+      </p:ext>
+    </p:extLst>
+  </p:cSld>
+  <p:clrMapOvr>
+    <a:masterClrMapping/>
+  </p:clrMapOvr>
+  <mc:AlternateContent xmlns:mc="http://schemas.openxmlformats.org/markup-compatibility/2006" xmlns:p14="http://schemas.microsoft.com/office/powerpoint/2010/main">
+    <mc:Choice Requires="p14">
+      <p:transition spd="slow" p14:dur="2000">
+        <p14:prism dir="u" isContent="1"/>
+      </p:transition>
+    </mc:Choice>
+    <mc:Fallback xmlns="">
+      <p:transition spd="slow">
+        <p:fade/>
+      </p:transition>
+    </mc:Fallback>
+  </mc:AlternateContent>
+  <p:timing>
+    <p:tnLst>
+      <p:par>
+        <p:cTn id="1" dur="indefinite" restart="never" nodeType="tmRoot">
+          <p:childTnLst>
+            <p:seq concurrent="1" nextAc="seek">
+              <p:cTn id="2" dur="indefinite" nodeType="mainSeq">
+                <p:childTnLst>
+                  <p:par>
+                    <p:cTn id="3" fill="hold">
+                      <p:stCondLst>
+                        <p:cond delay="indefinite"/>
+                        <p:cond evt="onBegin" delay="0">
+                          <p:tn val="2"/>
+                        </p:cond>
+                      </p:stCondLst>
+                      <p:childTnLst>
+                        <p:par>
+                          <p:cTn id="4" fill="hold">
+                            <p:stCondLst>
+                              <p:cond delay="0"/>
+                            </p:stCondLst>
+                            <p:childTnLst>
+                              <p:par>
+                                <p:cTn id="5" presetID="21" presetClass="entr" presetSubtype="1" fill="hold" grpId="0" nodeType="afterEffect">
+                                  <p:stCondLst>
+                                    <p:cond delay="0"/>
+                                  </p:stCondLst>
+                                  <p:childTnLst>
+                                    <p:set>
+                                      <p:cBhvr>
+                                        <p:cTn id="6" dur="1" fill="hold">
+                                          <p:stCondLst>
+                                            <p:cond delay="0"/>
+                                          </p:stCondLst>
+                                        </p:cTn>
+                                        <p:tgtEl>
+                                          <p:spTgt spid="3"/>
+                                        </p:tgtEl>
+                                        <p:attrNameLst>
+                                          <p:attrName>style.visibility</p:attrName>
+                                        </p:attrNameLst>
+                                      </p:cBhvr>
+                                      <p:to>
+                                        <p:strVal val="visible"/>
+                                      </p:to>
+                                    </p:set>
+                                    <p:animEffect transition="in" filter="wheel(1)">
+                                      <p:cBhvr>
+                                        <p:cTn id="7" dur="2000"/>
+                                        <p:tgtEl>
+                                          <p:spTgt spid="3"/>
+                                        </p:tgtEl>
+                                      </p:cBhvr>
+                                    </p:animEffect>
+                                  </p:childTnLst>
+                                </p:cTn>
+                              </p:par>
+                            </p:childTnLst>
+                          </p:cTn>
+                        </p:par>
+                      </p:childTnLst>
+                    </p:cTn>
+                  </p:par>
+                </p:childTnLst>
+              </p:cTn>
+              <p:prevCondLst>
+                <p:cond evt="onPrev" delay="0">
+                  <p:tgtEl>
+                    <p:sldTgt/>
+                  </p:tgtEl>
+                </p:cond>
+              </p:prevCondLst>
+              <p:nextCondLst>
+                <p:cond evt="onNext" delay="0">
+                  <p:tgtEl>
+                    <p:sldTgt/>
+                  </p:tgtEl>
+                </p:cond>
+              </p:nextCondLst>
+            </p:seq>
+          </p:childTnLst>
+        </p:cTn>
+      </p:par>
+    </p:tnLst>
+    <p:bldLst>
+      <p:bldP spid="3" grpId="0" animBg="1"/>
+    </p:bldLst>
+  </p:timing>
+</p:sld>
+</file>
+
+<file path=ppt/slides/slide63.xml><?xml version="1.0" encoding="utf-8"?>
+<p:sld xmlns:a="http://schemas.openxmlformats.org/drawingml/2006/main" xmlns:r="http://schemas.openxmlformats.org/officeDocument/2006/relationships" xmlns:p="http://schemas.openxmlformats.org/presentationml/2006/main">
+  <p:cSld>
+    <p:spTree>
+      <p:nvGrpSpPr>
+        <p:cNvPr id="1" name=""/>
+        <p:cNvGrpSpPr/>
+        <p:nvPr/>
+      </p:nvGrpSpPr>
+      <p:grpSpPr>
+        <a:xfrm>
+          <a:off x="0" y="0"/>
+          <a:ext cx="0" cy="0"/>
+          <a:chOff x="0" y="0"/>
+          <a:chExt cx="0" cy="0"/>
+        </a:xfrm>
+      </p:grpSpPr>
+      <p:pic>
+        <p:nvPicPr>
+          <p:cNvPr id="2" name="图片 1">
+            <a:extLst>
+              <a:ext uri="{FF2B5EF4-FFF2-40B4-BE49-F238E27FC236}">
+                <a16:creationId xmlns:a16="http://schemas.microsoft.com/office/drawing/2014/main" id="{4999F7A4-6CD3-4293-9965-66EF8FC8AE74}"/>
+              </a:ext>
+            </a:extLst>
+          </p:cNvPr>
+          <p:cNvPicPr>
+            <a:picLocks noChangeAspect="1"/>
+          </p:cNvPicPr>
+          <p:nvPr/>
+        </p:nvPicPr>
+        <p:blipFill>
+          <a:blip r:embed="rId2">
+            <a:extLst>
+              <a:ext uri="{BEBA8EAE-BF5A-486C-A8C5-ECC9F3942E4B}">
+                <a14:imgProps xmlns:a14="http://schemas.microsoft.com/office/drawing/2010/main">
+                  <a14:imgLayer r:embed="rId3">
+                    <a14:imgEffect>
+                      <a14:backgroundRemoval t="7870" b="86111" l="2562" r="97143"/>
+                    </a14:imgEffect>
+                  </a14:imgLayer>
+                </a14:imgProps>
+              </a:ext>
+            </a:extLst>
+          </a:blip>
+          <a:stretch>
+            <a:fillRect/>
+          </a:stretch>
+        </p:blipFill>
+        <p:spPr>
+          <a:xfrm>
+            <a:off x="1262062" y="2400300"/>
+            <a:ext cx="9667875" cy="2057400"/>
+          </a:xfrm>
+          <a:prstGeom prst="rect">
+            <a:avLst/>
+          </a:prstGeom>
+        </p:spPr>
+      </p:pic>
+      <p:sp>
+        <p:nvSpPr>
+          <p:cNvPr id="3" name="椭圆 2">
+            <a:extLst>
+              <a:ext uri="{FF2B5EF4-FFF2-40B4-BE49-F238E27FC236}">
+                <a16:creationId xmlns:a16="http://schemas.microsoft.com/office/drawing/2014/main" id="{FAC84D5D-2C95-4020-8574-89D50015F3B6}"/>
+              </a:ext>
+            </a:extLst>
+          </p:cNvPr>
+          <p:cNvSpPr/>
+          <p:nvPr/>
+        </p:nvSpPr>
+        <p:spPr>
+          <a:xfrm>
+            <a:off x="9840797" y="3531458"/>
+            <a:ext cx="792637" cy="588055"/>
+          </a:xfrm>
+          <a:prstGeom prst="ellipse">
+            <a:avLst/>
+          </a:prstGeom>
+          <a:noFill/>
+          <a:ln>
+            <a:solidFill>
+              <a:srgbClr val="FF0000"/>
+            </a:solidFill>
+          </a:ln>
+        </p:spPr>
+        <p:style>
+          <a:lnRef idx="2">
+            <a:schemeClr val="accent1">
+              <a:shade val="50000"/>
+            </a:schemeClr>
+          </a:lnRef>
+          <a:fillRef idx="1">
+            <a:schemeClr val="accent1"/>
+          </a:fillRef>
+          <a:effectRef idx="0">
+            <a:schemeClr val="accent1"/>
+          </a:effectRef>
+          <a:fontRef idx="minor">
+            <a:schemeClr val="lt1"/>
+          </a:fontRef>
+        </p:style>
+        <p:txBody>
+          <a:bodyPr rtlCol="0" anchor="ctr"/>
+          <a:lstStyle/>
+          <a:p>
+            <a:pPr algn="ctr"/>
+            <a:endParaRPr lang="zh-CN" altLang="en-US"/>
+          </a:p>
+        </p:txBody>
+      </p:sp>
+    </p:spTree>
+    <p:extLst>
+      <p:ext uri="{BB962C8B-B14F-4D97-AF65-F5344CB8AC3E}">
+        <p14:creationId xmlns:p14="http://schemas.microsoft.com/office/powerpoint/2010/main" val="557769148"/>
+      </p:ext>
+    </p:extLst>
+  </p:cSld>
+  <p:clrMapOvr>
+    <a:masterClrMapping/>
+  </p:clrMapOvr>
+  <mc:AlternateContent xmlns:mc="http://schemas.openxmlformats.org/markup-compatibility/2006" xmlns:p14="http://schemas.microsoft.com/office/powerpoint/2010/main">
+    <mc:Choice Requires="p14">
+      <p:transition spd="slow" p14:dur="2000">
+        <p14:prism dir="u" isContent="1"/>
+      </p:transition>
+    </mc:Choice>
+    <mc:Fallback xmlns="">
+      <p:transition spd="slow">
+        <p:fade/>
+      </p:transition>
+    </mc:Fallback>
+  </mc:AlternateContent>
+  <p:timing>
+    <p:tnLst>
+      <p:par>
+        <p:cTn id="1" dur="indefinite" restart="never" nodeType="tmRoot">
+          <p:childTnLst>
+            <p:seq concurrent="1" nextAc="seek">
+              <p:cTn id="2" dur="indefinite" nodeType="mainSeq">
+                <p:childTnLst>
+                  <p:par>
+                    <p:cTn id="3" fill="hold">
+                      <p:stCondLst>
+                        <p:cond delay="indefinite"/>
+                        <p:cond evt="onBegin" delay="0">
+                          <p:tn val="2"/>
+                        </p:cond>
+                      </p:stCondLst>
+                      <p:childTnLst>
+                        <p:par>
+                          <p:cTn id="4" fill="hold">
+                            <p:stCondLst>
+                              <p:cond delay="0"/>
+                            </p:stCondLst>
+                            <p:childTnLst>
+                              <p:par>
+                                <p:cTn id="5" presetID="21" presetClass="entr" presetSubtype="1" fill="hold" grpId="0" nodeType="afterEffect">
+                                  <p:stCondLst>
+                                    <p:cond delay="0"/>
+                                  </p:stCondLst>
+                                  <p:childTnLst>
+                                    <p:set>
+                                      <p:cBhvr>
+                                        <p:cTn id="6" dur="1" fill="hold">
+                                          <p:stCondLst>
+                                            <p:cond delay="0"/>
+                                          </p:stCondLst>
+                                        </p:cTn>
+                                        <p:tgtEl>
+                                          <p:spTgt spid="3"/>
+                                        </p:tgtEl>
+                                        <p:attrNameLst>
+                                          <p:attrName>style.visibility</p:attrName>
+                                        </p:attrNameLst>
+                                      </p:cBhvr>
+                                      <p:to>
+                                        <p:strVal val="visible"/>
+                                      </p:to>
+                                    </p:set>
+                                    <p:animEffect transition="in" filter="wheel(1)">
+                                      <p:cBhvr>
+                                        <p:cTn id="7" dur="2000"/>
+                                        <p:tgtEl>
+                                          <p:spTgt spid="3"/>
+                                        </p:tgtEl>
+                                      </p:cBhvr>
+                                    </p:animEffect>
+                                  </p:childTnLst>
+                                </p:cTn>
+                              </p:par>
+                            </p:childTnLst>
+                          </p:cTn>
+                        </p:par>
+                      </p:childTnLst>
+                    </p:cTn>
+                  </p:par>
+                </p:childTnLst>
+              </p:cTn>
+              <p:prevCondLst>
+                <p:cond evt="onPrev" delay="0">
+                  <p:tgtEl>
+                    <p:sldTgt/>
+                  </p:tgtEl>
+                </p:cond>
+              </p:prevCondLst>
+              <p:nextCondLst>
+                <p:cond evt="onNext" delay="0">
+                  <p:tgtEl>
+                    <p:sldTgt/>
+                  </p:tgtEl>
+                </p:cond>
+              </p:nextCondLst>
+            </p:seq>
+          </p:childTnLst>
+        </p:cTn>
+      </p:par>
+    </p:tnLst>
+    <p:bldLst>
+      <p:bldP spid="3" grpId="0" animBg="1"/>
+    </p:bldLst>
+  </p:timing>
+</p:sld>
+</file>
+
+<file path=ppt/slides/slide64.xml><?xml version="1.0" encoding="utf-8"?>
+<p:sld xmlns:a="http://schemas.openxmlformats.org/drawingml/2006/main" xmlns:r="http://schemas.openxmlformats.org/officeDocument/2006/relationships" xmlns:p="http://schemas.openxmlformats.org/presentationml/2006/main">
+  <p:cSld>
+    <p:bg>
+      <p:bgPr>
+        <a:solidFill>
+          <a:srgbClr val="F1F2F7"/>
+        </a:solidFill>
+        <a:effectLst/>
+      </p:bgPr>
+    </p:bg>
+    <p:spTree>
+      <p:nvGrpSpPr>
+        <p:cNvPr id="1" name=""/>
+        <p:cNvGrpSpPr/>
+        <p:nvPr/>
+      </p:nvGrpSpPr>
+      <p:grpSpPr>
+        <a:xfrm>
+          <a:off x="0" y="0"/>
+          <a:ext cx="0" cy="0"/>
+          <a:chOff x="0" y="0"/>
+          <a:chExt cx="0" cy="0"/>
+        </a:xfrm>
+      </p:grpSpPr>
+      <p:pic>
+        <p:nvPicPr>
+          <p:cNvPr id="2" name="图片 1">
+            <a:extLst>
+              <a:ext uri="{FF2B5EF4-FFF2-40B4-BE49-F238E27FC236}">
+                <a16:creationId xmlns:a16="http://schemas.microsoft.com/office/drawing/2014/main" id="{8CDEE1C7-3CBF-42F6-9313-C74FD4088FA0}"/>
+              </a:ext>
+            </a:extLst>
+          </p:cNvPr>
+          <p:cNvPicPr>
+            <a:picLocks noChangeAspect="1"/>
+          </p:cNvPicPr>
+          <p:nvPr/>
+        </p:nvPicPr>
+        <p:blipFill>
+          <a:blip r:embed="rId2"/>
+          <a:stretch>
+            <a:fillRect/>
+          </a:stretch>
+        </p:blipFill>
+        <p:spPr>
+          <a:xfrm>
+            <a:off x="0" y="1894191"/>
+            <a:ext cx="12192000" cy="3069617"/>
+          </a:xfrm>
+          <a:prstGeom prst="rect">
+            <a:avLst/>
+          </a:prstGeom>
+        </p:spPr>
+      </p:pic>
+      <p:sp>
+        <p:nvSpPr>
+          <p:cNvPr id="3" name="椭圆 2">
+            <a:extLst>
+              <a:ext uri="{FF2B5EF4-FFF2-40B4-BE49-F238E27FC236}">
+                <a16:creationId xmlns:a16="http://schemas.microsoft.com/office/drawing/2014/main" id="{FD0F09C4-047D-4369-8094-23D3C8881162}"/>
+              </a:ext>
+            </a:extLst>
+          </p:cNvPr>
+          <p:cNvSpPr/>
+          <p:nvPr/>
+        </p:nvSpPr>
+        <p:spPr>
+          <a:xfrm>
+            <a:off x="168896" y="3933825"/>
+            <a:ext cx="792637" cy="588055"/>
+          </a:xfrm>
+          <a:prstGeom prst="ellipse">
+            <a:avLst/>
+          </a:prstGeom>
+          <a:noFill/>
+          <a:ln>
+            <a:solidFill>
+              <a:srgbClr val="FF0000"/>
+            </a:solidFill>
+          </a:ln>
+        </p:spPr>
+        <p:style>
+          <a:lnRef idx="2">
+            <a:schemeClr val="accent1">
+              <a:shade val="50000"/>
+            </a:schemeClr>
+          </a:lnRef>
+          <a:fillRef idx="1">
+            <a:schemeClr val="accent1"/>
+          </a:fillRef>
+          <a:effectRef idx="0">
+            <a:schemeClr val="accent1"/>
+          </a:effectRef>
+          <a:fontRef idx="minor">
+            <a:schemeClr val="lt1"/>
+          </a:fontRef>
+        </p:style>
+        <p:txBody>
+          <a:bodyPr rtlCol="0" anchor="ctr"/>
+          <a:lstStyle/>
+          <a:p>
+            <a:pPr algn="ctr"/>
+            <a:endParaRPr lang="zh-CN" altLang="en-US"/>
+          </a:p>
+        </p:txBody>
+      </p:sp>
+      <p:sp>
+        <p:nvSpPr>
+          <p:cNvPr id="4" name="椭圆 3">
+            <a:extLst>
+              <a:ext uri="{FF2B5EF4-FFF2-40B4-BE49-F238E27FC236}">
+                <a16:creationId xmlns:a16="http://schemas.microsoft.com/office/drawing/2014/main" id="{A35BCCDD-F276-4DCF-8470-21B116920C22}"/>
+              </a:ext>
+            </a:extLst>
+          </p:cNvPr>
+          <p:cNvSpPr/>
+          <p:nvPr/>
+        </p:nvSpPr>
+        <p:spPr>
+          <a:xfrm>
+            <a:off x="2772265" y="3933825"/>
+            <a:ext cx="792637" cy="588055"/>
+          </a:xfrm>
+          <a:prstGeom prst="ellipse">
+            <a:avLst/>
+          </a:prstGeom>
+          <a:noFill/>
+          <a:ln>
+            <a:solidFill>
+              <a:srgbClr val="FF0000"/>
+            </a:solidFill>
+          </a:ln>
+        </p:spPr>
+        <p:style>
+          <a:lnRef idx="2">
+            <a:schemeClr val="accent1">
+              <a:shade val="50000"/>
+            </a:schemeClr>
+          </a:lnRef>
+          <a:fillRef idx="1">
+            <a:schemeClr val="accent1"/>
+          </a:fillRef>
+          <a:effectRef idx="0">
+            <a:schemeClr val="accent1"/>
+          </a:effectRef>
+          <a:fontRef idx="minor">
+            <a:schemeClr val="lt1"/>
+          </a:fontRef>
+        </p:style>
+        <p:txBody>
+          <a:bodyPr rtlCol="0" anchor="ctr"/>
+          <a:lstStyle/>
+          <a:p>
+            <a:pPr algn="ctr"/>
+            <a:endParaRPr lang="zh-CN" altLang="en-US"/>
+          </a:p>
+        </p:txBody>
+      </p:sp>
+    </p:spTree>
+    <p:extLst>
+      <p:ext uri="{BB962C8B-B14F-4D97-AF65-F5344CB8AC3E}">
+        <p14:creationId xmlns:p14="http://schemas.microsoft.com/office/powerpoint/2010/main" val="973508391"/>
+      </p:ext>
+    </p:extLst>
+  </p:cSld>
+  <p:clrMapOvr>
+    <a:masterClrMapping/>
+  </p:clrMapOvr>
+  <mc:AlternateContent xmlns:mc="http://schemas.openxmlformats.org/markup-compatibility/2006" xmlns:p14="http://schemas.microsoft.com/office/powerpoint/2010/main">
+    <mc:Choice Requires="p14">
+      <p:transition spd="slow" p14:dur="1600">
+        <p14:prism dir="d" isContent="1"/>
+      </p:transition>
+    </mc:Choice>
+    <mc:Fallback xmlns="">
+      <p:transition spd="slow">
+        <p:fade/>
+      </p:transition>
+    </mc:Fallback>
+  </mc:AlternateContent>
+  <p:timing>
+    <p:tnLst>
+      <p:par>
+        <p:cTn id="1" dur="indefinite" restart="never" nodeType="tmRoot">
+          <p:childTnLst>
+            <p:seq concurrent="1" nextAc="seek">
+              <p:cTn id="2" dur="indefinite" nodeType="mainSeq">
+                <p:childTnLst>
+                  <p:par>
+                    <p:cTn id="3" fill="hold">
+                      <p:stCondLst>
+                        <p:cond delay="indefinite"/>
+                        <p:cond evt="onBegin" delay="0">
+                          <p:tn val="2"/>
+                        </p:cond>
+                      </p:stCondLst>
+                      <p:childTnLst>
+                        <p:par>
+                          <p:cTn id="4" fill="hold">
+                            <p:stCondLst>
+                              <p:cond delay="0"/>
+                            </p:stCondLst>
+                            <p:childTnLst>
+                              <p:par>
+                                <p:cTn id="5" presetID="21" presetClass="entr" presetSubtype="1" fill="hold" grpId="0" nodeType="afterEffect">
+                                  <p:stCondLst>
+                                    <p:cond delay="0"/>
+                                  </p:stCondLst>
+                                  <p:childTnLst>
+                                    <p:set>
+                                      <p:cBhvr>
+                                        <p:cTn id="6" dur="1" fill="hold">
+                                          <p:stCondLst>
+                                            <p:cond delay="0"/>
+                                          </p:stCondLst>
+                                        </p:cTn>
+                                        <p:tgtEl>
+                                          <p:spTgt spid="3"/>
+                                        </p:tgtEl>
+                                        <p:attrNameLst>
+                                          <p:attrName>style.visibility</p:attrName>
+                                        </p:attrNameLst>
+                                      </p:cBhvr>
+                                      <p:to>
+                                        <p:strVal val="visible"/>
+                                      </p:to>
+                                    </p:set>
+                                    <p:animEffect transition="in" filter="wheel(1)">
+                                      <p:cBhvr>
+                                        <p:cTn id="7" dur="2000"/>
+                                        <p:tgtEl>
+                                          <p:spTgt spid="3"/>
+                                        </p:tgtEl>
+                                      </p:cBhvr>
+                                    </p:animEffect>
+                                  </p:childTnLst>
+                                </p:cTn>
+                              </p:par>
+                            </p:childTnLst>
+                          </p:cTn>
+                        </p:par>
+                        <p:par>
+                          <p:cTn id="8" fill="hold">
+                            <p:stCondLst>
+                              <p:cond delay="2000"/>
+                            </p:stCondLst>
+                            <p:childTnLst>
+                              <p:par>
+                                <p:cTn id="9" presetID="21" presetClass="entr" presetSubtype="1" fill="hold" grpId="0" nodeType="afterEffect">
+                                  <p:stCondLst>
+                                    <p:cond delay="0"/>
+                                  </p:stCondLst>
+                                  <p:childTnLst>
+                                    <p:set>
+                                      <p:cBhvr>
+                                        <p:cTn id="10" dur="1" fill="hold">
+                                          <p:stCondLst>
+                                            <p:cond delay="0"/>
+                                          </p:stCondLst>
+                                        </p:cTn>
+                                        <p:tgtEl>
+                                          <p:spTgt spid="4"/>
+                                        </p:tgtEl>
+                                        <p:attrNameLst>
+                                          <p:attrName>style.visibility</p:attrName>
+                                        </p:attrNameLst>
+                                      </p:cBhvr>
+                                      <p:to>
+                                        <p:strVal val="visible"/>
+                                      </p:to>
+                                    </p:set>
+                                    <p:animEffect transition="in" filter="wheel(1)">
+                                      <p:cBhvr>
+                                        <p:cTn id="11" dur="2000"/>
+                                        <p:tgtEl>
+                                          <p:spTgt spid="4"/>
+                                        </p:tgtEl>
+                                      </p:cBhvr>
+                                    </p:animEffect>
+                                  </p:childTnLst>
+                                </p:cTn>
+                              </p:par>
+                            </p:childTnLst>
+                          </p:cTn>
+                        </p:par>
+                      </p:childTnLst>
+                    </p:cTn>
+                  </p:par>
+                </p:childTnLst>
+              </p:cTn>
+              <p:prevCondLst>
+                <p:cond evt="onPrev" delay="0">
+                  <p:tgtEl>
+                    <p:sldTgt/>
+                  </p:tgtEl>
+                </p:cond>
+              </p:prevCondLst>
+              <p:nextCondLst>
+                <p:cond evt="onNext" delay="0">
+                  <p:tgtEl>
+                    <p:sldTgt/>
+                  </p:tgtEl>
+                </p:cond>
+              </p:nextCondLst>
+            </p:seq>
+          </p:childTnLst>
+        </p:cTn>
+      </p:par>
+    </p:tnLst>
+    <p:bldLst>
+      <p:bldP spid="3" grpId="0" animBg="1"/>
+      <p:bldP spid="4" grpId="0" animBg="1"/>
+    </p:bldLst>
+  </p:timing>
+</p:sld>
+</file>
+
+<file path=ppt/slides/slide65.xml><?xml version="1.0" encoding="utf-8"?>
 <p:sld xmlns:a="http://schemas.openxmlformats.org/drawingml/2006/main" xmlns:r="http://schemas.openxmlformats.org/officeDocument/2006/relationships" xmlns:p="http://schemas.openxmlformats.org/presentationml/2006/main">
   <p:cSld>
     <p:spTree>
@@ -22998,10 +24378,10 @@
       </p:grpSpPr>
       <p:sp>
         <p:nvSpPr>
-          <p:cNvPr id="4" name="矩形 3">
-            <a:extLst>
-              <a:ext uri="{FF2B5EF4-FFF2-40B4-BE49-F238E27FC236}">
-                <a16:creationId xmlns:a16="http://schemas.microsoft.com/office/drawing/2014/main" id="{42974963-45A6-4DFB-8BB4-486ACBA4DE2A}"/>
+          <p:cNvPr id="7" name="矩形 6">
+            <a:extLst>
+              <a:ext uri="{FF2B5EF4-FFF2-40B4-BE49-F238E27FC236}">
+                <a16:creationId xmlns:a16="http://schemas.microsoft.com/office/drawing/2014/main" id="{4AD40DD2-32FC-4CB2-AC19-AA538D51534B}"/>
               </a:ext>
             </a:extLst>
           </p:cNvPr>
@@ -23010,7 +24390,118 @@
         </p:nvSpPr>
         <p:spPr>
           <a:xfrm>
-            <a:off x="3961254" y="1688986"/>
+            <a:off x="5593300" y="5671112"/>
+            <a:ext cx="1005403" cy="338554"/>
+          </a:xfrm>
+          <a:prstGeom prst="rect">
+            <a:avLst/>
+          </a:prstGeom>
+          <a:noFill/>
+        </p:spPr>
+        <p:txBody>
+          <a:bodyPr wrap="none" lIns="91440" tIns="45720" rIns="91440" bIns="45720">
+            <a:spAutoFit/>
+          </a:bodyPr>
+          <a:lstStyle/>
+          <a:p>
+            <a:pPr algn="ctr"/>
+            <a:r>
+              <a:rPr lang="zh-CN" altLang="en-US" sz="1600" b="0" cap="none" spc="0" dirty="0">
+                <a:ln w="0"/>
+                <a:solidFill>
+                  <a:schemeClr val="tx1">
+                    <a:lumMod val="65000"/>
+                    <a:lumOff val="35000"/>
+                  </a:schemeClr>
+                </a:solidFill>
+                <a:effectLst>
+                  <a:outerShdw blurRad="38100" dist="25400" dir="5400000" algn="ctr" rotWithShape="0">
+                    <a:srgbClr val="6E747A">
+                      <a:alpha val="43000"/>
+                    </a:srgbClr>
+                  </a:outerShdw>
+                </a:effectLst>
+                <a:latin typeface="宋体" panose="02010600030101010101" pitchFamily="2" charset="-122"/>
+                <a:ea typeface="宋体" panose="02010600030101010101" pitchFamily="2" charset="-122"/>
+              </a:rPr>
+              <a:t>配置发布</a:t>
+            </a:r>
+          </a:p>
+        </p:txBody>
+      </p:sp>
+      <p:sp>
+        <p:nvSpPr>
+          <p:cNvPr id="8" name="立方体 7">
+            <a:extLst>
+              <a:ext uri="{FF2B5EF4-FFF2-40B4-BE49-F238E27FC236}">
+                <a16:creationId xmlns:a16="http://schemas.microsoft.com/office/drawing/2014/main" id="{F4911F2D-44ED-4365-949B-9B287B178B09}"/>
+              </a:ext>
+            </a:extLst>
+          </p:cNvPr>
+          <p:cNvSpPr/>
+          <p:nvPr/>
+        </p:nvSpPr>
+        <p:spPr>
+          <a:xfrm>
+            <a:off x="5899608" y="5231471"/>
+            <a:ext cx="392784" cy="338554"/>
+          </a:xfrm>
+          <a:prstGeom prst="cube">
+            <a:avLst/>
+          </a:prstGeom>
+          <a:solidFill>
+            <a:schemeClr val="bg1">
+              <a:lumMod val="85000"/>
+            </a:schemeClr>
+          </a:solidFill>
+          <a:ln>
+            <a:solidFill>
+              <a:schemeClr val="bg2">
+                <a:lumMod val="75000"/>
+              </a:schemeClr>
+            </a:solidFill>
+          </a:ln>
+        </p:spPr>
+        <p:style>
+          <a:lnRef idx="2">
+            <a:schemeClr val="accent1">
+              <a:shade val="50000"/>
+            </a:schemeClr>
+          </a:lnRef>
+          <a:fillRef idx="1">
+            <a:schemeClr val="accent1"/>
+          </a:fillRef>
+          <a:effectRef idx="0">
+            <a:schemeClr val="accent1"/>
+          </a:effectRef>
+          <a:fontRef idx="minor">
+            <a:schemeClr val="lt1"/>
+          </a:fontRef>
+        </p:style>
+        <p:txBody>
+          <a:bodyPr rtlCol="0" anchor="ctr"/>
+          <a:lstStyle/>
+          <a:p>
+            <a:pPr algn="ctr"/>
+            <a:endParaRPr lang="zh-CN" altLang="en-US"/>
+          </a:p>
+        </p:txBody>
+      </p:sp>
+      <p:sp>
+        <p:nvSpPr>
+          <p:cNvPr id="13" name="矩形 12">
+            <a:extLst>
+              <a:ext uri="{FF2B5EF4-FFF2-40B4-BE49-F238E27FC236}">
+                <a16:creationId xmlns:a16="http://schemas.microsoft.com/office/drawing/2014/main" id="{E20C8B4D-74CE-4FC0-9A89-E7568C5C1B2E}"/>
+              </a:ext>
+            </a:extLst>
+          </p:cNvPr>
+          <p:cNvSpPr/>
+          <p:nvPr/>
+        </p:nvSpPr>
+        <p:spPr>
+          <a:xfrm>
+            <a:off x="4055522" y="1208219"/>
             <a:ext cx="2813591" cy="707886"/>
           </a:xfrm>
           <a:prstGeom prst="rect">
@@ -23053,10 +24544,10 @@
       </p:sp>
       <p:sp>
         <p:nvSpPr>
-          <p:cNvPr id="5" name="矩形 4">
-            <a:extLst>
-              <a:ext uri="{FF2B5EF4-FFF2-40B4-BE49-F238E27FC236}">
-                <a16:creationId xmlns:a16="http://schemas.microsoft.com/office/drawing/2014/main" id="{E90AEE62-A014-4BA6-A736-33939477ED96}"/>
+          <p:cNvPr id="14" name="矩形 13">
+            <a:extLst>
+              <a:ext uri="{FF2B5EF4-FFF2-40B4-BE49-F238E27FC236}">
+                <a16:creationId xmlns:a16="http://schemas.microsoft.com/office/drawing/2014/main" id="{92DC7E47-B7E4-41CB-9A47-24ED41FB432D}"/>
               </a:ext>
             </a:extLst>
           </p:cNvPr>
@@ -23065,7 +24556,3236 @@
         </p:nvSpPr>
         <p:spPr>
           <a:xfrm>
-            <a:off x="3961254" y="2662439"/>
+            <a:off x="4055522" y="2988199"/>
+            <a:ext cx="4865434" cy="707886"/>
+          </a:xfrm>
+          <a:prstGeom prst="rect">
+            <a:avLst/>
+          </a:prstGeom>
+          <a:noFill/>
+        </p:spPr>
+        <p:txBody>
+          <a:bodyPr wrap="none" lIns="91440" tIns="45720" rIns="91440" bIns="45720">
+            <a:spAutoFit/>
+          </a:bodyPr>
+          <a:lstStyle/>
+          <a:p>
+            <a:pPr marL="571500" indent="-571500">
+              <a:buFont typeface="Wingdings" panose="05000000000000000000" pitchFamily="2" charset="2"/>
+              <a:buChar char="p"/>
+            </a:pPr>
+            <a:r>
+              <a:rPr lang="zh-CN" altLang="en-US" sz="4000" b="0" cap="none" spc="0" dirty="0">
+                <a:ln w="0"/>
+                <a:solidFill>
+                  <a:schemeClr val="bg1"/>
+                </a:solidFill>
+                <a:effectLst>
+                  <a:outerShdw blurRad="38100" dist="25400" dir="5400000" algn="ctr" rotWithShape="0">
+                    <a:srgbClr val="6E747A">
+                      <a:alpha val="43000"/>
+                    </a:srgbClr>
+                  </a:outerShdw>
+                </a:effectLst>
+                <a:latin typeface="宋体" panose="02010600030101010101" pitchFamily="2" charset="-122"/>
+                <a:ea typeface="宋体" panose="02010600030101010101" pitchFamily="2" charset="-122"/>
+              </a:rPr>
+              <a:t>发布部分灰度配置</a:t>
+            </a:r>
+            <a:endParaRPr lang="en-US" altLang="zh-CN" sz="4000" b="0" cap="none" spc="0" dirty="0">
+              <a:ln w="0"/>
+              <a:solidFill>
+                <a:schemeClr val="bg1"/>
+              </a:solidFill>
+              <a:effectLst>
+                <a:outerShdw blurRad="38100" dist="25400" dir="5400000" algn="ctr" rotWithShape="0">
+                  <a:srgbClr val="6E747A">
+                    <a:alpha val="43000"/>
+                  </a:srgbClr>
+                </a:outerShdw>
+              </a:effectLst>
+              <a:latin typeface="宋体" panose="02010600030101010101" pitchFamily="2" charset="-122"/>
+              <a:ea typeface="宋体" panose="02010600030101010101" pitchFamily="2" charset="-122"/>
+            </a:endParaRPr>
+          </a:p>
+        </p:txBody>
+      </p:sp>
+      <p:sp>
+        <p:nvSpPr>
+          <p:cNvPr id="15" name="矩形 14">
+            <a:extLst>
+              <a:ext uri="{FF2B5EF4-FFF2-40B4-BE49-F238E27FC236}">
+                <a16:creationId xmlns:a16="http://schemas.microsoft.com/office/drawing/2014/main" id="{3865A075-F1C9-4797-AAF3-AA4D320420FA}"/>
+              </a:ext>
+            </a:extLst>
+          </p:cNvPr>
+          <p:cNvSpPr/>
+          <p:nvPr/>
+        </p:nvSpPr>
+        <p:spPr>
+          <a:xfrm>
+            <a:off x="4055522" y="3961652"/>
+            <a:ext cx="4865434" cy="707886"/>
+          </a:xfrm>
+          <a:prstGeom prst="rect">
+            <a:avLst/>
+          </a:prstGeom>
+          <a:noFill/>
+        </p:spPr>
+        <p:txBody>
+          <a:bodyPr wrap="none" lIns="91440" tIns="45720" rIns="91440" bIns="45720">
+            <a:spAutoFit/>
+          </a:bodyPr>
+          <a:lstStyle/>
+          <a:p>
+            <a:pPr marL="571500" indent="-571500">
+              <a:buFont typeface="Wingdings" panose="05000000000000000000" pitchFamily="2" charset="2"/>
+              <a:buChar char="p"/>
+            </a:pPr>
+            <a:r>
+              <a:rPr lang="zh-CN" altLang="en-US" sz="4000" b="0" cap="none" spc="0" dirty="0">
+                <a:ln w="0"/>
+                <a:solidFill>
+                  <a:schemeClr val="bg1">
+                    <a:lumMod val="65000"/>
+                  </a:schemeClr>
+                </a:solidFill>
+                <a:effectLst>
+                  <a:outerShdw blurRad="38100" dist="25400" dir="5400000" algn="ctr" rotWithShape="0">
+                    <a:srgbClr val="6E747A">
+                      <a:alpha val="43000"/>
+                    </a:srgbClr>
+                  </a:outerShdw>
+                </a:effectLst>
+                <a:latin typeface="宋体" panose="02010600030101010101" pitchFamily="2" charset="-122"/>
+                <a:ea typeface="宋体" panose="02010600030101010101" pitchFamily="2" charset="-122"/>
+              </a:rPr>
+              <a:t>发布全部灰度配置</a:t>
+            </a:r>
+            <a:endParaRPr lang="en-US" altLang="zh-CN" sz="4000" b="0" cap="none" spc="0" dirty="0">
+              <a:ln w="0"/>
+              <a:solidFill>
+                <a:schemeClr val="bg1">
+                  <a:lumMod val="65000"/>
+                </a:schemeClr>
+              </a:solidFill>
+              <a:effectLst>
+                <a:outerShdw blurRad="38100" dist="25400" dir="5400000" algn="ctr" rotWithShape="0">
+                  <a:srgbClr val="6E747A">
+                    <a:alpha val="43000"/>
+                  </a:srgbClr>
+                </a:outerShdw>
+              </a:effectLst>
+              <a:latin typeface="宋体" panose="02010600030101010101" pitchFamily="2" charset="-122"/>
+              <a:ea typeface="宋体" panose="02010600030101010101" pitchFamily="2" charset="-122"/>
+            </a:endParaRPr>
+          </a:p>
+        </p:txBody>
+      </p:sp>
+      <p:sp>
+        <p:nvSpPr>
+          <p:cNvPr id="16" name="矩形 15">
+            <a:extLst>
+              <a:ext uri="{FF2B5EF4-FFF2-40B4-BE49-F238E27FC236}">
+                <a16:creationId xmlns:a16="http://schemas.microsoft.com/office/drawing/2014/main" id="{ACD88C1D-624D-4284-96FC-9D27D89A5A97}"/>
+              </a:ext>
+            </a:extLst>
+          </p:cNvPr>
+          <p:cNvSpPr/>
+          <p:nvPr/>
+        </p:nvSpPr>
+        <p:spPr>
+          <a:xfrm>
+            <a:off x="4055522" y="2098209"/>
+            <a:ext cx="2813591" cy="707886"/>
+          </a:xfrm>
+          <a:prstGeom prst="rect">
+            <a:avLst/>
+          </a:prstGeom>
+          <a:noFill/>
+        </p:spPr>
+        <p:txBody>
+          <a:bodyPr wrap="none" lIns="91440" tIns="45720" rIns="91440" bIns="45720">
+            <a:spAutoFit/>
+          </a:bodyPr>
+          <a:lstStyle/>
+          <a:p>
+            <a:pPr marL="571500" indent="-571500">
+              <a:buFont typeface="Wingdings" panose="05000000000000000000" pitchFamily="2" charset="2"/>
+              <a:buChar char="ü"/>
+            </a:pPr>
+            <a:r>
+              <a:rPr lang="zh-CN" altLang="en-US" sz="4000" b="0" cap="none" spc="0" dirty="0">
+                <a:ln w="0"/>
+                <a:solidFill>
+                  <a:schemeClr val="bg1">
+                    <a:lumMod val="65000"/>
+                  </a:schemeClr>
+                </a:solidFill>
+                <a:effectLst>
+                  <a:outerShdw blurRad="38100" dist="25400" dir="5400000" algn="ctr" rotWithShape="0">
+                    <a:srgbClr val="6E747A">
+                      <a:alpha val="43000"/>
+                    </a:srgbClr>
+                  </a:outerShdw>
+                </a:effectLst>
+                <a:latin typeface="宋体" panose="02010600030101010101" pitchFamily="2" charset="-122"/>
+                <a:ea typeface="宋体" panose="02010600030101010101" pitchFamily="2" charset="-122"/>
+              </a:rPr>
+              <a:t>回滚配置</a:t>
+            </a:r>
+            <a:endParaRPr lang="en-US" altLang="zh-CN" sz="4000" b="0" cap="none" spc="0" dirty="0">
+              <a:ln w="0"/>
+              <a:solidFill>
+                <a:schemeClr val="bg1">
+                  <a:lumMod val="65000"/>
+                </a:schemeClr>
+              </a:solidFill>
+              <a:effectLst>
+                <a:outerShdw blurRad="38100" dist="25400" dir="5400000" algn="ctr" rotWithShape="0">
+                  <a:srgbClr val="6E747A">
+                    <a:alpha val="43000"/>
+                  </a:srgbClr>
+                </a:outerShdw>
+              </a:effectLst>
+              <a:latin typeface="宋体" panose="02010600030101010101" pitchFamily="2" charset="-122"/>
+              <a:ea typeface="宋体" panose="02010600030101010101" pitchFamily="2" charset="-122"/>
+            </a:endParaRPr>
+          </a:p>
+        </p:txBody>
+      </p:sp>
+    </p:spTree>
+    <p:extLst>
+      <p:ext uri="{BB962C8B-B14F-4D97-AF65-F5344CB8AC3E}">
+        <p14:creationId xmlns:p14="http://schemas.microsoft.com/office/powerpoint/2010/main" val="2991214864"/>
+      </p:ext>
+    </p:extLst>
+  </p:cSld>
+  <p:clrMapOvr>
+    <a:masterClrMapping/>
+  </p:clrMapOvr>
+  <mc:AlternateContent xmlns:mc="http://schemas.openxmlformats.org/markup-compatibility/2006" xmlns:p14="http://schemas.microsoft.com/office/powerpoint/2010/main">
+    <mc:Choice Requires="p14">
+      <p:transition spd="med" p14:dur="700">
+        <p:fade/>
+      </p:transition>
+    </mc:Choice>
+    <mc:Fallback xmlns="">
+      <p:transition spd="med">
+        <p:fade/>
+      </p:transition>
+    </mc:Fallback>
+  </mc:AlternateContent>
+</p:sld>
+</file>
+
+<file path=ppt/slides/slide66.xml><?xml version="1.0" encoding="utf-8"?>
+<p:sld xmlns:a="http://schemas.openxmlformats.org/drawingml/2006/main" xmlns:r="http://schemas.openxmlformats.org/officeDocument/2006/relationships" xmlns:p="http://schemas.openxmlformats.org/presentationml/2006/main">
+  <p:cSld>
+    <p:bg>
+      <p:bgPr>
+        <a:solidFill>
+          <a:srgbClr val="F1F2F7"/>
+        </a:solidFill>
+        <a:effectLst/>
+      </p:bgPr>
+    </p:bg>
+    <p:spTree>
+      <p:nvGrpSpPr>
+        <p:cNvPr id="1" name=""/>
+        <p:cNvGrpSpPr/>
+        <p:nvPr/>
+      </p:nvGrpSpPr>
+      <p:grpSpPr>
+        <a:xfrm>
+          <a:off x="0" y="0"/>
+          <a:ext cx="0" cy="0"/>
+          <a:chOff x="0" y="0"/>
+          <a:chExt cx="0" cy="0"/>
+        </a:xfrm>
+      </p:grpSpPr>
+      <p:pic>
+        <p:nvPicPr>
+          <p:cNvPr id="2" name="图片 1">
+            <a:extLst>
+              <a:ext uri="{FF2B5EF4-FFF2-40B4-BE49-F238E27FC236}">
+                <a16:creationId xmlns:a16="http://schemas.microsoft.com/office/drawing/2014/main" id="{1646FECE-4840-46C5-8117-E7ED0F62623C}"/>
+              </a:ext>
+            </a:extLst>
+          </p:cNvPr>
+          <p:cNvPicPr>
+            <a:picLocks noChangeAspect="1"/>
+          </p:cNvPicPr>
+          <p:nvPr/>
+        </p:nvPicPr>
+        <p:blipFill>
+          <a:blip r:embed="rId2"/>
+          <a:stretch>
+            <a:fillRect/>
+          </a:stretch>
+        </p:blipFill>
+        <p:spPr>
+          <a:xfrm>
+            <a:off x="0" y="1894267"/>
+            <a:ext cx="12192000" cy="3069465"/>
+          </a:xfrm>
+          <a:prstGeom prst="rect">
+            <a:avLst/>
+          </a:prstGeom>
+        </p:spPr>
+      </p:pic>
+      <p:sp>
+        <p:nvSpPr>
+          <p:cNvPr id="3" name="椭圆 2">
+            <a:extLst>
+              <a:ext uri="{FF2B5EF4-FFF2-40B4-BE49-F238E27FC236}">
+                <a16:creationId xmlns:a16="http://schemas.microsoft.com/office/drawing/2014/main" id="{40F62D92-378A-4E4E-AB1B-CDF36D989AD1}"/>
+              </a:ext>
+            </a:extLst>
+          </p:cNvPr>
+          <p:cNvSpPr/>
+          <p:nvPr/>
+        </p:nvSpPr>
+        <p:spPr>
+          <a:xfrm>
+            <a:off x="11162121" y="2123879"/>
+            <a:ext cx="479983" cy="308238"/>
+          </a:xfrm>
+          <a:prstGeom prst="ellipse">
+            <a:avLst/>
+          </a:prstGeom>
+          <a:noFill/>
+          <a:ln>
+            <a:solidFill>
+              <a:srgbClr val="FF0000"/>
+            </a:solidFill>
+          </a:ln>
+        </p:spPr>
+        <p:style>
+          <a:lnRef idx="2">
+            <a:schemeClr val="accent1">
+              <a:shade val="50000"/>
+            </a:schemeClr>
+          </a:lnRef>
+          <a:fillRef idx="1">
+            <a:schemeClr val="accent1"/>
+          </a:fillRef>
+          <a:effectRef idx="0">
+            <a:schemeClr val="accent1"/>
+          </a:effectRef>
+          <a:fontRef idx="minor">
+            <a:schemeClr val="lt1"/>
+          </a:fontRef>
+        </p:style>
+        <p:txBody>
+          <a:bodyPr rtlCol="0" anchor="ctr"/>
+          <a:lstStyle/>
+          <a:p>
+            <a:pPr algn="ctr"/>
+            <a:endParaRPr lang="zh-CN" altLang="en-US"/>
+          </a:p>
+        </p:txBody>
+      </p:sp>
+    </p:spTree>
+    <p:extLst>
+      <p:ext uri="{BB962C8B-B14F-4D97-AF65-F5344CB8AC3E}">
+        <p14:creationId xmlns:p14="http://schemas.microsoft.com/office/powerpoint/2010/main" val="3969574160"/>
+      </p:ext>
+    </p:extLst>
+  </p:cSld>
+  <p:clrMapOvr>
+    <a:masterClrMapping/>
+  </p:clrMapOvr>
+  <mc:AlternateContent xmlns:mc="http://schemas.openxmlformats.org/markup-compatibility/2006">
+    <mc:Choice xmlns:p14="http://schemas.microsoft.com/office/powerpoint/2010/main" Requires="p14">
+      <p:transition spd="med" p14:dur="700">
+        <p:fade/>
+      </p:transition>
+    </mc:Choice>
+    <mc:Fallback>
+      <p:transition spd="med">
+        <p:fade/>
+      </p:transition>
+    </mc:Fallback>
+  </mc:AlternateContent>
+  <p:timing>
+    <p:tnLst>
+      <p:par>
+        <p:cTn id="1" dur="indefinite" restart="never" nodeType="tmRoot">
+          <p:childTnLst>
+            <p:seq concurrent="1" nextAc="seek">
+              <p:cTn id="2" dur="indefinite" nodeType="mainSeq">
+                <p:childTnLst>
+                  <p:par>
+                    <p:cTn id="3" fill="hold">
+                      <p:stCondLst>
+                        <p:cond delay="indefinite"/>
+                        <p:cond evt="onBegin" delay="0">
+                          <p:tn val="2"/>
+                        </p:cond>
+                      </p:stCondLst>
+                      <p:childTnLst>
+                        <p:par>
+                          <p:cTn id="4" fill="hold">
+                            <p:stCondLst>
+                              <p:cond delay="0"/>
+                            </p:stCondLst>
+                            <p:childTnLst>
+                              <p:par>
+                                <p:cTn id="5" presetID="21" presetClass="entr" presetSubtype="1" fill="hold" grpId="0" nodeType="afterEffect">
+                                  <p:stCondLst>
+                                    <p:cond delay="0"/>
+                                  </p:stCondLst>
+                                  <p:childTnLst>
+                                    <p:set>
+                                      <p:cBhvr>
+                                        <p:cTn id="6" dur="1" fill="hold">
+                                          <p:stCondLst>
+                                            <p:cond delay="0"/>
+                                          </p:stCondLst>
+                                        </p:cTn>
+                                        <p:tgtEl>
+                                          <p:spTgt spid="3"/>
+                                        </p:tgtEl>
+                                        <p:attrNameLst>
+                                          <p:attrName>style.visibility</p:attrName>
+                                        </p:attrNameLst>
+                                      </p:cBhvr>
+                                      <p:to>
+                                        <p:strVal val="visible"/>
+                                      </p:to>
+                                    </p:set>
+                                    <p:animEffect transition="in" filter="wheel(1)">
+                                      <p:cBhvr>
+                                        <p:cTn id="7" dur="2000"/>
+                                        <p:tgtEl>
+                                          <p:spTgt spid="3"/>
+                                        </p:tgtEl>
+                                      </p:cBhvr>
+                                    </p:animEffect>
+                                  </p:childTnLst>
+                                </p:cTn>
+                              </p:par>
+                            </p:childTnLst>
+                          </p:cTn>
+                        </p:par>
+                      </p:childTnLst>
+                    </p:cTn>
+                  </p:par>
+                </p:childTnLst>
+              </p:cTn>
+              <p:prevCondLst>
+                <p:cond evt="onPrev" delay="0">
+                  <p:tgtEl>
+                    <p:sldTgt/>
+                  </p:tgtEl>
+                </p:cond>
+              </p:prevCondLst>
+              <p:nextCondLst>
+                <p:cond evt="onNext" delay="0">
+                  <p:tgtEl>
+                    <p:sldTgt/>
+                  </p:tgtEl>
+                </p:cond>
+              </p:nextCondLst>
+            </p:seq>
+          </p:childTnLst>
+        </p:cTn>
+      </p:par>
+    </p:tnLst>
+    <p:bldLst>
+      <p:bldP spid="3" grpId="0" animBg="1"/>
+    </p:bldLst>
+  </p:timing>
+</p:sld>
+</file>
+
+<file path=ppt/slides/slide67.xml><?xml version="1.0" encoding="utf-8"?>
+<p:sld xmlns:a="http://schemas.openxmlformats.org/drawingml/2006/main" xmlns:r="http://schemas.openxmlformats.org/officeDocument/2006/relationships" xmlns:p="http://schemas.openxmlformats.org/presentationml/2006/main">
+  <p:cSld>
+    <p:spTree>
+      <p:nvGrpSpPr>
+        <p:cNvPr id="1" name=""/>
+        <p:cNvGrpSpPr/>
+        <p:nvPr/>
+      </p:nvGrpSpPr>
+      <p:grpSpPr>
+        <a:xfrm>
+          <a:off x="0" y="0"/>
+          <a:ext cx="0" cy="0"/>
+          <a:chOff x="0" y="0"/>
+          <a:chExt cx="0" cy="0"/>
+        </a:xfrm>
+      </p:grpSpPr>
+      <p:pic>
+        <p:nvPicPr>
+          <p:cNvPr id="2" name="图片 1">
+            <a:extLst>
+              <a:ext uri="{FF2B5EF4-FFF2-40B4-BE49-F238E27FC236}">
+                <a16:creationId xmlns:a16="http://schemas.microsoft.com/office/drawing/2014/main" id="{D0BAD37B-DDA2-47F6-B848-D12EB195B002}"/>
+              </a:ext>
+            </a:extLst>
+          </p:cNvPr>
+          <p:cNvPicPr>
+            <a:picLocks noChangeAspect="1"/>
+          </p:cNvPicPr>
+          <p:nvPr/>
+        </p:nvPicPr>
+        <p:blipFill>
+          <a:blip r:embed="rId2">
+            <a:extLst>
+              <a:ext uri="{BEBA8EAE-BF5A-486C-A8C5-ECC9F3942E4B}">
+                <a14:imgProps xmlns:a14="http://schemas.microsoft.com/office/drawing/2010/main">
+                  <a14:imgLayer r:embed="rId3">
+                    <a14:imgEffect>
+                      <a14:backgroundRemoval t="3316" b="95153" l="1397" r="98603"/>
+                    </a14:imgEffect>
+                  </a14:imgLayer>
+                </a14:imgProps>
+              </a:ext>
+            </a:extLst>
+          </a:blip>
+          <a:stretch>
+            <a:fillRect/>
+          </a:stretch>
+        </p:blipFill>
+        <p:spPr>
+          <a:xfrm>
+            <a:off x="1324571" y="1562333"/>
+            <a:ext cx="9542857" cy="3733333"/>
+          </a:xfrm>
+          <a:prstGeom prst="rect">
+            <a:avLst/>
+          </a:prstGeom>
+        </p:spPr>
+      </p:pic>
+      <p:sp>
+        <p:nvSpPr>
+          <p:cNvPr id="3" name="椭圆 2">
+            <a:extLst>
+              <a:ext uri="{FF2B5EF4-FFF2-40B4-BE49-F238E27FC236}">
+                <a16:creationId xmlns:a16="http://schemas.microsoft.com/office/drawing/2014/main" id="{C2259626-3B16-42C2-8FB3-B4D0BC63EA05}"/>
+              </a:ext>
+            </a:extLst>
+          </p:cNvPr>
+          <p:cNvSpPr/>
+          <p:nvPr/>
+        </p:nvSpPr>
+        <p:spPr>
+          <a:xfrm>
+            <a:off x="1565635" y="1793941"/>
+            <a:ext cx="1281260" cy="440212"/>
+          </a:xfrm>
+          <a:prstGeom prst="ellipse">
+            <a:avLst/>
+          </a:prstGeom>
+          <a:noFill/>
+          <a:ln>
+            <a:solidFill>
+              <a:srgbClr val="FF0000"/>
+            </a:solidFill>
+          </a:ln>
+        </p:spPr>
+        <p:style>
+          <a:lnRef idx="2">
+            <a:schemeClr val="accent1">
+              <a:shade val="50000"/>
+            </a:schemeClr>
+          </a:lnRef>
+          <a:fillRef idx="1">
+            <a:schemeClr val="accent1"/>
+          </a:fillRef>
+          <a:effectRef idx="0">
+            <a:schemeClr val="accent1"/>
+          </a:effectRef>
+          <a:fontRef idx="minor">
+            <a:schemeClr val="lt1"/>
+          </a:fontRef>
+        </p:style>
+        <p:txBody>
+          <a:bodyPr rtlCol="0" anchor="ctr"/>
+          <a:lstStyle/>
+          <a:p>
+            <a:pPr algn="ctr"/>
+            <a:endParaRPr lang="zh-CN" altLang="en-US"/>
+          </a:p>
+        </p:txBody>
+      </p:sp>
+      <p:sp>
+        <p:nvSpPr>
+          <p:cNvPr id="4" name="椭圆 3">
+            <a:extLst>
+              <a:ext uri="{FF2B5EF4-FFF2-40B4-BE49-F238E27FC236}">
+                <a16:creationId xmlns:a16="http://schemas.microsoft.com/office/drawing/2014/main" id="{2DFEBE73-19B6-43D5-8636-9619FDD948EC}"/>
+              </a:ext>
+            </a:extLst>
+          </p:cNvPr>
+          <p:cNvSpPr/>
+          <p:nvPr/>
+        </p:nvSpPr>
+        <p:spPr>
+          <a:xfrm>
+            <a:off x="9938209" y="4595274"/>
+            <a:ext cx="666945" cy="372652"/>
+          </a:xfrm>
+          <a:prstGeom prst="ellipse">
+            <a:avLst/>
+          </a:prstGeom>
+          <a:noFill/>
+          <a:ln>
+            <a:solidFill>
+              <a:srgbClr val="FF0000"/>
+            </a:solidFill>
+          </a:ln>
+        </p:spPr>
+        <p:style>
+          <a:lnRef idx="2">
+            <a:schemeClr val="accent1">
+              <a:shade val="50000"/>
+            </a:schemeClr>
+          </a:lnRef>
+          <a:fillRef idx="1">
+            <a:schemeClr val="accent1"/>
+          </a:fillRef>
+          <a:effectRef idx="0">
+            <a:schemeClr val="accent1"/>
+          </a:effectRef>
+          <a:fontRef idx="minor">
+            <a:schemeClr val="lt1"/>
+          </a:fontRef>
+        </p:style>
+        <p:txBody>
+          <a:bodyPr rtlCol="0" anchor="ctr"/>
+          <a:lstStyle/>
+          <a:p>
+            <a:pPr algn="ctr"/>
+            <a:endParaRPr lang="zh-CN" altLang="en-US"/>
+          </a:p>
+        </p:txBody>
+      </p:sp>
+    </p:spTree>
+    <p:extLst>
+      <p:ext uri="{BB962C8B-B14F-4D97-AF65-F5344CB8AC3E}">
+        <p14:creationId xmlns:p14="http://schemas.microsoft.com/office/powerpoint/2010/main" val="3203046144"/>
+      </p:ext>
+    </p:extLst>
+  </p:cSld>
+  <p:clrMapOvr>
+    <a:masterClrMapping/>
+  </p:clrMapOvr>
+  <mc:AlternateContent xmlns:mc="http://schemas.openxmlformats.org/markup-compatibility/2006">
+    <mc:Choice xmlns:p14="http://schemas.microsoft.com/office/powerpoint/2010/main" Requires="p14">
+      <p:transition spd="med" p14:dur="700">
+        <p:fade/>
+      </p:transition>
+    </mc:Choice>
+    <mc:Fallback>
+      <p:transition spd="med">
+        <p:fade/>
+      </p:transition>
+    </mc:Fallback>
+  </mc:AlternateContent>
+  <p:timing>
+    <p:tnLst>
+      <p:par>
+        <p:cTn id="1" dur="indefinite" restart="never" nodeType="tmRoot">
+          <p:childTnLst>
+            <p:seq concurrent="1" nextAc="seek">
+              <p:cTn id="2" dur="indefinite" nodeType="mainSeq">
+                <p:childTnLst>
+                  <p:par>
+                    <p:cTn id="3" fill="hold">
+                      <p:stCondLst>
+                        <p:cond delay="indefinite"/>
+                        <p:cond evt="onBegin" delay="0">
+                          <p:tn val="2"/>
+                        </p:cond>
+                      </p:stCondLst>
+                      <p:childTnLst>
+                        <p:par>
+                          <p:cTn id="4" fill="hold">
+                            <p:stCondLst>
+                              <p:cond delay="0"/>
+                            </p:stCondLst>
+                            <p:childTnLst>
+                              <p:par>
+                                <p:cTn id="5" presetID="21" presetClass="entr" presetSubtype="1" fill="hold" grpId="0" nodeType="afterEffect">
+                                  <p:stCondLst>
+                                    <p:cond delay="0"/>
+                                  </p:stCondLst>
+                                  <p:childTnLst>
+                                    <p:set>
+                                      <p:cBhvr>
+                                        <p:cTn id="6" dur="1" fill="hold">
+                                          <p:stCondLst>
+                                            <p:cond delay="0"/>
+                                          </p:stCondLst>
+                                        </p:cTn>
+                                        <p:tgtEl>
+                                          <p:spTgt spid="3"/>
+                                        </p:tgtEl>
+                                        <p:attrNameLst>
+                                          <p:attrName>style.visibility</p:attrName>
+                                        </p:attrNameLst>
+                                      </p:cBhvr>
+                                      <p:to>
+                                        <p:strVal val="visible"/>
+                                      </p:to>
+                                    </p:set>
+                                    <p:animEffect transition="in" filter="wheel(1)">
+                                      <p:cBhvr>
+                                        <p:cTn id="7" dur="2000"/>
+                                        <p:tgtEl>
+                                          <p:spTgt spid="3"/>
+                                        </p:tgtEl>
+                                      </p:cBhvr>
+                                    </p:animEffect>
+                                  </p:childTnLst>
+                                </p:cTn>
+                              </p:par>
+                            </p:childTnLst>
+                          </p:cTn>
+                        </p:par>
+                        <p:par>
+                          <p:cTn id="8" fill="hold">
+                            <p:stCondLst>
+                              <p:cond delay="2000"/>
+                            </p:stCondLst>
+                            <p:childTnLst>
+                              <p:par>
+                                <p:cTn id="9" presetID="21" presetClass="entr" presetSubtype="1" fill="hold" grpId="0" nodeType="afterEffect">
+                                  <p:stCondLst>
+                                    <p:cond delay="0"/>
+                                  </p:stCondLst>
+                                  <p:childTnLst>
+                                    <p:set>
+                                      <p:cBhvr>
+                                        <p:cTn id="10" dur="1" fill="hold">
+                                          <p:stCondLst>
+                                            <p:cond delay="0"/>
+                                          </p:stCondLst>
+                                        </p:cTn>
+                                        <p:tgtEl>
+                                          <p:spTgt spid="4"/>
+                                        </p:tgtEl>
+                                        <p:attrNameLst>
+                                          <p:attrName>style.visibility</p:attrName>
+                                        </p:attrNameLst>
+                                      </p:cBhvr>
+                                      <p:to>
+                                        <p:strVal val="visible"/>
+                                      </p:to>
+                                    </p:set>
+                                    <p:animEffect transition="in" filter="wheel(1)">
+                                      <p:cBhvr>
+                                        <p:cTn id="11" dur="2000"/>
+                                        <p:tgtEl>
+                                          <p:spTgt spid="4"/>
+                                        </p:tgtEl>
+                                      </p:cBhvr>
+                                    </p:animEffect>
+                                  </p:childTnLst>
+                                </p:cTn>
+                              </p:par>
+                            </p:childTnLst>
+                          </p:cTn>
+                        </p:par>
+                      </p:childTnLst>
+                    </p:cTn>
+                  </p:par>
+                </p:childTnLst>
+              </p:cTn>
+              <p:prevCondLst>
+                <p:cond evt="onPrev" delay="0">
+                  <p:tgtEl>
+                    <p:sldTgt/>
+                  </p:tgtEl>
+                </p:cond>
+              </p:prevCondLst>
+              <p:nextCondLst>
+                <p:cond evt="onNext" delay="0">
+                  <p:tgtEl>
+                    <p:sldTgt/>
+                  </p:tgtEl>
+                </p:cond>
+              </p:nextCondLst>
+            </p:seq>
+          </p:childTnLst>
+        </p:cTn>
+      </p:par>
+    </p:tnLst>
+    <p:bldLst>
+      <p:bldP spid="3" grpId="0" animBg="1"/>
+      <p:bldP spid="4" grpId="0" animBg="1"/>
+    </p:bldLst>
+  </p:timing>
+</p:sld>
+</file>
+
+<file path=ppt/slides/slide68.xml><?xml version="1.0" encoding="utf-8"?>
+<p:sld xmlns:a="http://schemas.openxmlformats.org/drawingml/2006/main" xmlns:r="http://schemas.openxmlformats.org/officeDocument/2006/relationships" xmlns:p="http://schemas.openxmlformats.org/presentationml/2006/main">
+  <p:cSld>
+    <p:bg>
+      <p:bgPr>
+        <a:solidFill>
+          <a:srgbClr val="F1F2F7"/>
+        </a:solidFill>
+        <a:effectLst/>
+      </p:bgPr>
+    </p:bg>
+    <p:spTree>
+      <p:nvGrpSpPr>
+        <p:cNvPr id="1" name=""/>
+        <p:cNvGrpSpPr/>
+        <p:nvPr/>
+      </p:nvGrpSpPr>
+      <p:grpSpPr>
+        <a:xfrm>
+          <a:off x="0" y="0"/>
+          <a:ext cx="0" cy="0"/>
+          <a:chOff x="0" y="0"/>
+          <a:chExt cx="0" cy="0"/>
+        </a:xfrm>
+      </p:grpSpPr>
+      <p:pic>
+        <p:nvPicPr>
+          <p:cNvPr id="2" name="图片 1">
+            <a:extLst>
+              <a:ext uri="{FF2B5EF4-FFF2-40B4-BE49-F238E27FC236}">
+                <a16:creationId xmlns:a16="http://schemas.microsoft.com/office/drawing/2014/main" id="{B43FBFDB-162A-4EFA-BCE5-E4B0DA4A58CE}"/>
+              </a:ext>
+            </a:extLst>
+          </p:cNvPr>
+          <p:cNvPicPr>
+            <a:picLocks noChangeAspect="1"/>
+          </p:cNvPicPr>
+          <p:nvPr/>
+        </p:nvPicPr>
+        <p:blipFill>
+          <a:blip r:embed="rId2"/>
+          <a:stretch>
+            <a:fillRect/>
+          </a:stretch>
+        </p:blipFill>
+        <p:spPr>
+          <a:xfrm>
+            <a:off x="0" y="1198581"/>
+            <a:ext cx="12192000" cy="4460838"/>
+          </a:xfrm>
+          <a:prstGeom prst="rect">
+            <a:avLst/>
+          </a:prstGeom>
+        </p:spPr>
+      </p:pic>
+      <p:sp>
+        <p:nvSpPr>
+          <p:cNvPr id="3" name="椭圆 2">
+            <a:extLst>
+              <a:ext uri="{FF2B5EF4-FFF2-40B4-BE49-F238E27FC236}">
+                <a16:creationId xmlns:a16="http://schemas.microsoft.com/office/drawing/2014/main" id="{B8E5DCA5-6775-4F9B-A65B-E74C31A54209}"/>
+              </a:ext>
+            </a:extLst>
+          </p:cNvPr>
+          <p:cNvSpPr/>
+          <p:nvPr/>
+        </p:nvSpPr>
+        <p:spPr>
+          <a:xfrm>
+            <a:off x="190893" y="1461153"/>
+            <a:ext cx="629239" cy="348793"/>
+          </a:xfrm>
+          <a:prstGeom prst="ellipse">
+            <a:avLst/>
+          </a:prstGeom>
+          <a:noFill/>
+          <a:ln>
+            <a:solidFill>
+              <a:srgbClr val="FF0000"/>
+            </a:solidFill>
+          </a:ln>
+        </p:spPr>
+        <p:style>
+          <a:lnRef idx="2">
+            <a:schemeClr val="accent1">
+              <a:shade val="50000"/>
+            </a:schemeClr>
+          </a:lnRef>
+          <a:fillRef idx="1">
+            <a:schemeClr val="accent1"/>
+          </a:fillRef>
+          <a:effectRef idx="0">
+            <a:schemeClr val="accent1"/>
+          </a:effectRef>
+          <a:fontRef idx="minor">
+            <a:schemeClr val="lt1"/>
+          </a:fontRef>
+        </p:style>
+        <p:txBody>
+          <a:bodyPr rtlCol="0" anchor="ctr"/>
+          <a:lstStyle/>
+          <a:p>
+            <a:pPr algn="ctr"/>
+            <a:endParaRPr lang="zh-CN" altLang="en-US"/>
+          </a:p>
+        </p:txBody>
+      </p:sp>
+      <p:sp>
+        <p:nvSpPr>
+          <p:cNvPr id="4" name="椭圆 3">
+            <a:extLst>
+              <a:ext uri="{FF2B5EF4-FFF2-40B4-BE49-F238E27FC236}">
+                <a16:creationId xmlns:a16="http://schemas.microsoft.com/office/drawing/2014/main" id="{CC8DCB7A-11F5-40A0-A525-0295BDA4857A}"/>
+              </a:ext>
+            </a:extLst>
+          </p:cNvPr>
+          <p:cNvSpPr/>
+          <p:nvPr/>
+        </p:nvSpPr>
+        <p:spPr>
+          <a:xfrm>
+            <a:off x="890048" y="1461153"/>
+            <a:ext cx="629239" cy="348793"/>
+          </a:xfrm>
+          <a:prstGeom prst="ellipse">
+            <a:avLst/>
+          </a:prstGeom>
+          <a:noFill/>
+          <a:ln>
+            <a:solidFill>
+              <a:srgbClr val="FF0000"/>
+            </a:solidFill>
+          </a:ln>
+        </p:spPr>
+        <p:style>
+          <a:lnRef idx="2">
+            <a:schemeClr val="accent1">
+              <a:shade val="50000"/>
+            </a:schemeClr>
+          </a:lnRef>
+          <a:fillRef idx="1">
+            <a:schemeClr val="accent1"/>
+          </a:fillRef>
+          <a:effectRef idx="0">
+            <a:schemeClr val="accent1"/>
+          </a:effectRef>
+          <a:fontRef idx="minor">
+            <a:schemeClr val="lt1"/>
+          </a:fontRef>
+        </p:style>
+        <p:txBody>
+          <a:bodyPr rtlCol="0" anchor="ctr"/>
+          <a:lstStyle/>
+          <a:p>
+            <a:pPr algn="ctr"/>
+            <a:endParaRPr lang="zh-CN" altLang="en-US"/>
+          </a:p>
+        </p:txBody>
+      </p:sp>
+      <p:sp>
+        <p:nvSpPr>
+          <p:cNvPr id="5" name="椭圆 4">
+            <a:extLst>
+              <a:ext uri="{FF2B5EF4-FFF2-40B4-BE49-F238E27FC236}">
+                <a16:creationId xmlns:a16="http://schemas.microsoft.com/office/drawing/2014/main" id="{9DAA4F7A-C0C8-449A-B31A-308A9BF8AB4E}"/>
+              </a:ext>
+            </a:extLst>
+          </p:cNvPr>
+          <p:cNvSpPr/>
+          <p:nvPr/>
+        </p:nvSpPr>
+        <p:spPr>
+          <a:xfrm>
+            <a:off x="190892" y="2414831"/>
+            <a:ext cx="629239" cy="348793"/>
+          </a:xfrm>
+          <a:prstGeom prst="ellipse">
+            <a:avLst/>
+          </a:prstGeom>
+          <a:noFill/>
+          <a:ln>
+            <a:solidFill>
+              <a:srgbClr val="FF0000"/>
+            </a:solidFill>
+          </a:ln>
+        </p:spPr>
+        <p:style>
+          <a:lnRef idx="2">
+            <a:schemeClr val="accent1">
+              <a:shade val="50000"/>
+            </a:schemeClr>
+          </a:lnRef>
+          <a:fillRef idx="1">
+            <a:schemeClr val="accent1"/>
+          </a:fillRef>
+          <a:effectRef idx="0">
+            <a:schemeClr val="accent1"/>
+          </a:effectRef>
+          <a:fontRef idx="minor">
+            <a:schemeClr val="lt1"/>
+          </a:fontRef>
+        </p:style>
+        <p:txBody>
+          <a:bodyPr rtlCol="0" anchor="ctr"/>
+          <a:lstStyle/>
+          <a:p>
+            <a:pPr algn="ctr"/>
+            <a:endParaRPr lang="zh-CN" altLang="en-US"/>
+          </a:p>
+        </p:txBody>
+      </p:sp>
+      <p:sp>
+        <p:nvSpPr>
+          <p:cNvPr id="6" name="椭圆 5">
+            <a:extLst>
+              <a:ext uri="{FF2B5EF4-FFF2-40B4-BE49-F238E27FC236}">
+                <a16:creationId xmlns:a16="http://schemas.microsoft.com/office/drawing/2014/main" id="{CD293D52-B18D-4FFB-90F4-D412A9157C22}"/>
+              </a:ext>
+            </a:extLst>
+          </p:cNvPr>
+          <p:cNvSpPr/>
+          <p:nvPr/>
+        </p:nvSpPr>
+        <p:spPr>
+          <a:xfrm>
+            <a:off x="190891" y="3127437"/>
+            <a:ext cx="817777" cy="348793"/>
+          </a:xfrm>
+          <a:prstGeom prst="ellipse">
+            <a:avLst/>
+          </a:prstGeom>
+          <a:noFill/>
+          <a:ln>
+            <a:solidFill>
+              <a:srgbClr val="FF0000"/>
+            </a:solidFill>
+          </a:ln>
+        </p:spPr>
+        <p:style>
+          <a:lnRef idx="2">
+            <a:schemeClr val="accent1">
+              <a:shade val="50000"/>
+            </a:schemeClr>
+          </a:lnRef>
+          <a:fillRef idx="1">
+            <a:schemeClr val="accent1"/>
+          </a:fillRef>
+          <a:effectRef idx="0">
+            <a:schemeClr val="accent1"/>
+          </a:effectRef>
+          <a:fontRef idx="minor">
+            <a:schemeClr val="lt1"/>
+          </a:fontRef>
+        </p:style>
+        <p:txBody>
+          <a:bodyPr rtlCol="0" anchor="ctr"/>
+          <a:lstStyle/>
+          <a:p>
+            <a:pPr algn="ctr"/>
+            <a:endParaRPr lang="zh-CN" altLang="en-US"/>
+          </a:p>
+        </p:txBody>
+      </p:sp>
+      <p:sp>
+        <p:nvSpPr>
+          <p:cNvPr id="7" name="椭圆 6">
+            <a:extLst>
+              <a:ext uri="{FF2B5EF4-FFF2-40B4-BE49-F238E27FC236}">
+                <a16:creationId xmlns:a16="http://schemas.microsoft.com/office/drawing/2014/main" id="{4A3D36E0-11C8-4359-9259-3FFB6A11A0E1}"/>
+              </a:ext>
+            </a:extLst>
+          </p:cNvPr>
+          <p:cNvSpPr/>
+          <p:nvPr/>
+        </p:nvSpPr>
+        <p:spPr>
+          <a:xfrm>
+            <a:off x="11183331" y="2414831"/>
+            <a:ext cx="817777" cy="348793"/>
+          </a:xfrm>
+          <a:prstGeom prst="ellipse">
+            <a:avLst/>
+          </a:prstGeom>
+          <a:noFill/>
+          <a:ln>
+            <a:solidFill>
+              <a:srgbClr val="FF0000"/>
+            </a:solidFill>
+          </a:ln>
+        </p:spPr>
+        <p:style>
+          <a:lnRef idx="2">
+            <a:schemeClr val="accent1">
+              <a:shade val="50000"/>
+            </a:schemeClr>
+          </a:lnRef>
+          <a:fillRef idx="1">
+            <a:schemeClr val="accent1"/>
+          </a:fillRef>
+          <a:effectRef idx="0">
+            <a:schemeClr val="accent1"/>
+          </a:effectRef>
+          <a:fontRef idx="minor">
+            <a:schemeClr val="lt1"/>
+          </a:fontRef>
+        </p:style>
+        <p:txBody>
+          <a:bodyPr rtlCol="0" anchor="ctr"/>
+          <a:lstStyle/>
+          <a:p>
+            <a:pPr algn="ctr"/>
+            <a:endParaRPr lang="zh-CN" altLang="en-US"/>
+          </a:p>
+        </p:txBody>
+      </p:sp>
+      <p:sp>
+        <p:nvSpPr>
+          <p:cNvPr id="9" name="椭圆 8">
+            <a:extLst>
+              <a:ext uri="{FF2B5EF4-FFF2-40B4-BE49-F238E27FC236}">
+                <a16:creationId xmlns:a16="http://schemas.microsoft.com/office/drawing/2014/main" id="{09FA8544-C84C-443A-ACF7-ADBBCF6AC21D}"/>
+              </a:ext>
+            </a:extLst>
+          </p:cNvPr>
+          <p:cNvSpPr/>
+          <p:nvPr/>
+        </p:nvSpPr>
+        <p:spPr>
+          <a:xfrm>
+            <a:off x="11538408" y="4602779"/>
+            <a:ext cx="479982" cy="245493"/>
+          </a:xfrm>
+          <a:prstGeom prst="ellipse">
+            <a:avLst/>
+          </a:prstGeom>
+          <a:noFill/>
+          <a:ln>
+            <a:solidFill>
+              <a:srgbClr val="FF0000"/>
+            </a:solidFill>
+          </a:ln>
+        </p:spPr>
+        <p:style>
+          <a:lnRef idx="2">
+            <a:schemeClr val="accent1">
+              <a:shade val="50000"/>
+            </a:schemeClr>
+          </a:lnRef>
+          <a:fillRef idx="1">
+            <a:schemeClr val="accent1"/>
+          </a:fillRef>
+          <a:effectRef idx="0">
+            <a:schemeClr val="accent1"/>
+          </a:effectRef>
+          <a:fontRef idx="minor">
+            <a:schemeClr val="lt1"/>
+          </a:fontRef>
+        </p:style>
+        <p:txBody>
+          <a:bodyPr rtlCol="0" anchor="ctr"/>
+          <a:lstStyle/>
+          <a:p>
+            <a:pPr algn="ctr"/>
+            <a:endParaRPr lang="zh-CN" altLang="en-US"/>
+          </a:p>
+        </p:txBody>
+      </p:sp>
+      <p:sp>
+        <p:nvSpPr>
+          <p:cNvPr id="10" name="椭圆 9">
+            <a:extLst>
+              <a:ext uri="{FF2B5EF4-FFF2-40B4-BE49-F238E27FC236}">
+                <a16:creationId xmlns:a16="http://schemas.microsoft.com/office/drawing/2014/main" id="{5F10D4B5-C35C-4647-8D72-E4ED01BA1F42}"/>
+              </a:ext>
+            </a:extLst>
+          </p:cNvPr>
+          <p:cNvSpPr/>
+          <p:nvPr/>
+        </p:nvSpPr>
+        <p:spPr>
+          <a:xfrm>
+            <a:off x="11538408" y="4848272"/>
+            <a:ext cx="479982" cy="245493"/>
+          </a:xfrm>
+          <a:prstGeom prst="ellipse">
+            <a:avLst/>
+          </a:prstGeom>
+          <a:noFill/>
+          <a:ln>
+            <a:solidFill>
+              <a:srgbClr val="FF0000"/>
+            </a:solidFill>
+          </a:ln>
+        </p:spPr>
+        <p:style>
+          <a:lnRef idx="2">
+            <a:schemeClr val="accent1">
+              <a:shade val="50000"/>
+            </a:schemeClr>
+          </a:lnRef>
+          <a:fillRef idx="1">
+            <a:schemeClr val="accent1"/>
+          </a:fillRef>
+          <a:effectRef idx="0">
+            <a:schemeClr val="accent1"/>
+          </a:effectRef>
+          <a:fontRef idx="minor">
+            <a:schemeClr val="lt1"/>
+          </a:fontRef>
+        </p:style>
+        <p:txBody>
+          <a:bodyPr rtlCol="0" anchor="ctr"/>
+          <a:lstStyle/>
+          <a:p>
+            <a:pPr algn="ctr"/>
+            <a:endParaRPr lang="zh-CN" altLang="en-US"/>
+          </a:p>
+        </p:txBody>
+      </p:sp>
+    </p:spTree>
+    <p:extLst>
+      <p:ext uri="{BB962C8B-B14F-4D97-AF65-F5344CB8AC3E}">
+        <p14:creationId xmlns:p14="http://schemas.microsoft.com/office/powerpoint/2010/main" val="2510201475"/>
+      </p:ext>
+    </p:extLst>
+  </p:cSld>
+  <p:clrMapOvr>
+    <a:masterClrMapping/>
+  </p:clrMapOvr>
+  <mc:AlternateContent xmlns:mc="http://schemas.openxmlformats.org/markup-compatibility/2006">
+    <mc:Choice xmlns:p14="http://schemas.microsoft.com/office/powerpoint/2010/main" Requires="p14">
+      <p:transition spd="med" p14:dur="700">
+        <p:fade/>
+      </p:transition>
+    </mc:Choice>
+    <mc:Fallback>
+      <p:transition spd="med">
+        <p:fade/>
+      </p:transition>
+    </mc:Fallback>
+  </mc:AlternateContent>
+  <p:timing>
+    <p:tnLst>
+      <p:par>
+        <p:cTn id="1" dur="indefinite" restart="never" nodeType="tmRoot">
+          <p:childTnLst>
+            <p:seq concurrent="1" nextAc="seek">
+              <p:cTn id="2" dur="indefinite" nodeType="mainSeq">
+                <p:childTnLst>
+                  <p:par>
+                    <p:cTn id="3" fill="hold">
+                      <p:stCondLst>
+                        <p:cond delay="indefinite"/>
+                        <p:cond evt="onBegin" delay="0">
+                          <p:tn val="2"/>
+                        </p:cond>
+                      </p:stCondLst>
+                      <p:childTnLst>
+                        <p:par>
+                          <p:cTn id="4" fill="hold">
+                            <p:stCondLst>
+                              <p:cond delay="0"/>
+                            </p:stCondLst>
+                            <p:childTnLst>
+                              <p:par>
+                                <p:cTn id="5" presetID="21" presetClass="entr" presetSubtype="1" fill="hold" grpId="0" nodeType="afterEffect">
+                                  <p:stCondLst>
+                                    <p:cond delay="0"/>
+                                  </p:stCondLst>
+                                  <p:childTnLst>
+                                    <p:set>
+                                      <p:cBhvr>
+                                        <p:cTn id="6" dur="1" fill="hold">
+                                          <p:stCondLst>
+                                            <p:cond delay="0"/>
+                                          </p:stCondLst>
+                                        </p:cTn>
+                                        <p:tgtEl>
+                                          <p:spTgt spid="3"/>
+                                        </p:tgtEl>
+                                        <p:attrNameLst>
+                                          <p:attrName>style.visibility</p:attrName>
+                                        </p:attrNameLst>
+                                      </p:cBhvr>
+                                      <p:to>
+                                        <p:strVal val="visible"/>
+                                      </p:to>
+                                    </p:set>
+                                    <p:animEffect transition="in" filter="wheel(1)">
+                                      <p:cBhvr>
+                                        <p:cTn id="7" dur="2000"/>
+                                        <p:tgtEl>
+                                          <p:spTgt spid="3"/>
+                                        </p:tgtEl>
+                                      </p:cBhvr>
+                                    </p:animEffect>
+                                  </p:childTnLst>
+                                </p:cTn>
+                              </p:par>
+                            </p:childTnLst>
+                          </p:cTn>
+                        </p:par>
+                        <p:par>
+                          <p:cTn id="8" fill="hold">
+                            <p:stCondLst>
+                              <p:cond delay="2000"/>
+                            </p:stCondLst>
+                            <p:childTnLst>
+                              <p:par>
+                                <p:cTn id="9" presetID="21" presetClass="entr" presetSubtype="1" fill="hold" grpId="0" nodeType="afterEffect">
+                                  <p:stCondLst>
+                                    <p:cond delay="0"/>
+                                  </p:stCondLst>
+                                  <p:childTnLst>
+                                    <p:set>
+                                      <p:cBhvr>
+                                        <p:cTn id="10" dur="1" fill="hold">
+                                          <p:stCondLst>
+                                            <p:cond delay="0"/>
+                                          </p:stCondLst>
+                                        </p:cTn>
+                                        <p:tgtEl>
+                                          <p:spTgt spid="4"/>
+                                        </p:tgtEl>
+                                        <p:attrNameLst>
+                                          <p:attrName>style.visibility</p:attrName>
+                                        </p:attrNameLst>
+                                      </p:cBhvr>
+                                      <p:to>
+                                        <p:strVal val="visible"/>
+                                      </p:to>
+                                    </p:set>
+                                    <p:animEffect transition="in" filter="wheel(1)">
+                                      <p:cBhvr>
+                                        <p:cTn id="11" dur="2000"/>
+                                        <p:tgtEl>
+                                          <p:spTgt spid="4"/>
+                                        </p:tgtEl>
+                                      </p:cBhvr>
+                                    </p:animEffect>
+                                  </p:childTnLst>
+                                </p:cTn>
+                              </p:par>
+                            </p:childTnLst>
+                          </p:cTn>
+                        </p:par>
+                        <p:par>
+                          <p:cTn id="12" fill="hold">
+                            <p:stCondLst>
+                              <p:cond delay="4000"/>
+                            </p:stCondLst>
+                            <p:childTnLst>
+                              <p:par>
+                                <p:cTn id="13" presetID="21" presetClass="entr" presetSubtype="1" fill="hold" grpId="0" nodeType="afterEffect">
+                                  <p:stCondLst>
+                                    <p:cond delay="0"/>
+                                  </p:stCondLst>
+                                  <p:childTnLst>
+                                    <p:set>
+                                      <p:cBhvr>
+                                        <p:cTn id="14" dur="1" fill="hold">
+                                          <p:stCondLst>
+                                            <p:cond delay="0"/>
+                                          </p:stCondLst>
+                                        </p:cTn>
+                                        <p:tgtEl>
+                                          <p:spTgt spid="5"/>
+                                        </p:tgtEl>
+                                        <p:attrNameLst>
+                                          <p:attrName>style.visibility</p:attrName>
+                                        </p:attrNameLst>
+                                      </p:cBhvr>
+                                      <p:to>
+                                        <p:strVal val="visible"/>
+                                      </p:to>
+                                    </p:set>
+                                    <p:animEffect transition="in" filter="wheel(1)">
+                                      <p:cBhvr>
+                                        <p:cTn id="15" dur="2000"/>
+                                        <p:tgtEl>
+                                          <p:spTgt spid="5"/>
+                                        </p:tgtEl>
+                                      </p:cBhvr>
+                                    </p:animEffect>
+                                  </p:childTnLst>
+                                </p:cTn>
+                              </p:par>
+                            </p:childTnLst>
+                          </p:cTn>
+                        </p:par>
+                        <p:par>
+                          <p:cTn id="16" fill="hold">
+                            <p:stCondLst>
+                              <p:cond delay="6000"/>
+                            </p:stCondLst>
+                            <p:childTnLst>
+                              <p:par>
+                                <p:cTn id="17" presetID="21" presetClass="entr" presetSubtype="1" fill="hold" grpId="0" nodeType="afterEffect">
+                                  <p:stCondLst>
+                                    <p:cond delay="0"/>
+                                  </p:stCondLst>
+                                  <p:childTnLst>
+                                    <p:set>
+                                      <p:cBhvr>
+                                        <p:cTn id="18" dur="1" fill="hold">
+                                          <p:stCondLst>
+                                            <p:cond delay="0"/>
+                                          </p:stCondLst>
+                                        </p:cTn>
+                                        <p:tgtEl>
+                                          <p:spTgt spid="6"/>
+                                        </p:tgtEl>
+                                        <p:attrNameLst>
+                                          <p:attrName>style.visibility</p:attrName>
+                                        </p:attrNameLst>
+                                      </p:cBhvr>
+                                      <p:to>
+                                        <p:strVal val="visible"/>
+                                      </p:to>
+                                    </p:set>
+                                    <p:animEffect transition="in" filter="wheel(1)">
+                                      <p:cBhvr>
+                                        <p:cTn id="19" dur="2000"/>
+                                        <p:tgtEl>
+                                          <p:spTgt spid="6"/>
+                                        </p:tgtEl>
+                                      </p:cBhvr>
+                                    </p:animEffect>
+                                  </p:childTnLst>
+                                </p:cTn>
+                              </p:par>
+                            </p:childTnLst>
+                          </p:cTn>
+                        </p:par>
+                        <p:par>
+                          <p:cTn id="20" fill="hold">
+                            <p:stCondLst>
+                              <p:cond delay="8000"/>
+                            </p:stCondLst>
+                            <p:childTnLst>
+                              <p:par>
+                                <p:cTn id="21" presetID="21" presetClass="entr" presetSubtype="1" fill="hold" grpId="0" nodeType="afterEffect">
+                                  <p:stCondLst>
+                                    <p:cond delay="0"/>
+                                  </p:stCondLst>
+                                  <p:childTnLst>
+                                    <p:set>
+                                      <p:cBhvr>
+                                        <p:cTn id="22" dur="1" fill="hold">
+                                          <p:stCondLst>
+                                            <p:cond delay="0"/>
+                                          </p:stCondLst>
+                                        </p:cTn>
+                                        <p:tgtEl>
+                                          <p:spTgt spid="7"/>
+                                        </p:tgtEl>
+                                        <p:attrNameLst>
+                                          <p:attrName>style.visibility</p:attrName>
+                                        </p:attrNameLst>
+                                      </p:cBhvr>
+                                      <p:to>
+                                        <p:strVal val="visible"/>
+                                      </p:to>
+                                    </p:set>
+                                    <p:animEffect transition="in" filter="wheel(1)">
+                                      <p:cBhvr>
+                                        <p:cTn id="23" dur="2000"/>
+                                        <p:tgtEl>
+                                          <p:spTgt spid="7"/>
+                                        </p:tgtEl>
+                                      </p:cBhvr>
+                                    </p:animEffect>
+                                  </p:childTnLst>
+                                </p:cTn>
+                              </p:par>
+                            </p:childTnLst>
+                          </p:cTn>
+                        </p:par>
+                        <p:par>
+                          <p:cTn id="24" fill="hold">
+                            <p:stCondLst>
+                              <p:cond delay="10000"/>
+                            </p:stCondLst>
+                            <p:childTnLst>
+                              <p:par>
+                                <p:cTn id="25" presetID="21" presetClass="entr" presetSubtype="1" fill="hold" grpId="0" nodeType="afterEffect">
+                                  <p:stCondLst>
+                                    <p:cond delay="0"/>
+                                  </p:stCondLst>
+                                  <p:childTnLst>
+                                    <p:set>
+                                      <p:cBhvr>
+                                        <p:cTn id="26" dur="1" fill="hold">
+                                          <p:stCondLst>
+                                            <p:cond delay="0"/>
+                                          </p:stCondLst>
+                                        </p:cTn>
+                                        <p:tgtEl>
+                                          <p:spTgt spid="9"/>
+                                        </p:tgtEl>
+                                        <p:attrNameLst>
+                                          <p:attrName>style.visibility</p:attrName>
+                                        </p:attrNameLst>
+                                      </p:cBhvr>
+                                      <p:to>
+                                        <p:strVal val="visible"/>
+                                      </p:to>
+                                    </p:set>
+                                    <p:animEffect transition="in" filter="wheel(1)">
+                                      <p:cBhvr>
+                                        <p:cTn id="27" dur="2000"/>
+                                        <p:tgtEl>
+                                          <p:spTgt spid="9"/>
+                                        </p:tgtEl>
+                                      </p:cBhvr>
+                                    </p:animEffect>
+                                  </p:childTnLst>
+                                </p:cTn>
+                              </p:par>
+                            </p:childTnLst>
+                          </p:cTn>
+                        </p:par>
+                        <p:par>
+                          <p:cTn id="28" fill="hold">
+                            <p:stCondLst>
+                              <p:cond delay="12000"/>
+                            </p:stCondLst>
+                            <p:childTnLst>
+                              <p:par>
+                                <p:cTn id="29" presetID="21" presetClass="entr" presetSubtype="1" fill="hold" grpId="0" nodeType="afterEffect">
+                                  <p:stCondLst>
+                                    <p:cond delay="0"/>
+                                  </p:stCondLst>
+                                  <p:childTnLst>
+                                    <p:set>
+                                      <p:cBhvr>
+                                        <p:cTn id="30" dur="1" fill="hold">
+                                          <p:stCondLst>
+                                            <p:cond delay="0"/>
+                                          </p:stCondLst>
+                                        </p:cTn>
+                                        <p:tgtEl>
+                                          <p:spTgt spid="10"/>
+                                        </p:tgtEl>
+                                        <p:attrNameLst>
+                                          <p:attrName>style.visibility</p:attrName>
+                                        </p:attrNameLst>
+                                      </p:cBhvr>
+                                      <p:to>
+                                        <p:strVal val="visible"/>
+                                      </p:to>
+                                    </p:set>
+                                    <p:animEffect transition="in" filter="wheel(1)">
+                                      <p:cBhvr>
+                                        <p:cTn id="31" dur="2000"/>
+                                        <p:tgtEl>
+                                          <p:spTgt spid="10"/>
+                                        </p:tgtEl>
+                                      </p:cBhvr>
+                                    </p:animEffect>
+                                  </p:childTnLst>
+                                </p:cTn>
+                              </p:par>
+                            </p:childTnLst>
+                          </p:cTn>
+                        </p:par>
+                      </p:childTnLst>
+                    </p:cTn>
+                  </p:par>
+                </p:childTnLst>
+              </p:cTn>
+              <p:prevCondLst>
+                <p:cond evt="onPrev" delay="0">
+                  <p:tgtEl>
+                    <p:sldTgt/>
+                  </p:tgtEl>
+                </p:cond>
+              </p:prevCondLst>
+              <p:nextCondLst>
+                <p:cond evt="onNext" delay="0">
+                  <p:tgtEl>
+                    <p:sldTgt/>
+                  </p:tgtEl>
+                </p:cond>
+              </p:nextCondLst>
+            </p:seq>
+          </p:childTnLst>
+        </p:cTn>
+      </p:par>
+    </p:tnLst>
+    <p:bldLst>
+      <p:bldP spid="3" grpId="0" animBg="1"/>
+      <p:bldP spid="4" grpId="0" animBg="1"/>
+      <p:bldP spid="5" grpId="0" animBg="1"/>
+      <p:bldP spid="6" grpId="0" animBg="1"/>
+      <p:bldP spid="7" grpId="0" animBg="1"/>
+      <p:bldP spid="9" grpId="0" animBg="1"/>
+      <p:bldP spid="10" grpId="0" animBg="1"/>
+    </p:bldLst>
+  </p:timing>
+</p:sld>
+</file>
+
+<file path=ppt/slides/slide69.xml><?xml version="1.0" encoding="utf-8"?>
+<p:sld xmlns:a="http://schemas.openxmlformats.org/drawingml/2006/main" xmlns:r="http://schemas.openxmlformats.org/officeDocument/2006/relationships" xmlns:p="http://schemas.openxmlformats.org/presentationml/2006/main">
+  <p:cSld>
+    <p:bg>
+      <p:bgPr>
+        <a:solidFill>
+          <a:srgbClr val="F1F2F7"/>
+        </a:solidFill>
+        <a:effectLst/>
+      </p:bgPr>
+    </p:bg>
+    <p:spTree>
+      <p:nvGrpSpPr>
+        <p:cNvPr id="1" name=""/>
+        <p:cNvGrpSpPr/>
+        <p:nvPr/>
+      </p:nvGrpSpPr>
+      <p:grpSpPr>
+        <a:xfrm>
+          <a:off x="0" y="0"/>
+          <a:ext cx="0" cy="0"/>
+          <a:chOff x="0" y="0"/>
+          <a:chExt cx="0" cy="0"/>
+        </a:xfrm>
+      </p:grpSpPr>
+      <p:pic>
+        <p:nvPicPr>
+          <p:cNvPr id="2" name="图片 1">
+            <a:extLst>
+              <a:ext uri="{FF2B5EF4-FFF2-40B4-BE49-F238E27FC236}">
+                <a16:creationId xmlns:a16="http://schemas.microsoft.com/office/drawing/2014/main" id="{7A51EB18-71D1-4ECB-9322-2BDAFE060298}"/>
+              </a:ext>
+            </a:extLst>
+          </p:cNvPr>
+          <p:cNvPicPr>
+            <a:picLocks noChangeAspect="1"/>
+          </p:cNvPicPr>
+          <p:nvPr/>
+        </p:nvPicPr>
+        <p:blipFill>
+          <a:blip r:embed="rId2"/>
+          <a:stretch>
+            <a:fillRect/>
+          </a:stretch>
+        </p:blipFill>
+        <p:spPr>
+          <a:xfrm>
+            <a:off x="0" y="1234872"/>
+            <a:ext cx="12192000" cy="4388255"/>
+          </a:xfrm>
+          <a:prstGeom prst="rect">
+            <a:avLst/>
+          </a:prstGeom>
+        </p:spPr>
+      </p:pic>
+      <p:sp>
+        <p:nvSpPr>
+          <p:cNvPr id="3" name="椭圆 2">
+            <a:extLst>
+              <a:ext uri="{FF2B5EF4-FFF2-40B4-BE49-F238E27FC236}">
+                <a16:creationId xmlns:a16="http://schemas.microsoft.com/office/drawing/2014/main" id="{FA453F9C-9931-42F9-A23A-752E436A1490}"/>
+              </a:ext>
+            </a:extLst>
+          </p:cNvPr>
+          <p:cNvSpPr/>
+          <p:nvPr/>
+        </p:nvSpPr>
+        <p:spPr>
+          <a:xfrm>
+            <a:off x="772998" y="2246078"/>
+            <a:ext cx="584462" cy="245493"/>
+          </a:xfrm>
+          <a:prstGeom prst="ellipse">
+            <a:avLst/>
+          </a:prstGeom>
+          <a:noFill/>
+          <a:ln>
+            <a:solidFill>
+              <a:srgbClr val="FF0000"/>
+            </a:solidFill>
+          </a:ln>
+        </p:spPr>
+        <p:style>
+          <a:lnRef idx="2">
+            <a:schemeClr val="accent1">
+              <a:shade val="50000"/>
+            </a:schemeClr>
+          </a:lnRef>
+          <a:fillRef idx="1">
+            <a:schemeClr val="accent1"/>
+          </a:fillRef>
+          <a:effectRef idx="0">
+            <a:schemeClr val="accent1"/>
+          </a:effectRef>
+          <a:fontRef idx="minor">
+            <a:schemeClr val="lt1"/>
+          </a:fontRef>
+        </p:style>
+        <p:txBody>
+          <a:bodyPr rtlCol="0" anchor="ctr"/>
+          <a:lstStyle/>
+          <a:p>
+            <a:pPr algn="ctr"/>
+            <a:endParaRPr lang="zh-CN" altLang="en-US"/>
+          </a:p>
+        </p:txBody>
+      </p:sp>
+    </p:spTree>
+    <p:extLst>
+      <p:ext uri="{BB962C8B-B14F-4D97-AF65-F5344CB8AC3E}">
+        <p14:creationId xmlns:p14="http://schemas.microsoft.com/office/powerpoint/2010/main" val="1882974900"/>
+      </p:ext>
+    </p:extLst>
+  </p:cSld>
+  <p:clrMapOvr>
+    <a:masterClrMapping/>
+  </p:clrMapOvr>
+  <mc:AlternateContent xmlns:mc="http://schemas.openxmlformats.org/markup-compatibility/2006">
+    <mc:Choice xmlns:p14="http://schemas.microsoft.com/office/powerpoint/2010/main" Requires="p14">
+      <p:transition spd="slow" p14:dur="2000">
+        <p14:prism dir="u" isContent="1"/>
+      </p:transition>
+    </mc:Choice>
+    <mc:Fallback>
+      <p:transition spd="slow">
+        <p:fade/>
+      </p:transition>
+    </mc:Fallback>
+  </mc:AlternateContent>
+  <p:timing>
+    <p:tnLst>
+      <p:par>
+        <p:cTn id="1" dur="indefinite" restart="never" nodeType="tmRoot">
+          <p:childTnLst>
+            <p:seq concurrent="1" nextAc="seek">
+              <p:cTn id="2" dur="indefinite" nodeType="mainSeq">
+                <p:childTnLst>
+                  <p:par>
+                    <p:cTn id="3" fill="hold">
+                      <p:stCondLst>
+                        <p:cond delay="indefinite"/>
+                        <p:cond evt="onBegin" delay="0">
+                          <p:tn val="2"/>
+                        </p:cond>
+                      </p:stCondLst>
+                      <p:childTnLst>
+                        <p:par>
+                          <p:cTn id="4" fill="hold">
+                            <p:stCondLst>
+                              <p:cond delay="0"/>
+                            </p:stCondLst>
+                            <p:childTnLst>
+                              <p:par>
+                                <p:cTn id="5" presetID="21" presetClass="entr" presetSubtype="1" fill="hold" grpId="0" nodeType="afterEffect">
+                                  <p:stCondLst>
+                                    <p:cond delay="0"/>
+                                  </p:stCondLst>
+                                  <p:childTnLst>
+                                    <p:set>
+                                      <p:cBhvr>
+                                        <p:cTn id="6" dur="1" fill="hold">
+                                          <p:stCondLst>
+                                            <p:cond delay="0"/>
+                                          </p:stCondLst>
+                                        </p:cTn>
+                                        <p:tgtEl>
+                                          <p:spTgt spid="3"/>
+                                        </p:tgtEl>
+                                        <p:attrNameLst>
+                                          <p:attrName>style.visibility</p:attrName>
+                                        </p:attrNameLst>
+                                      </p:cBhvr>
+                                      <p:to>
+                                        <p:strVal val="visible"/>
+                                      </p:to>
+                                    </p:set>
+                                    <p:animEffect transition="in" filter="wheel(1)">
+                                      <p:cBhvr>
+                                        <p:cTn id="7" dur="2000"/>
+                                        <p:tgtEl>
+                                          <p:spTgt spid="3"/>
+                                        </p:tgtEl>
+                                      </p:cBhvr>
+                                    </p:animEffect>
+                                  </p:childTnLst>
+                                </p:cTn>
+                              </p:par>
+                            </p:childTnLst>
+                          </p:cTn>
+                        </p:par>
+                      </p:childTnLst>
+                    </p:cTn>
+                  </p:par>
+                </p:childTnLst>
+              </p:cTn>
+              <p:prevCondLst>
+                <p:cond evt="onPrev" delay="0">
+                  <p:tgtEl>
+                    <p:sldTgt/>
+                  </p:tgtEl>
+                </p:cond>
+              </p:prevCondLst>
+              <p:nextCondLst>
+                <p:cond evt="onNext" delay="0">
+                  <p:tgtEl>
+                    <p:sldTgt/>
+                  </p:tgtEl>
+                </p:cond>
+              </p:nextCondLst>
+            </p:seq>
+          </p:childTnLst>
+        </p:cTn>
+      </p:par>
+    </p:tnLst>
+    <p:bldLst>
+      <p:bldP spid="3" grpId="0" animBg="1"/>
+    </p:bldLst>
+  </p:timing>
+</p:sld>
+</file>
+
+<file path=ppt/slides/slide7.xml><?xml version="1.0" encoding="utf-8"?>
+<p:sld xmlns:a="http://schemas.openxmlformats.org/drawingml/2006/main" xmlns:r="http://schemas.openxmlformats.org/officeDocument/2006/relationships" xmlns:p="http://schemas.openxmlformats.org/presentationml/2006/main">
+  <p:cSld>
+    <p:spTree>
+      <p:nvGrpSpPr>
+        <p:cNvPr id="1" name=""/>
+        <p:cNvGrpSpPr/>
+        <p:nvPr/>
+      </p:nvGrpSpPr>
+      <p:grpSpPr>
+        <a:xfrm>
+          <a:off x="0" y="0"/>
+          <a:ext cx="0" cy="0"/>
+          <a:chOff x="0" y="0"/>
+          <a:chExt cx="0" cy="0"/>
+        </a:xfrm>
+      </p:grpSpPr>
+      <p:sp>
+        <p:nvSpPr>
+          <p:cNvPr id="3" name="矩形 2">
+            <a:extLst>
+              <a:ext uri="{FF2B5EF4-FFF2-40B4-BE49-F238E27FC236}">
+                <a16:creationId xmlns:a16="http://schemas.microsoft.com/office/drawing/2014/main" id="{55EBD7F5-EB70-44F9-8E7C-925F80021033}"/>
+              </a:ext>
+            </a:extLst>
+          </p:cNvPr>
+          <p:cNvSpPr/>
+          <p:nvPr/>
+        </p:nvSpPr>
+        <p:spPr>
+          <a:xfrm>
+            <a:off x="3842614" y="2384296"/>
+            <a:ext cx="4012637" cy="707886"/>
+          </a:xfrm>
+          <a:prstGeom prst="rect">
+            <a:avLst/>
+          </a:prstGeom>
+          <a:noFill/>
+        </p:spPr>
+        <p:txBody>
+          <a:bodyPr wrap="none" lIns="91440" tIns="45720" rIns="91440" bIns="45720">
+            <a:spAutoFit/>
+          </a:bodyPr>
+          <a:lstStyle/>
+          <a:p>
+            <a:pPr marL="742950" indent="-742950">
+              <a:buFont typeface="Wingdings" panose="05000000000000000000" pitchFamily="2" charset="2"/>
+              <a:buChar char="p"/>
+            </a:pPr>
+            <a:r>
+              <a:rPr lang="zh-CN" altLang="en-US" sz="4000" dirty="0">
+                <a:ln w="0"/>
+                <a:solidFill>
+                  <a:schemeClr val="bg1"/>
+                </a:solidFill>
+                <a:effectLst>
+                  <a:outerShdw blurRad="38100" dist="25400" dir="5400000" algn="ctr" rotWithShape="0">
+                    <a:srgbClr val="6E747A">
+                      <a:alpha val="43000"/>
+                    </a:srgbClr>
+                  </a:outerShdw>
+                </a:effectLst>
+                <a:latin typeface="宋体" panose="02010600030101010101" pitchFamily="2" charset="-122"/>
+                <a:ea typeface="宋体" panose="02010600030101010101" pitchFamily="2" charset="-122"/>
+              </a:rPr>
+              <a:t>运维添加用户</a:t>
+            </a:r>
+            <a:endParaRPr lang="zh-CN" altLang="en-US" sz="4000" b="0" cap="none" spc="0" dirty="0">
+              <a:ln w="0"/>
+              <a:solidFill>
+                <a:schemeClr val="bg1"/>
+              </a:solidFill>
+              <a:effectLst>
+                <a:outerShdw blurRad="38100" dist="25400" dir="5400000" algn="ctr" rotWithShape="0">
+                  <a:srgbClr val="6E747A">
+                    <a:alpha val="43000"/>
+                  </a:srgbClr>
+                </a:outerShdw>
+              </a:effectLst>
+              <a:latin typeface="宋体" panose="02010600030101010101" pitchFamily="2" charset="-122"/>
+              <a:ea typeface="宋体" panose="02010600030101010101" pitchFamily="2" charset="-122"/>
+            </a:endParaRPr>
+          </a:p>
+        </p:txBody>
+      </p:sp>
+      <p:sp>
+        <p:nvSpPr>
+          <p:cNvPr id="4" name="矩形 3">
+            <a:extLst>
+              <a:ext uri="{FF2B5EF4-FFF2-40B4-BE49-F238E27FC236}">
+                <a16:creationId xmlns:a16="http://schemas.microsoft.com/office/drawing/2014/main" id="{781DDB74-7F9C-44EA-9669-FD242B05F63F}"/>
+              </a:ext>
+            </a:extLst>
+          </p:cNvPr>
+          <p:cNvSpPr/>
+          <p:nvPr/>
+        </p:nvSpPr>
+        <p:spPr>
+          <a:xfrm>
+            <a:off x="3842614" y="3435388"/>
+            <a:ext cx="5038559" cy="707886"/>
+          </a:xfrm>
+          <a:prstGeom prst="rect">
+            <a:avLst/>
+          </a:prstGeom>
+          <a:noFill/>
+        </p:spPr>
+        <p:txBody>
+          <a:bodyPr wrap="none" lIns="91440" tIns="45720" rIns="91440" bIns="45720">
+            <a:spAutoFit/>
+          </a:bodyPr>
+          <a:lstStyle/>
+          <a:p>
+            <a:pPr marL="742950" indent="-742950">
+              <a:buFont typeface="Wingdings" panose="05000000000000000000" pitchFamily="2" charset="2"/>
+              <a:buChar char="p"/>
+            </a:pPr>
+            <a:r>
+              <a:rPr lang="zh-CN" altLang="en-US" sz="4000" dirty="0">
+                <a:ln w="0"/>
+                <a:solidFill>
+                  <a:schemeClr val="bg1"/>
+                </a:solidFill>
+                <a:effectLst>
+                  <a:outerShdw blurRad="38100" dist="25400" dir="5400000" algn="ctr" rotWithShape="0">
+                    <a:srgbClr val="6E747A">
+                      <a:alpha val="43000"/>
+                    </a:srgbClr>
+                  </a:outerShdw>
+                </a:effectLst>
+                <a:latin typeface="宋体" panose="02010600030101010101" pitchFamily="2" charset="-122"/>
+                <a:ea typeface="宋体" panose="02010600030101010101" pitchFamily="2" charset="-122"/>
+              </a:rPr>
+              <a:t>运维修改用户密码</a:t>
+            </a:r>
+            <a:endParaRPr lang="zh-CN" altLang="en-US" sz="4000" b="0" cap="none" spc="0" dirty="0">
+              <a:ln w="0"/>
+              <a:solidFill>
+                <a:schemeClr val="bg1"/>
+              </a:solidFill>
+              <a:effectLst>
+                <a:outerShdw blurRad="38100" dist="25400" dir="5400000" algn="ctr" rotWithShape="0">
+                  <a:srgbClr val="6E747A">
+                    <a:alpha val="43000"/>
+                  </a:srgbClr>
+                </a:outerShdw>
+              </a:effectLst>
+              <a:latin typeface="宋体" panose="02010600030101010101" pitchFamily="2" charset="-122"/>
+              <a:ea typeface="宋体" panose="02010600030101010101" pitchFamily="2" charset="-122"/>
+            </a:endParaRPr>
+          </a:p>
+        </p:txBody>
+      </p:sp>
+      <p:sp>
+        <p:nvSpPr>
+          <p:cNvPr id="9" name="矩形 8">
+            <a:extLst>
+              <a:ext uri="{FF2B5EF4-FFF2-40B4-BE49-F238E27FC236}">
+                <a16:creationId xmlns:a16="http://schemas.microsoft.com/office/drawing/2014/main" id="{D58D53BC-38CE-4AA1-A6B9-12FB7EFCD1FE}"/>
+              </a:ext>
+            </a:extLst>
+          </p:cNvPr>
+          <p:cNvSpPr/>
+          <p:nvPr/>
+        </p:nvSpPr>
+        <p:spPr>
+          <a:xfrm>
+            <a:off x="5593298" y="5671112"/>
+            <a:ext cx="1005403" cy="338554"/>
+          </a:xfrm>
+          <a:prstGeom prst="rect">
+            <a:avLst/>
+          </a:prstGeom>
+          <a:noFill/>
+        </p:spPr>
+        <p:txBody>
+          <a:bodyPr wrap="none" lIns="91440" tIns="45720" rIns="91440" bIns="45720">
+            <a:spAutoFit/>
+          </a:bodyPr>
+          <a:lstStyle/>
+          <a:p>
+            <a:pPr algn="ctr"/>
+            <a:r>
+              <a:rPr lang="zh-CN" altLang="en-US" sz="1600" b="0" cap="none" spc="0" dirty="0">
+                <a:ln w="0"/>
+                <a:solidFill>
+                  <a:schemeClr val="tx1">
+                    <a:lumMod val="65000"/>
+                    <a:lumOff val="35000"/>
+                  </a:schemeClr>
+                </a:solidFill>
+                <a:effectLst>
+                  <a:outerShdw blurRad="38100" dist="25400" dir="5400000" algn="ctr" rotWithShape="0">
+                    <a:srgbClr val="6E747A">
+                      <a:alpha val="43000"/>
+                    </a:srgbClr>
+                  </a:outerShdw>
+                </a:effectLst>
+                <a:latin typeface="宋体" panose="02010600030101010101" pitchFamily="2" charset="-122"/>
+                <a:ea typeface="宋体" panose="02010600030101010101" pitchFamily="2" charset="-122"/>
+              </a:rPr>
+              <a:t>用户管理</a:t>
+            </a:r>
+          </a:p>
+        </p:txBody>
+      </p:sp>
+      <p:sp>
+        <p:nvSpPr>
+          <p:cNvPr id="11" name="立方体 10">
+            <a:extLst>
+              <a:ext uri="{FF2B5EF4-FFF2-40B4-BE49-F238E27FC236}">
+                <a16:creationId xmlns:a16="http://schemas.microsoft.com/office/drawing/2014/main" id="{0D198F0E-E972-4D92-A50D-62485CB65983}"/>
+              </a:ext>
+            </a:extLst>
+          </p:cNvPr>
+          <p:cNvSpPr/>
+          <p:nvPr/>
+        </p:nvSpPr>
+        <p:spPr>
+          <a:xfrm>
+            <a:off x="5899608" y="5231471"/>
+            <a:ext cx="392784" cy="338554"/>
+          </a:xfrm>
+          <a:prstGeom prst="cube">
+            <a:avLst/>
+          </a:prstGeom>
+          <a:solidFill>
+            <a:schemeClr val="bg1">
+              <a:lumMod val="85000"/>
+            </a:schemeClr>
+          </a:solidFill>
+          <a:ln>
+            <a:solidFill>
+              <a:schemeClr val="bg2">
+                <a:lumMod val="75000"/>
+              </a:schemeClr>
+            </a:solidFill>
+          </a:ln>
+        </p:spPr>
+        <p:style>
+          <a:lnRef idx="2">
+            <a:schemeClr val="accent1">
+              <a:shade val="50000"/>
+            </a:schemeClr>
+          </a:lnRef>
+          <a:fillRef idx="1">
+            <a:schemeClr val="accent1"/>
+          </a:fillRef>
+          <a:effectRef idx="0">
+            <a:schemeClr val="accent1"/>
+          </a:effectRef>
+          <a:fontRef idx="minor">
+            <a:schemeClr val="lt1"/>
+          </a:fontRef>
+        </p:style>
+        <p:txBody>
+          <a:bodyPr rtlCol="0" anchor="ctr"/>
+          <a:lstStyle/>
+          <a:p>
+            <a:pPr algn="ctr"/>
+            <a:endParaRPr lang="zh-CN" altLang="en-US"/>
+          </a:p>
+        </p:txBody>
+      </p:sp>
+    </p:spTree>
+    <p:extLst>
+      <p:ext uri="{BB962C8B-B14F-4D97-AF65-F5344CB8AC3E}">
+        <p14:creationId xmlns:p14="http://schemas.microsoft.com/office/powerpoint/2010/main" val="2180080274"/>
+      </p:ext>
+    </p:extLst>
+  </p:cSld>
+  <p:clrMapOvr>
+    <a:masterClrMapping/>
+  </p:clrMapOvr>
+</p:sld>
+</file>
+
+<file path=ppt/slides/slide70.xml><?xml version="1.0" encoding="utf-8"?>
+<p:sld xmlns:a="http://schemas.openxmlformats.org/drawingml/2006/main" xmlns:r="http://schemas.openxmlformats.org/officeDocument/2006/relationships" xmlns:p="http://schemas.openxmlformats.org/presentationml/2006/main">
+  <p:cSld>
+    <p:spTree>
+      <p:nvGrpSpPr>
+        <p:cNvPr id="1" name=""/>
+        <p:cNvGrpSpPr/>
+        <p:nvPr/>
+      </p:nvGrpSpPr>
+      <p:grpSpPr>
+        <a:xfrm>
+          <a:off x="0" y="0"/>
+          <a:ext cx="0" cy="0"/>
+          <a:chOff x="0" y="0"/>
+          <a:chExt cx="0" cy="0"/>
+        </a:xfrm>
+      </p:grpSpPr>
+      <p:pic>
+        <p:nvPicPr>
+          <p:cNvPr id="2" name="图片 1">
+            <a:extLst>
+              <a:ext uri="{FF2B5EF4-FFF2-40B4-BE49-F238E27FC236}">
+                <a16:creationId xmlns:a16="http://schemas.microsoft.com/office/drawing/2014/main" id="{689477AD-FE2D-4686-8C80-F81CBC730177}"/>
+              </a:ext>
+            </a:extLst>
+          </p:cNvPr>
+          <p:cNvPicPr>
+            <a:picLocks noChangeAspect="1"/>
+          </p:cNvPicPr>
+          <p:nvPr/>
+        </p:nvPicPr>
+        <p:blipFill>
+          <a:blip r:embed="rId2"/>
+          <a:stretch>
+            <a:fillRect/>
+          </a:stretch>
+        </p:blipFill>
+        <p:spPr>
+          <a:xfrm>
+            <a:off x="0" y="2109689"/>
+            <a:ext cx="12192000" cy="2638621"/>
+          </a:xfrm>
+          <a:prstGeom prst="rect">
+            <a:avLst/>
+          </a:prstGeom>
+        </p:spPr>
+      </p:pic>
+      <p:sp>
+        <p:nvSpPr>
+          <p:cNvPr id="3" name="椭圆 2">
+            <a:extLst>
+              <a:ext uri="{FF2B5EF4-FFF2-40B4-BE49-F238E27FC236}">
+                <a16:creationId xmlns:a16="http://schemas.microsoft.com/office/drawing/2014/main" id="{8E1BDDDE-9B99-4E5D-9C43-ECB8B44889A7}"/>
+              </a:ext>
+            </a:extLst>
+          </p:cNvPr>
+          <p:cNvSpPr/>
+          <p:nvPr/>
+        </p:nvSpPr>
+        <p:spPr>
+          <a:xfrm>
+            <a:off x="150828" y="4131439"/>
+            <a:ext cx="688158" cy="280305"/>
+          </a:xfrm>
+          <a:prstGeom prst="ellipse">
+            <a:avLst/>
+          </a:prstGeom>
+          <a:noFill/>
+          <a:ln>
+            <a:solidFill>
+              <a:srgbClr val="FF0000"/>
+            </a:solidFill>
+          </a:ln>
+        </p:spPr>
+        <p:style>
+          <a:lnRef idx="2">
+            <a:schemeClr val="accent1">
+              <a:shade val="50000"/>
+            </a:schemeClr>
+          </a:lnRef>
+          <a:fillRef idx="1">
+            <a:schemeClr val="accent1"/>
+          </a:fillRef>
+          <a:effectRef idx="0">
+            <a:schemeClr val="accent1"/>
+          </a:effectRef>
+          <a:fontRef idx="minor">
+            <a:schemeClr val="lt1"/>
+          </a:fontRef>
+        </p:style>
+        <p:txBody>
+          <a:bodyPr rtlCol="0" anchor="ctr"/>
+          <a:lstStyle/>
+          <a:p>
+            <a:pPr algn="ctr"/>
+            <a:endParaRPr lang="zh-CN" altLang="en-US"/>
+          </a:p>
+        </p:txBody>
+      </p:sp>
+    </p:spTree>
+    <p:extLst>
+      <p:ext uri="{BB962C8B-B14F-4D97-AF65-F5344CB8AC3E}">
+        <p14:creationId xmlns:p14="http://schemas.microsoft.com/office/powerpoint/2010/main" val="375933588"/>
+      </p:ext>
+    </p:extLst>
+  </p:cSld>
+  <p:clrMapOvr>
+    <a:masterClrMapping/>
+  </p:clrMapOvr>
+  <mc:AlternateContent xmlns:mc="http://schemas.openxmlformats.org/markup-compatibility/2006">
+    <mc:Choice xmlns:p14="http://schemas.microsoft.com/office/powerpoint/2010/main" Requires="p14">
+      <p:transition spd="slow" p14:dur="2000">
+        <p14:prism dir="u" isContent="1"/>
+      </p:transition>
+    </mc:Choice>
+    <mc:Fallback>
+      <p:transition spd="slow">
+        <p:fade/>
+      </p:transition>
+    </mc:Fallback>
+  </mc:AlternateContent>
+  <p:timing>
+    <p:tnLst>
+      <p:par>
+        <p:cTn id="1" dur="indefinite" restart="never" nodeType="tmRoot">
+          <p:childTnLst>
+            <p:seq concurrent="1" nextAc="seek">
+              <p:cTn id="2" dur="indefinite" nodeType="mainSeq">
+                <p:childTnLst>
+                  <p:par>
+                    <p:cTn id="3" fill="hold">
+                      <p:stCondLst>
+                        <p:cond delay="indefinite"/>
+                        <p:cond evt="onBegin" delay="0">
+                          <p:tn val="2"/>
+                        </p:cond>
+                      </p:stCondLst>
+                      <p:childTnLst>
+                        <p:par>
+                          <p:cTn id="4" fill="hold">
+                            <p:stCondLst>
+                              <p:cond delay="0"/>
+                            </p:stCondLst>
+                            <p:childTnLst>
+                              <p:par>
+                                <p:cTn id="5" presetID="21" presetClass="entr" presetSubtype="1" fill="hold" grpId="0" nodeType="afterEffect">
+                                  <p:stCondLst>
+                                    <p:cond delay="0"/>
+                                  </p:stCondLst>
+                                  <p:childTnLst>
+                                    <p:set>
+                                      <p:cBhvr>
+                                        <p:cTn id="6" dur="1" fill="hold">
+                                          <p:stCondLst>
+                                            <p:cond delay="0"/>
+                                          </p:stCondLst>
+                                        </p:cTn>
+                                        <p:tgtEl>
+                                          <p:spTgt spid="3"/>
+                                        </p:tgtEl>
+                                        <p:attrNameLst>
+                                          <p:attrName>style.visibility</p:attrName>
+                                        </p:attrNameLst>
+                                      </p:cBhvr>
+                                      <p:to>
+                                        <p:strVal val="visible"/>
+                                      </p:to>
+                                    </p:set>
+                                    <p:animEffect transition="in" filter="wheel(1)">
+                                      <p:cBhvr>
+                                        <p:cTn id="7" dur="2000"/>
+                                        <p:tgtEl>
+                                          <p:spTgt spid="3"/>
+                                        </p:tgtEl>
+                                      </p:cBhvr>
+                                    </p:animEffect>
+                                  </p:childTnLst>
+                                </p:cTn>
+                              </p:par>
+                            </p:childTnLst>
+                          </p:cTn>
+                        </p:par>
+                      </p:childTnLst>
+                    </p:cTn>
+                  </p:par>
+                </p:childTnLst>
+              </p:cTn>
+              <p:prevCondLst>
+                <p:cond evt="onPrev" delay="0">
+                  <p:tgtEl>
+                    <p:sldTgt/>
+                  </p:tgtEl>
+                </p:cond>
+              </p:prevCondLst>
+              <p:nextCondLst>
+                <p:cond evt="onNext" delay="0">
+                  <p:tgtEl>
+                    <p:sldTgt/>
+                  </p:tgtEl>
+                </p:cond>
+              </p:nextCondLst>
+            </p:seq>
+          </p:childTnLst>
+        </p:cTn>
+      </p:par>
+    </p:tnLst>
+    <p:bldLst>
+      <p:bldP spid="3" grpId="0" animBg="1"/>
+    </p:bldLst>
+  </p:timing>
+</p:sld>
+</file>
+
+<file path=ppt/slides/slide71.xml><?xml version="1.0" encoding="utf-8"?>
+<p:sld xmlns:a="http://schemas.openxmlformats.org/drawingml/2006/main" xmlns:r="http://schemas.openxmlformats.org/officeDocument/2006/relationships" xmlns:p="http://schemas.openxmlformats.org/presentationml/2006/main">
+  <p:cSld>
+    <p:spTree>
+      <p:nvGrpSpPr>
+        <p:cNvPr id="1" name=""/>
+        <p:cNvGrpSpPr/>
+        <p:nvPr/>
+      </p:nvGrpSpPr>
+      <p:grpSpPr>
+        <a:xfrm>
+          <a:off x="0" y="0"/>
+          <a:ext cx="0" cy="0"/>
+          <a:chOff x="0" y="0"/>
+          <a:chExt cx="0" cy="0"/>
+        </a:xfrm>
+      </p:grpSpPr>
+      <p:pic>
+        <p:nvPicPr>
+          <p:cNvPr id="2" name="图片 1">
+            <a:extLst>
+              <a:ext uri="{FF2B5EF4-FFF2-40B4-BE49-F238E27FC236}">
+                <a16:creationId xmlns:a16="http://schemas.microsoft.com/office/drawing/2014/main" id="{6118B941-7E3F-4CD5-91AB-4B88A01C493C}"/>
+              </a:ext>
+            </a:extLst>
+          </p:cNvPr>
+          <p:cNvPicPr>
+            <a:picLocks noChangeAspect="1"/>
+          </p:cNvPicPr>
+          <p:nvPr/>
+        </p:nvPicPr>
+        <p:blipFill>
+          <a:blip r:embed="rId2">
+            <a:extLst>
+              <a:ext uri="{BEBA8EAE-BF5A-486C-A8C5-ECC9F3942E4B}">
+                <a14:imgProps xmlns:a14="http://schemas.microsoft.com/office/drawing/2010/main">
+                  <a14:imgLayer r:embed="rId3">
+                    <a14:imgEffect>
+                      <a14:backgroundRemoval t="4632" b="94823" l="2671" r="97329"/>
+                    </a14:imgEffect>
+                  </a14:imgLayer>
+                </a14:imgProps>
+              </a:ext>
+            </a:extLst>
+          </a:blip>
+          <a:stretch>
+            <a:fillRect/>
+          </a:stretch>
+        </p:blipFill>
+        <p:spPr>
+          <a:xfrm>
+            <a:off x="1281112" y="1681162"/>
+            <a:ext cx="9629775" cy="3495675"/>
+          </a:xfrm>
+          <a:prstGeom prst="rect">
+            <a:avLst/>
+          </a:prstGeom>
+        </p:spPr>
+      </p:pic>
+      <p:sp>
+        <p:nvSpPr>
+          <p:cNvPr id="3" name="椭圆 2">
+            <a:extLst>
+              <a:ext uri="{FF2B5EF4-FFF2-40B4-BE49-F238E27FC236}">
+                <a16:creationId xmlns:a16="http://schemas.microsoft.com/office/drawing/2014/main" id="{99685892-2482-4D3B-8975-B0FAF80870C8}"/>
+              </a:ext>
+            </a:extLst>
+          </p:cNvPr>
+          <p:cNvSpPr/>
+          <p:nvPr/>
+        </p:nvSpPr>
+        <p:spPr>
+          <a:xfrm>
+            <a:off x="2507529" y="3537550"/>
+            <a:ext cx="1300900" cy="270879"/>
+          </a:xfrm>
+          <a:prstGeom prst="ellipse">
+            <a:avLst/>
+          </a:prstGeom>
+          <a:noFill/>
+          <a:ln>
+            <a:solidFill>
+              <a:srgbClr val="FF0000"/>
+            </a:solidFill>
+          </a:ln>
+        </p:spPr>
+        <p:style>
+          <a:lnRef idx="2">
+            <a:schemeClr val="accent1">
+              <a:shade val="50000"/>
+            </a:schemeClr>
+          </a:lnRef>
+          <a:fillRef idx="1">
+            <a:schemeClr val="accent1"/>
+          </a:fillRef>
+          <a:effectRef idx="0">
+            <a:schemeClr val="accent1"/>
+          </a:effectRef>
+          <a:fontRef idx="minor">
+            <a:schemeClr val="lt1"/>
+          </a:fontRef>
+        </p:style>
+        <p:txBody>
+          <a:bodyPr rtlCol="0" anchor="ctr"/>
+          <a:lstStyle/>
+          <a:p>
+            <a:pPr algn="ctr"/>
+            <a:endParaRPr lang="zh-CN" altLang="en-US"/>
+          </a:p>
+        </p:txBody>
+      </p:sp>
+      <p:sp>
+        <p:nvSpPr>
+          <p:cNvPr id="4" name="椭圆 3">
+            <a:extLst>
+              <a:ext uri="{FF2B5EF4-FFF2-40B4-BE49-F238E27FC236}">
+                <a16:creationId xmlns:a16="http://schemas.microsoft.com/office/drawing/2014/main" id="{369BA9F3-4902-4AE9-BB99-E0425E3C955C}"/>
+              </a:ext>
+            </a:extLst>
+          </p:cNvPr>
+          <p:cNvSpPr/>
+          <p:nvPr/>
+        </p:nvSpPr>
+        <p:spPr>
+          <a:xfrm>
+            <a:off x="9916997" y="4508511"/>
+            <a:ext cx="688158" cy="280305"/>
+          </a:xfrm>
+          <a:prstGeom prst="ellipse">
+            <a:avLst/>
+          </a:prstGeom>
+          <a:noFill/>
+          <a:ln>
+            <a:solidFill>
+              <a:srgbClr val="FF0000"/>
+            </a:solidFill>
+          </a:ln>
+        </p:spPr>
+        <p:style>
+          <a:lnRef idx="2">
+            <a:schemeClr val="accent1">
+              <a:shade val="50000"/>
+            </a:schemeClr>
+          </a:lnRef>
+          <a:fillRef idx="1">
+            <a:schemeClr val="accent1"/>
+          </a:fillRef>
+          <a:effectRef idx="0">
+            <a:schemeClr val="accent1"/>
+          </a:effectRef>
+          <a:fontRef idx="minor">
+            <a:schemeClr val="lt1"/>
+          </a:fontRef>
+        </p:style>
+        <p:txBody>
+          <a:bodyPr rtlCol="0" anchor="ctr"/>
+          <a:lstStyle/>
+          <a:p>
+            <a:pPr algn="ctr"/>
+            <a:endParaRPr lang="zh-CN" altLang="en-US"/>
+          </a:p>
+        </p:txBody>
+      </p:sp>
+    </p:spTree>
+    <p:extLst>
+      <p:ext uri="{BB962C8B-B14F-4D97-AF65-F5344CB8AC3E}">
+        <p14:creationId xmlns:p14="http://schemas.microsoft.com/office/powerpoint/2010/main" val="1105294491"/>
+      </p:ext>
+    </p:extLst>
+  </p:cSld>
+  <p:clrMapOvr>
+    <a:masterClrMapping/>
+  </p:clrMapOvr>
+  <mc:AlternateContent xmlns:mc="http://schemas.openxmlformats.org/markup-compatibility/2006">
+    <mc:Choice xmlns:p14="http://schemas.microsoft.com/office/powerpoint/2010/main" Requires="p14">
+      <p:transition spd="slow" p14:dur="2000">
+        <p14:prism dir="u" isContent="1"/>
+      </p:transition>
+    </mc:Choice>
+    <mc:Fallback>
+      <p:transition spd="slow">
+        <p:fade/>
+      </p:transition>
+    </mc:Fallback>
+  </mc:AlternateContent>
+  <p:timing>
+    <p:tnLst>
+      <p:par>
+        <p:cTn id="1" dur="indefinite" restart="never" nodeType="tmRoot">
+          <p:childTnLst>
+            <p:seq concurrent="1" nextAc="seek">
+              <p:cTn id="2" dur="indefinite" nodeType="mainSeq">
+                <p:childTnLst>
+                  <p:par>
+                    <p:cTn id="3" fill="hold">
+                      <p:stCondLst>
+                        <p:cond delay="indefinite"/>
+                        <p:cond evt="onBegin" delay="0">
+                          <p:tn val="2"/>
+                        </p:cond>
+                      </p:stCondLst>
+                      <p:childTnLst>
+                        <p:par>
+                          <p:cTn id="4" fill="hold">
+                            <p:stCondLst>
+                              <p:cond delay="0"/>
+                            </p:stCondLst>
+                            <p:childTnLst>
+                              <p:par>
+                                <p:cTn id="5" presetID="21" presetClass="entr" presetSubtype="1" fill="hold" grpId="0" nodeType="afterEffect">
+                                  <p:stCondLst>
+                                    <p:cond delay="0"/>
+                                  </p:stCondLst>
+                                  <p:childTnLst>
+                                    <p:set>
+                                      <p:cBhvr>
+                                        <p:cTn id="6" dur="1" fill="hold">
+                                          <p:stCondLst>
+                                            <p:cond delay="0"/>
+                                          </p:stCondLst>
+                                        </p:cTn>
+                                        <p:tgtEl>
+                                          <p:spTgt spid="3"/>
+                                        </p:tgtEl>
+                                        <p:attrNameLst>
+                                          <p:attrName>style.visibility</p:attrName>
+                                        </p:attrNameLst>
+                                      </p:cBhvr>
+                                      <p:to>
+                                        <p:strVal val="visible"/>
+                                      </p:to>
+                                    </p:set>
+                                    <p:animEffect transition="in" filter="wheel(1)">
+                                      <p:cBhvr>
+                                        <p:cTn id="7" dur="2000"/>
+                                        <p:tgtEl>
+                                          <p:spTgt spid="3"/>
+                                        </p:tgtEl>
+                                      </p:cBhvr>
+                                    </p:animEffect>
+                                  </p:childTnLst>
+                                </p:cTn>
+                              </p:par>
+                            </p:childTnLst>
+                          </p:cTn>
+                        </p:par>
+                        <p:par>
+                          <p:cTn id="8" fill="hold">
+                            <p:stCondLst>
+                              <p:cond delay="2000"/>
+                            </p:stCondLst>
+                            <p:childTnLst>
+                              <p:par>
+                                <p:cTn id="9" presetID="21" presetClass="entr" presetSubtype="1" fill="hold" grpId="0" nodeType="afterEffect">
+                                  <p:stCondLst>
+                                    <p:cond delay="0"/>
+                                  </p:stCondLst>
+                                  <p:childTnLst>
+                                    <p:set>
+                                      <p:cBhvr>
+                                        <p:cTn id="10" dur="1" fill="hold">
+                                          <p:stCondLst>
+                                            <p:cond delay="0"/>
+                                          </p:stCondLst>
+                                        </p:cTn>
+                                        <p:tgtEl>
+                                          <p:spTgt spid="4"/>
+                                        </p:tgtEl>
+                                        <p:attrNameLst>
+                                          <p:attrName>style.visibility</p:attrName>
+                                        </p:attrNameLst>
+                                      </p:cBhvr>
+                                      <p:to>
+                                        <p:strVal val="visible"/>
+                                      </p:to>
+                                    </p:set>
+                                    <p:animEffect transition="in" filter="wheel(1)">
+                                      <p:cBhvr>
+                                        <p:cTn id="11" dur="2000"/>
+                                        <p:tgtEl>
+                                          <p:spTgt spid="4"/>
+                                        </p:tgtEl>
+                                      </p:cBhvr>
+                                    </p:animEffect>
+                                  </p:childTnLst>
+                                </p:cTn>
+                              </p:par>
+                            </p:childTnLst>
+                          </p:cTn>
+                        </p:par>
+                      </p:childTnLst>
+                    </p:cTn>
+                  </p:par>
+                </p:childTnLst>
+              </p:cTn>
+              <p:prevCondLst>
+                <p:cond evt="onPrev" delay="0">
+                  <p:tgtEl>
+                    <p:sldTgt/>
+                  </p:tgtEl>
+                </p:cond>
+              </p:prevCondLst>
+              <p:nextCondLst>
+                <p:cond evt="onNext" delay="0">
+                  <p:tgtEl>
+                    <p:sldTgt/>
+                  </p:tgtEl>
+                </p:cond>
+              </p:nextCondLst>
+            </p:seq>
+          </p:childTnLst>
+        </p:cTn>
+      </p:par>
+    </p:tnLst>
+    <p:bldLst>
+      <p:bldP spid="3" grpId="0" animBg="1"/>
+      <p:bldP spid="4" grpId="0" animBg="1"/>
+    </p:bldLst>
+  </p:timing>
+</p:sld>
+</file>
+
+<file path=ppt/slides/slide72.xml><?xml version="1.0" encoding="utf-8"?>
+<p:sld xmlns:a="http://schemas.openxmlformats.org/drawingml/2006/main" xmlns:r="http://schemas.openxmlformats.org/officeDocument/2006/relationships" xmlns:p="http://schemas.openxmlformats.org/presentationml/2006/main">
+  <p:cSld>
+    <p:bg>
+      <p:bgPr>
+        <a:solidFill>
+          <a:srgbClr val="F1F2F7"/>
+        </a:solidFill>
+        <a:effectLst/>
+      </p:bgPr>
+    </p:bg>
+    <p:spTree>
+      <p:nvGrpSpPr>
+        <p:cNvPr id="1" name=""/>
+        <p:cNvGrpSpPr/>
+        <p:nvPr/>
+      </p:nvGrpSpPr>
+      <p:grpSpPr>
+        <a:xfrm>
+          <a:off x="0" y="0"/>
+          <a:ext cx="0" cy="0"/>
+          <a:chOff x="0" y="0"/>
+          <a:chExt cx="0" cy="0"/>
+        </a:xfrm>
+      </p:grpSpPr>
+      <p:pic>
+        <p:nvPicPr>
+          <p:cNvPr id="2" name="图片 1">
+            <a:extLst>
+              <a:ext uri="{FF2B5EF4-FFF2-40B4-BE49-F238E27FC236}">
+                <a16:creationId xmlns:a16="http://schemas.microsoft.com/office/drawing/2014/main" id="{9B0E3CFE-720F-4327-A148-79911C8D3348}"/>
+              </a:ext>
+            </a:extLst>
+          </p:cNvPr>
+          <p:cNvPicPr>
+            <a:picLocks noChangeAspect="1"/>
+          </p:cNvPicPr>
+          <p:nvPr/>
+        </p:nvPicPr>
+        <p:blipFill>
+          <a:blip r:embed="rId2"/>
+          <a:stretch>
+            <a:fillRect/>
+          </a:stretch>
+        </p:blipFill>
+        <p:spPr>
+          <a:xfrm>
+            <a:off x="0" y="2097524"/>
+            <a:ext cx="12192000" cy="2662952"/>
+          </a:xfrm>
+          <a:prstGeom prst="rect">
+            <a:avLst/>
+          </a:prstGeom>
+        </p:spPr>
+      </p:pic>
+      <p:sp>
+        <p:nvSpPr>
+          <p:cNvPr id="3" name="椭圆 2">
+            <a:extLst>
+              <a:ext uri="{FF2B5EF4-FFF2-40B4-BE49-F238E27FC236}">
+                <a16:creationId xmlns:a16="http://schemas.microsoft.com/office/drawing/2014/main" id="{3693DC99-F7CF-4D39-93D4-98AA84AFB196}"/>
+              </a:ext>
+            </a:extLst>
+          </p:cNvPr>
+          <p:cNvSpPr/>
+          <p:nvPr/>
+        </p:nvSpPr>
+        <p:spPr>
+          <a:xfrm>
+            <a:off x="1508287" y="3075637"/>
+            <a:ext cx="989815" cy="280305"/>
+          </a:xfrm>
+          <a:prstGeom prst="ellipse">
+            <a:avLst/>
+          </a:prstGeom>
+          <a:noFill/>
+          <a:ln>
+            <a:solidFill>
+              <a:srgbClr val="FF0000"/>
+            </a:solidFill>
+          </a:ln>
+        </p:spPr>
+        <p:style>
+          <a:lnRef idx="2">
+            <a:schemeClr val="accent1">
+              <a:shade val="50000"/>
+            </a:schemeClr>
+          </a:lnRef>
+          <a:fillRef idx="1">
+            <a:schemeClr val="accent1"/>
+          </a:fillRef>
+          <a:effectRef idx="0">
+            <a:schemeClr val="accent1"/>
+          </a:effectRef>
+          <a:fontRef idx="minor">
+            <a:schemeClr val="lt1"/>
+          </a:fontRef>
+        </p:style>
+        <p:txBody>
+          <a:bodyPr rtlCol="0" anchor="ctr"/>
+          <a:lstStyle/>
+          <a:p>
+            <a:pPr algn="ctr"/>
+            <a:endParaRPr lang="zh-CN" altLang="en-US"/>
+          </a:p>
+        </p:txBody>
+      </p:sp>
+    </p:spTree>
+    <p:extLst>
+      <p:ext uri="{BB962C8B-B14F-4D97-AF65-F5344CB8AC3E}">
+        <p14:creationId xmlns:p14="http://schemas.microsoft.com/office/powerpoint/2010/main" val="2357588479"/>
+      </p:ext>
+    </p:extLst>
+  </p:cSld>
+  <p:clrMapOvr>
+    <a:masterClrMapping/>
+  </p:clrMapOvr>
+  <mc:AlternateContent xmlns:mc="http://schemas.openxmlformats.org/markup-compatibility/2006">
+    <mc:Choice xmlns:p14="http://schemas.microsoft.com/office/powerpoint/2010/main" Requires="p14">
+      <p:transition spd="slow" p14:dur="1600">
+        <p14:prism dir="d" isContent="1"/>
+      </p:transition>
+    </mc:Choice>
+    <mc:Fallback>
+      <p:transition spd="slow">
+        <p:fade/>
+      </p:transition>
+    </mc:Fallback>
+  </mc:AlternateContent>
+  <p:timing>
+    <p:tnLst>
+      <p:par>
+        <p:cTn id="1" dur="indefinite" restart="never" nodeType="tmRoot">
+          <p:childTnLst>
+            <p:seq concurrent="1" nextAc="seek">
+              <p:cTn id="2" dur="indefinite" nodeType="mainSeq">
+                <p:childTnLst>
+                  <p:par>
+                    <p:cTn id="3" fill="hold">
+                      <p:stCondLst>
+                        <p:cond delay="indefinite"/>
+                        <p:cond evt="onBegin" delay="0">
+                          <p:tn val="2"/>
+                        </p:cond>
+                      </p:stCondLst>
+                      <p:childTnLst>
+                        <p:par>
+                          <p:cTn id="4" fill="hold">
+                            <p:stCondLst>
+                              <p:cond delay="0"/>
+                            </p:stCondLst>
+                            <p:childTnLst>
+                              <p:par>
+                                <p:cTn id="5" presetID="21" presetClass="entr" presetSubtype="1" fill="hold" grpId="0" nodeType="afterEffect">
+                                  <p:stCondLst>
+                                    <p:cond delay="0"/>
+                                  </p:stCondLst>
+                                  <p:childTnLst>
+                                    <p:set>
+                                      <p:cBhvr>
+                                        <p:cTn id="6" dur="1" fill="hold">
+                                          <p:stCondLst>
+                                            <p:cond delay="0"/>
+                                          </p:stCondLst>
+                                        </p:cTn>
+                                        <p:tgtEl>
+                                          <p:spTgt spid="3"/>
+                                        </p:tgtEl>
+                                        <p:attrNameLst>
+                                          <p:attrName>style.visibility</p:attrName>
+                                        </p:attrNameLst>
+                                      </p:cBhvr>
+                                      <p:to>
+                                        <p:strVal val="visible"/>
+                                      </p:to>
+                                    </p:set>
+                                    <p:animEffect transition="in" filter="wheel(1)">
+                                      <p:cBhvr>
+                                        <p:cTn id="7" dur="2000"/>
+                                        <p:tgtEl>
+                                          <p:spTgt spid="3"/>
+                                        </p:tgtEl>
+                                      </p:cBhvr>
+                                    </p:animEffect>
+                                  </p:childTnLst>
+                                </p:cTn>
+                              </p:par>
+                            </p:childTnLst>
+                          </p:cTn>
+                        </p:par>
+                      </p:childTnLst>
+                    </p:cTn>
+                  </p:par>
+                </p:childTnLst>
+              </p:cTn>
+              <p:prevCondLst>
+                <p:cond evt="onPrev" delay="0">
+                  <p:tgtEl>
+                    <p:sldTgt/>
+                  </p:tgtEl>
+                </p:cond>
+              </p:prevCondLst>
+              <p:nextCondLst>
+                <p:cond evt="onNext" delay="0">
+                  <p:tgtEl>
+                    <p:sldTgt/>
+                  </p:tgtEl>
+                </p:cond>
+              </p:nextCondLst>
+            </p:seq>
+          </p:childTnLst>
+        </p:cTn>
+      </p:par>
+    </p:tnLst>
+    <p:bldLst>
+      <p:bldP spid="3" grpId="0" animBg="1"/>
+    </p:bldLst>
+  </p:timing>
+</p:sld>
+</file>
+
+<file path=ppt/slides/slide73.xml><?xml version="1.0" encoding="utf-8"?>
+<p:sld xmlns:a="http://schemas.openxmlformats.org/drawingml/2006/main" xmlns:r="http://schemas.openxmlformats.org/officeDocument/2006/relationships" xmlns:p="http://schemas.openxmlformats.org/presentationml/2006/main">
+  <p:cSld>
+    <p:bg>
+      <p:bgPr>
+        <a:solidFill>
+          <a:srgbClr val="F1F2F7"/>
+        </a:solidFill>
+        <a:effectLst/>
+      </p:bgPr>
+    </p:bg>
+    <p:spTree>
+      <p:nvGrpSpPr>
+        <p:cNvPr id="1" name=""/>
+        <p:cNvGrpSpPr/>
+        <p:nvPr/>
+      </p:nvGrpSpPr>
+      <p:grpSpPr>
+        <a:xfrm>
+          <a:off x="0" y="0"/>
+          <a:ext cx="0" cy="0"/>
+          <a:chOff x="0" y="0"/>
+          <a:chExt cx="0" cy="0"/>
+        </a:xfrm>
+      </p:grpSpPr>
+      <p:pic>
+        <p:nvPicPr>
+          <p:cNvPr id="2" name="图片 1">
+            <a:extLst>
+              <a:ext uri="{FF2B5EF4-FFF2-40B4-BE49-F238E27FC236}">
+                <a16:creationId xmlns:a16="http://schemas.microsoft.com/office/drawing/2014/main" id="{C7E42236-4866-4D86-BB3D-C2CCA14EE4B1}"/>
+              </a:ext>
+            </a:extLst>
+          </p:cNvPr>
+          <p:cNvPicPr>
+            <a:picLocks noChangeAspect="1"/>
+          </p:cNvPicPr>
+          <p:nvPr/>
+        </p:nvPicPr>
+        <p:blipFill>
+          <a:blip r:embed="rId2"/>
+          <a:stretch>
+            <a:fillRect/>
+          </a:stretch>
+        </p:blipFill>
+        <p:spPr>
+          <a:xfrm>
+            <a:off x="0" y="1984450"/>
+            <a:ext cx="12192000" cy="2889100"/>
+          </a:xfrm>
+          <a:prstGeom prst="rect">
+            <a:avLst/>
+          </a:prstGeom>
+        </p:spPr>
+      </p:pic>
+      <p:sp>
+        <p:nvSpPr>
+          <p:cNvPr id="3" name="椭圆 2">
+            <a:extLst>
+              <a:ext uri="{FF2B5EF4-FFF2-40B4-BE49-F238E27FC236}">
+                <a16:creationId xmlns:a16="http://schemas.microsoft.com/office/drawing/2014/main" id="{14448E6A-A4AA-4318-9C36-B831366C7263}"/>
+              </a:ext>
+            </a:extLst>
+          </p:cNvPr>
+          <p:cNvSpPr/>
+          <p:nvPr/>
+        </p:nvSpPr>
+        <p:spPr>
+          <a:xfrm>
+            <a:off x="10388338" y="2566591"/>
+            <a:ext cx="593887" cy="270878"/>
+          </a:xfrm>
+          <a:prstGeom prst="ellipse">
+            <a:avLst/>
+          </a:prstGeom>
+          <a:noFill/>
+          <a:ln>
+            <a:solidFill>
+              <a:srgbClr val="FF0000"/>
+            </a:solidFill>
+          </a:ln>
+        </p:spPr>
+        <p:style>
+          <a:lnRef idx="2">
+            <a:schemeClr val="accent1">
+              <a:shade val="50000"/>
+            </a:schemeClr>
+          </a:lnRef>
+          <a:fillRef idx="1">
+            <a:schemeClr val="accent1"/>
+          </a:fillRef>
+          <a:effectRef idx="0">
+            <a:schemeClr val="accent1"/>
+          </a:effectRef>
+          <a:fontRef idx="minor">
+            <a:schemeClr val="lt1"/>
+          </a:fontRef>
+        </p:style>
+        <p:txBody>
+          <a:bodyPr rtlCol="0" anchor="ctr"/>
+          <a:lstStyle/>
+          <a:p>
+            <a:pPr algn="ctr"/>
+            <a:endParaRPr lang="zh-CN" altLang="en-US"/>
+          </a:p>
+        </p:txBody>
+      </p:sp>
+    </p:spTree>
+    <p:extLst>
+      <p:ext uri="{BB962C8B-B14F-4D97-AF65-F5344CB8AC3E}">
+        <p14:creationId xmlns:p14="http://schemas.microsoft.com/office/powerpoint/2010/main" val="3678736784"/>
+      </p:ext>
+    </p:extLst>
+  </p:cSld>
+  <p:clrMapOvr>
+    <a:masterClrMapping/>
+  </p:clrMapOvr>
+  <p:timing>
+    <p:tnLst>
+      <p:par>
+        <p:cTn id="1" dur="indefinite" restart="never" nodeType="tmRoot">
+          <p:childTnLst>
+            <p:seq concurrent="1" nextAc="seek">
+              <p:cTn id="2" dur="indefinite" nodeType="mainSeq">
+                <p:childTnLst>
+                  <p:par>
+                    <p:cTn id="3" fill="hold">
+                      <p:stCondLst>
+                        <p:cond delay="indefinite"/>
+                        <p:cond evt="onBegin" delay="0">
+                          <p:tn val="2"/>
+                        </p:cond>
+                      </p:stCondLst>
+                      <p:childTnLst>
+                        <p:par>
+                          <p:cTn id="4" fill="hold">
+                            <p:stCondLst>
+                              <p:cond delay="0"/>
+                            </p:stCondLst>
+                            <p:childTnLst>
+                              <p:par>
+                                <p:cTn id="5" presetID="21" presetClass="entr" presetSubtype="1" fill="hold" grpId="0" nodeType="afterEffect">
+                                  <p:stCondLst>
+                                    <p:cond delay="0"/>
+                                  </p:stCondLst>
+                                  <p:childTnLst>
+                                    <p:set>
+                                      <p:cBhvr>
+                                        <p:cTn id="6" dur="1" fill="hold">
+                                          <p:stCondLst>
+                                            <p:cond delay="0"/>
+                                          </p:stCondLst>
+                                        </p:cTn>
+                                        <p:tgtEl>
+                                          <p:spTgt spid="3"/>
+                                        </p:tgtEl>
+                                        <p:attrNameLst>
+                                          <p:attrName>style.visibility</p:attrName>
+                                        </p:attrNameLst>
+                                      </p:cBhvr>
+                                      <p:to>
+                                        <p:strVal val="visible"/>
+                                      </p:to>
+                                    </p:set>
+                                    <p:animEffect transition="in" filter="wheel(1)">
+                                      <p:cBhvr>
+                                        <p:cTn id="7" dur="2000"/>
+                                        <p:tgtEl>
+                                          <p:spTgt spid="3"/>
+                                        </p:tgtEl>
+                                      </p:cBhvr>
+                                    </p:animEffect>
+                                  </p:childTnLst>
+                                </p:cTn>
+                              </p:par>
+                            </p:childTnLst>
+                          </p:cTn>
+                        </p:par>
+                      </p:childTnLst>
+                    </p:cTn>
+                  </p:par>
+                </p:childTnLst>
+              </p:cTn>
+              <p:prevCondLst>
+                <p:cond evt="onPrev" delay="0">
+                  <p:tgtEl>
+                    <p:sldTgt/>
+                  </p:tgtEl>
+                </p:cond>
+              </p:prevCondLst>
+              <p:nextCondLst>
+                <p:cond evt="onNext" delay="0">
+                  <p:tgtEl>
+                    <p:sldTgt/>
+                  </p:tgtEl>
+                </p:cond>
+              </p:nextCondLst>
+            </p:seq>
+          </p:childTnLst>
+        </p:cTn>
+      </p:par>
+    </p:tnLst>
+    <p:bldLst>
+      <p:bldP spid="3" grpId="0" animBg="1"/>
+    </p:bldLst>
+  </p:timing>
+</p:sld>
+</file>
+
+<file path=ppt/slides/slide74.xml><?xml version="1.0" encoding="utf-8"?>
+<p:sld xmlns:a="http://schemas.openxmlformats.org/drawingml/2006/main" xmlns:r="http://schemas.openxmlformats.org/officeDocument/2006/relationships" xmlns:p="http://schemas.openxmlformats.org/presentationml/2006/main">
+  <p:cSld>
+    <p:spTree>
+      <p:nvGrpSpPr>
+        <p:cNvPr id="1" name=""/>
+        <p:cNvGrpSpPr/>
+        <p:nvPr/>
+      </p:nvGrpSpPr>
+      <p:grpSpPr>
+        <a:xfrm>
+          <a:off x="0" y="0"/>
+          <a:ext cx="0" cy="0"/>
+          <a:chOff x="0" y="0"/>
+          <a:chExt cx="0" cy="0"/>
+        </a:xfrm>
+      </p:grpSpPr>
+      <p:sp>
+        <p:nvSpPr>
+          <p:cNvPr id="7" name="矩形 6">
+            <a:extLst>
+              <a:ext uri="{FF2B5EF4-FFF2-40B4-BE49-F238E27FC236}">
+                <a16:creationId xmlns:a16="http://schemas.microsoft.com/office/drawing/2014/main" id="{4AD40DD2-32FC-4CB2-AC19-AA538D51534B}"/>
+              </a:ext>
+            </a:extLst>
+          </p:cNvPr>
+          <p:cNvSpPr/>
+          <p:nvPr/>
+        </p:nvSpPr>
+        <p:spPr>
+          <a:xfrm>
+            <a:off x="5593300" y="5671112"/>
+            <a:ext cx="1005403" cy="338554"/>
+          </a:xfrm>
+          <a:prstGeom prst="rect">
+            <a:avLst/>
+          </a:prstGeom>
+          <a:noFill/>
+        </p:spPr>
+        <p:txBody>
+          <a:bodyPr wrap="none" lIns="91440" tIns="45720" rIns="91440" bIns="45720">
+            <a:spAutoFit/>
+          </a:bodyPr>
+          <a:lstStyle/>
+          <a:p>
+            <a:pPr algn="ctr"/>
+            <a:r>
+              <a:rPr lang="zh-CN" altLang="en-US" sz="1600" b="0" cap="none" spc="0" dirty="0">
+                <a:ln w="0"/>
+                <a:solidFill>
+                  <a:schemeClr val="tx1">
+                    <a:lumMod val="65000"/>
+                    <a:lumOff val="35000"/>
+                  </a:schemeClr>
+                </a:solidFill>
+                <a:effectLst>
+                  <a:outerShdw blurRad="38100" dist="25400" dir="5400000" algn="ctr" rotWithShape="0">
+                    <a:srgbClr val="6E747A">
+                      <a:alpha val="43000"/>
+                    </a:srgbClr>
+                  </a:outerShdw>
+                </a:effectLst>
+                <a:latin typeface="宋体" panose="02010600030101010101" pitchFamily="2" charset="-122"/>
+                <a:ea typeface="宋体" panose="02010600030101010101" pitchFamily="2" charset="-122"/>
+              </a:rPr>
+              <a:t>配置发布</a:t>
+            </a:r>
+          </a:p>
+        </p:txBody>
+      </p:sp>
+      <p:sp>
+        <p:nvSpPr>
+          <p:cNvPr id="8" name="立方体 7">
+            <a:extLst>
+              <a:ext uri="{FF2B5EF4-FFF2-40B4-BE49-F238E27FC236}">
+                <a16:creationId xmlns:a16="http://schemas.microsoft.com/office/drawing/2014/main" id="{F4911F2D-44ED-4365-949B-9B287B178B09}"/>
+              </a:ext>
+            </a:extLst>
+          </p:cNvPr>
+          <p:cNvSpPr/>
+          <p:nvPr/>
+        </p:nvSpPr>
+        <p:spPr>
+          <a:xfrm>
+            <a:off x="5899608" y="5231471"/>
+            <a:ext cx="392784" cy="338554"/>
+          </a:xfrm>
+          <a:prstGeom prst="cube">
+            <a:avLst/>
+          </a:prstGeom>
+          <a:solidFill>
+            <a:schemeClr val="bg1">
+              <a:lumMod val="85000"/>
+            </a:schemeClr>
+          </a:solidFill>
+          <a:ln>
+            <a:solidFill>
+              <a:schemeClr val="bg2">
+                <a:lumMod val="75000"/>
+              </a:schemeClr>
+            </a:solidFill>
+          </a:ln>
+        </p:spPr>
+        <p:style>
+          <a:lnRef idx="2">
+            <a:schemeClr val="accent1">
+              <a:shade val="50000"/>
+            </a:schemeClr>
+          </a:lnRef>
+          <a:fillRef idx="1">
+            <a:schemeClr val="accent1"/>
+          </a:fillRef>
+          <a:effectRef idx="0">
+            <a:schemeClr val="accent1"/>
+          </a:effectRef>
+          <a:fontRef idx="minor">
+            <a:schemeClr val="lt1"/>
+          </a:fontRef>
+        </p:style>
+        <p:txBody>
+          <a:bodyPr rtlCol="0" anchor="ctr"/>
+          <a:lstStyle/>
+          <a:p>
+            <a:pPr algn="ctr"/>
+            <a:endParaRPr lang="zh-CN" altLang="en-US"/>
+          </a:p>
+        </p:txBody>
+      </p:sp>
+      <p:sp>
+        <p:nvSpPr>
+          <p:cNvPr id="9" name="矩形 8">
+            <a:extLst>
+              <a:ext uri="{FF2B5EF4-FFF2-40B4-BE49-F238E27FC236}">
+                <a16:creationId xmlns:a16="http://schemas.microsoft.com/office/drawing/2014/main" id="{30B3E86C-E1A8-4C20-8DC8-91F076B8F287}"/>
+              </a:ext>
+            </a:extLst>
+          </p:cNvPr>
+          <p:cNvSpPr/>
+          <p:nvPr/>
+        </p:nvSpPr>
+        <p:spPr>
+          <a:xfrm>
+            <a:off x="4055522" y="1208219"/>
+            <a:ext cx="2813591" cy="707886"/>
+          </a:xfrm>
+          <a:prstGeom prst="rect">
+            <a:avLst/>
+          </a:prstGeom>
+          <a:noFill/>
+        </p:spPr>
+        <p:txBody>
+          <a:bodyPr wrap="none" lIns="91440" tIns="45720" rIns="91440" bIns="45720">
+            <a:spAutoFit/>
+          </a:bodyPr>
+          <a:lstStyle/>
+          <a:p>
+            <a:pPr marL="571500" indent="-571500">
+              <a:buFont typeface="Wingdings" panose="05000000000000000000" pitchFamily="2" charset="2"/>
+              <a:buChar char="ü"/>
+            </a:pPr>
+            <a:r>
+              <a:rPr lang="zh-CN" altLang="en-US" sz="4000" b="0" cap="none" spc="0" dirty="0">
+                <a:ln w="0"/>
+                <a:solidFill>
+                  <a:schemeClr val="bg1">
+                    <a:lumMod val="65000"/>
+                  </a:schemeClr>
+                </a:solidFill>
+                <a:effectLst>
+                  <a:outerShdw blurRad="38100" dist="25400" dir="5400000" algn="ctr" rotWithShape="0">
+                    <a:srgbClr val="6E747A">
+                      <a:alpha val="43000"/>
+                    </a:srgbClr>
+                  </a:outerShdw>
+                </a:effectLst>
+                <a:latin typeface="宋体" panose="02010600030101010101" pitchFamily="2" charset="-122"/>
+                <a:ea typeface="宋体" panose="02010600030101010101" pitchFamily="2" charset="-122"/>
+              </a:rPr>
+              <a:t>发布配置</a:t>
+            </a:r>
+          </a:p>
+        </p:txBody>
+      </p:sp>
+      <p:sp>
+        <p:nvSpPr>
+          <p:cNvPr id="10" name="矩形 9">
+            <a:extLst>
+              <a:ext uri="{FF2B5EF4-FFF2-40B4-BE49-F238E27FC236}">
+                <a16:creationId xmlns:a16="http://schemas.microsoft.com/office/drawing/2014/main" id="{5915B42C-364D-4E17-87CD-2D39ADF9EB85}"/>
+              </a:ext>
+            </a:extLst>
+          </p:cNvPr>
+          <p:cNvSpPr/>
+          <p:nvPr/>
+        </p:nvSpPr>
+        <p:spPr>
+          <a:xfrm>
+            <a:off x="4055522" y="2988199"/>
             <a:ext cx="4865434" cy="707886"/>
           </a:xfrm>
           <a:prstGeom prst="rect">
@@ -23125,10 +27845,10 @@
       </p:sp>
       <p:sp>
         <p:nvSpPr>
-          <p:cNvPr id="6" name="矩形 5">
-            <a:extLst>
-              <a:ext uri="{FF2B5EF4-FFF2-40B4-BE49-F238E27FC236}">
-                <a16:creationId xmlns:a16="http://schemas.microsoft.com/office/drawing/2014/main" id="{E3CF1568-03EE-4E54-B443-4130E1991CEA}"/>
+          <p:cNvPr id="11" name="矩形 10">
+            <a:extLst>
+              <a:ext uri="{FF2B5EF4-FFF2-40B4-BE49-F238E27FC236}">
+                <a16:creationId xmlns:a16="http://schemas.microsoft.com/office/drawing/2014/main" id="{55A46286-C39B-401E-B5B0-EE538DF6E355}"/>
               </a:ext>
             </a:extLst>
           </p:cNvPr>
@@ -23137,7 +27857,7 @@
         </p:nvSpPr>
         <p:spPr>
           <a:xfrm>
-            <a:off x="3961254" y="3635892"/>
+            <a:off x="4055522" y="3961652"/>
             <a:ext cx="4865434" cy="707886"/>
           </a:xfrm>
           <a:prstGeom prst="rect">
@@ -23193,10 +27913,10 @@
       </p:sp>
       <p:sp>
         <p:nvSpPr>
-          <p:cNvPr id="7" name="矩形 6">
-            <a:extLst>
-              <a:ext uri="{FF2B5EF4-FFF2-40B4-BE49-F238E27FC236}">
-                <a16:creationId xmlns:a16="http://schemas.microsoft.com/office/drawing/2014/main" id="{4AD40DD2-32FC-4CB2-AC19-AA538D51534B}"/>
+          <p:cNvPr id="12" name="矩形 11">
+            <a:extLst>
+              <a:ext uri="{FF2B5EF4-FFF2-40B4-BE49-F238E27FC236}">
+                <a16:creationId xmlns:a16="http://schemas.microsoft.com/office/drawing/2014/main" id="{F2E5C28B-8230-442B-A0BC-652CA2663DB0}"/>
               </a:ext>
             </a:extLst>
           </p:cNvPr>
@@ -23205,8 +27925,8 @@
         </p:nvSpPr>
         <p:spPr>
           <a:xfrm>
-            <a:off x="5593300" y="5671112"/>
-            <a:ext cx="1005403" cy="338554"/>
+            <a:off x="4055522" y="2098209"/>
+            <a:ext cx="2813591" cy="707886"/>
           </a:xfrm>
           <a:prstGeom prst="rect">
             <a:avLst/>
@@ -23219,14 +27939,16 @@
           </a:bodyPr>
           <a:lstStyle/>
           <a:p>
-            <a:pPr algn="ctr"/>
+            <a:pPr marL="571500" indent="-571500">
+              <a:buFont typeface="Wingdings" panose="05000000000000000000" pitchFamily="2" charset="2"/>
+              <a:buChar char="ü"/>
+            </a:pPr>
             <a:r>
-              <a:rPr lang="zh-CN" altLang="en-US" sz="1600" b="0" cap="none" spc="0" dirty="0">
+              <a:rPr lang="zh-CN" altLang="en-US" sz="4000" b="0" cap="none" spc="0" dirty="0">
                 <a:ln w="0"/>
                 <a:solidFill>
-                  <a:schemeClr val="tx1">
+                  <a:schemeClr val="bg1">
                     <a:lumMod val="65000"/>
-                    <a:lumOff val="35000"/>
                   </a:schemeClr>
                 </a:solidFill>
                 <a:effectLst>
@@ -23239,17 +27961,106 @@
                 <a:latin typeface="宋体" panose="02010600030101010101" pitchFamily="2" charset="-122"/>
                 <a:ea typeface="宋体" panose="02010600030101010101" pitchFamily="2" charset="-122"/>
               </a:rPr>
-              <a:t>配置发布</a:t>
+              <a:t>回滚配置</a:t>
             </a:r>
+            <a:endParaRPr lang="en-US" altLang="zh-CN" sz="4000" b="0" cap="none" spc="0" dirty="0">
+              <a:ln w="0"/>
+              <a:solidFill>
+                <a:schemeClr val="bg1">
+                  <a:lumMod val="65000"/>
+                </a:schemeClr>
+              </a:solidFill>
+              <a:effectLst>
+                <a:outerShdw blurRad="38100" dist="25400" dir="5400000" algn="ctr" rotWithShape="0">
+                  <a:srgbClr val="6E747A">
+                    <a:alpha val="43000"/>
+                  </a:srgbClr>
+                </a:outerShdw>
+              </a:effectLst>
+              <a:latin typeface="宋体" panose="02010600030101010101" pitchFamily="2" charset="-122"/>
+              <a:ea typeface="宋体" panose="02010600030101010101" pitchFamily="2" charset="-122"/>
+            </a:endParaRPr>
           </a:p>
         </p:txBody>
       </p:sp>
+    </p:spTree>
+    <p:extLst>
+      <p:ext uri="{BB962C8B-B14F-4D97-AF65-F5344CB8AC3E}">
+        <p14:creationId xmlns:p14="http://schemas.microsoft.com/office/powerpoint/2010/main" val="1609467676"/>
+      </p:ext>
+    </p:extLst>
+  </p:cSld>
+  <p:clrMapOvr>
+    <a:masterClrMapping/>
+  </p:clrMapOvr>
+  <mc:AlternateContent xmlns:mc="http://schemas.openxmlformats.org/markup-compatibility/2006" xmlns:p14="http://schemas.microsoft.com/office/powerpoint/2010/main">
+    <mc:Choice Requires="p14">
+      <p:transition spd="med" p14:dur="700">
+        <p:fade/>
+      </p:transition>
+    </mc:Choice>
+    <mc:Fallback xmlns="">
+      <p:transition spd="med">
+        <p:fade/>
+      </p:transition>
+    </mc:Fallback>
+  </mc:AlternateContent>
+</p:sld>
+</file>
+
+<file path=ppt/slides/slide75.xml><?xml version="1.0" encoding="utf-8"?>
+<p:sld xmlns:a="http://schemas.openxmlformats.org/drawingml/2006/main" xmlns:r="http://schemas.openxmlformats.org/officeDocument/2006/relationships" xmlns:p="http://schemas.openxmlformats.org/presentationml/2006/main">
+  <p:cSld>
+    <p:spTree>
+      <p:nvGrpSpPr>
+        <p:cNvPr id="1" name=""/>
+        <p:cNvGrpSpPr/>
+        <p:nvPr/>
+      </p:nvGrpSpPr>
+      <p:grpSpPr>
+        <a:xfrm>
+          <a:off x="0" y="0"/>
+          <a:ext cx="0" cy="0"/>
+          <a:chOff x="0" y="0"/>
+          <a:chExt cx="0" cy="0"/>
+        </a:xfrm>
+      </p:grpSpPr>
+      <p:pic>
+        <p:nvPicPr>
+          <p:cNvPr id="2" name="图片 1">
+            <a:extLst>
+              <a:ext uri="{FF2B5EF4-FFF2-40B4-BE49-F238E27FC236}">
+                <a16:creationId xmlns:a16="http://schemas.microsoft.com/office/drawing/2014/main" id="{CA1FA8DD-A482-42D1-BAD2-944081728EDB}"/>
+              </a:ext>
+            </a:extLst>
+          </p:cNvPr>
+          <p:cNvPicPr>
+            <a:picLocks noChangeAspect="1"/>
+          </p:cNvPicPr>
+          <p:nvPr/>
+        </p:nvPicPr>
+        <p:blipFill>
+          <a:blip r:embed="rId2"/>
+          <a:stretch>
+            <a:fillRect/>
+          </a:stretch>
+        </p:blipFill>
+        <p:spPr>
+          <a:xfrm>
+            <a:off x="0" y="1246970"/>
+            <a:ext cx="12192000" cy="4364059"/>
+          </a:xfrm>
+          <a:prstGeom prst="rect">
+            <a:avLst/>
+          </a:prstGeom>
+        </p:spPr>
+      </p:pic>
       <p:sp>
         <p:nvSpPr>
-          <p:cNvPr id="8" name="立方体 7">
-            <a:extLst>
-              <a:ext uri="{FF2B5EF4-FFF2-40B4-BE49-F238E27FC236}">
-                <a16:creationId xmlns:a16="http://schemas.microsoft.com/office/drawing/2014/main" id="{F4911F2D-44ED-4365-949B-9B287B178B09}"/>
+          <p:cNvPr id="3" name="椭圆 2">
+            <a:extLst>
+              <a:ext uri="{FF2B5EF4-FFF2-40B4-BE49-F238E27FC236}">
+                <a16:creationId xmlns:a16="http://schemas.microsoft.com/office/drawing/2014/main" id="{7440FF8B-0B48-4A6C-900D-44945A07450A}"/>
               </a:ext>
             </a:extLst>
           </p:cNvPr>
@@ -23258,22 +28069,16 @@
         </p:nvSpPr>
         <p:spPr>
           <a:xfrm>
-            <a:off x="5899608" y="5231471"/>
-            <a:ext cx="392784" cy="338554"/>
-          </a:xfrm>
-          <a:prstGeom prst="cube">
-            <a:avLst/>
-          </a:prstGeom>
-          <a:solidFill>
-            <a:schemeClr val="bg1">
-              <a:lumMod val="85000"/>
-            </a:schemeClr>
-          </a:solidFill>
+            <a:off x="10906812" y="1887860"/>
+            <a:ext cx="527899" cy="223744"/>
+          </a:xfrm>
+          <a:prstGeom prst="ellipse">
+            <a:avLst/>
+          </a:prstGeom>
+          <a:noFill/>
           <a:ln>
             <a:solidFill>
-              <a:schemeClr val="bg2">
-                <a:lumMod val="75000"/>
-              </a:schemeClr>
+              <a:srgbClr val="FF0000"/>
             </a:solidFill>
           </a:ln>
         </p:spPr>
@@ -23302,20 +28107,218 @@
           </a:p>
         </p:txBody>
       </p:sp>
+      <p:sp>
+        <p:nvSpPr>
+          <p:cNvPr id="4" name="椭圆 3">
+            <a:extLst>
+              <a:ext uri="{FF2B5EF4-FFF2-40B4-BE49-F238E27FC236}">
+                <a16:creationId xmlns:a16="http://schemas.microsoft.com/office/drawing/2014/main" id="{FC660B1B-84AF-4DDB-A4B9-C9EB80D8C0A0}"/>
+              </a:ext>
+            </a:extLst>
+          </p:cNvPr>
+          <p:cNvSpPr/>
+          <p:nvPr/>
+        </p:nvSpPr>
+        <p:spPr>
+          <a:xfrm>
+            <a:off x="11492843" y="1887860"/>
+            <a:ext cx="527899" cy="223744"/>
+          </a:xfrm>
+          <a:prstGeom prst="ellipse">
+            <a:avLst/>
+          </a:prstGeom>
+          <a:noFill/>
+          <a:ln>
+            <a:solidFill>
+              <a:srgbClr val="FF0000"/>
+            </a:solidFill>
+          </a:ln>
+        </p:spPr>
+        <p:style>
+          <a:lnRef idx="2">
+            <a:schemeClr val="accent1">
+              <a:shade val="50000"/>
+            </a:schemeClr>
+          </a:lnRef>
+          <a:fillRef idx="1">
+            <a:schemeClr val="accent1"/>
+          </a:fillRef>
+          <a:effectRef idx="0">
+            <a:schemeClr val="accent1"/>
+          </a:effectRef>
+          <a:fontRef idx="minor">
+            <a:schemeClr val="lt1"/>
+          </a:fontRef>
+        </p:style>
+        <p:txBody>
+          <a:bodyPr rtlCol="0" anchor="ctr"/>
+          <a:lstStyle/>
+          <a:p>
+            <a:pPr algn="ctr"/>
+            <a:endParaRPr lang="zh-CN" altLang="en-US"/>
+          </a:p>
+        </p:txBody>
+      </p:sp>
     </p:spTree>
     <p:extLst>
       <p:ext uri="{BB962C8B-B14F-4D97-AF65-F5344CB8AC3E}">
-        <p14:creationId xmlns:p14="http://schemas.microsoft.com/office/powerpoint/2010/main" val="2991214864"/>
+        <p14:creationId xmlns:p14="http://schemas.microsoft.com/office/powerpoint/2010/main" val="2195700266"/>
       </p:ext>
     </p:extLst>
   </p:cSld>
   <p:clrMapOvr>
     <a:masterClrMapping/>
   </p:clrMapOvr>
+  <mc:AlternateContent xmlns:mc="http://schemas.openxmlformats.org/markup-compatibility/2006">
+    <mc:Choice xmlns:p14="http://schemas.microsoft.com/office/powerpoint/2010/main" Requires="p14">
+      <p:transition spd="med" p14:dur="700">
+        <p:fade/>
+      </p:transition>
+    </mc:Choice>
+    <mc:Fallback>
+      <p:transition spd="med">
+        <p:fade/>
+      </p:transition>
+    </mc:Fallback>
+  </mc:AlternateContent>
+  <p:timing>
+    <p:tnLst>
+      <p:par>
+        <p:cTn id="1" dur="indefinite" restart="never" nodeType="tmRoot">
+          <p:childTnLst>
+            <p:seq concurrent="1" nextAc="seek">
+              <p:cTn id="2" dur="indefinite" nodeType="mainSeq">
+                <p:childTnLst>
+                  <p:par>
+                    <p:cTn id="3" fill="hold">
+                      <p:stCondLst>
+                        <p:cond delay="indefinite"/>
+                        <p:cond evt="onBegin" delay="0">
+                          <p:tn val="2"/>
+                        </p:cond>
+                      </p:stCondLst>
+                      <p:childTnLst>
+                        <p:par>
+                          <p:cTn id="4" fill="hold">
+                            <p:stCondLst>
+                              <p:cond delay="0"/>
+                            </p:stCondLst>
+                            <p:childTnLst>
+                              <p:par>
+                                <p:cTn id="5" presetID="21" presetClass="entr" presetSubtype="1" fill="hold" grpId="0" nodeType="afterEffect">
+                                  <p:stCondLst>
+                                    <p:cond delay="0"/>
+                                  </p:stCondLst>
+                                  <p:childTnLst>
+                                    <p:set>
+                                      <p:cBhvr>
+                                        <p:cTn id="6" dur="1" fill="hold">
+                                          <p:stCondLst>
+                                            <p:cond delay="0"/>
+                                          </p:stCondLst>
+                                        </p:cTn>
+                                        <p:tgtEl>
+                                          <p:spTgt spid="3"/>
+                                        </p:tgtEl>
+                                        <p:attrNameLst>
+                                          <p:attrName>style.visibility</p:attrName>
+                                        </p:attrNameLst>
+                                      </p:cBhvr>
+                                      <p:to>
+                                        <p:strVal val="visible"/>
+                                      </p:to>
+                                    </p:set>
+                                    <p:animEffect transition="in" filter="wheel(1)">
+                                      <p:cBhvr>
+                                        <p:cTn id="7" dur="2000"/>
+                                        <p:tgtEl>
+                                          <p:spTgt spid="3"/>
+                                        </p:tgtEl>
+                                      </p:cBhvr>
+                                    </p:animEffect>
+                                  </p:childTnLst>
+                                </p:cTn>
+                              </p:par>
+                            </p:childTnLst>
+                          </p:cTn>
+                        </p:par>
+                        <p:par>
+                          <p:cTn id="8" fill="hold">
+                            <p:stCondLst>
+                              <p:cond delay="2000"/>
+                            </p:stCondLst>
+                            <p:childTnLst>
+                              <p:par>
+                                <p:cTn id="9" presetID="21" presetClass="entr" presetSubtype="1" fill="hold" grpId="0" nodeType="afterEffect">
+                                  <p:stCondLst>
+                                    <p:cond delay="0"/>
+                                  </p:stCondLst>
+                                  <p:childTnLst>
+                                    <p:set>
+                                      <p:cBhvr>
+                                        <p:cTn id="10" dur="1" fill="hold">
+                                          <p:stCondLst>
+                                            <p:cond delay="0"/>
+                                          </p:stCondLst>
+                                        </p:cTn>
+                                        <p:tgtEl>
+                                          <p:spTgt spid="4"/>
+                                        </p:tgtEl>
+                                        <p:attrNameLst>
+                                          <p:attrName>style.visibility</p:attrName>
+                                        </p:attrNameLst>
+                                      </p:cBhvr>
+                                      <p:to>
+                                        <p:strVal val="visible"/>
+                                      </p:to>
+                                    </p:set>
+                                    <p:animEffect transition="in" filter="wheel(1)">
+                                      <p:cBhvr>
+                                        <p:cTn id="11" dur="2000"/>
+                                        <p:tgtEl>
+                                          <p:spTgt spid="4"/>
+                                        </p:tgtEl>
+                                      </p:cBhvr>
+                                    </p:animEffect>
+                                  </p:childTnLst>
+                                </p:cTn>
+                              </p:par>
+                            </p:childTnLst>
+                          </p:cTn>
+                        </p:par>
+                      </p:childTnLst>
+                    </p:cTn>
+                  </p:par>
+                </p:childTnLst>
+              </p:cTn>
+              <p:prevCondLst>
+                <p:cond evt="onPrev" delay="0">
+                  <p:tgtEl>
+                    <p:sldTgt/>
+                  </p:tgtEl>
+                </p:cond>
+              </p:prevCondLst>
+              <p:nextCondLst>
+                <p:cond evt="onNext" delay="0">
+                  <p:tgtEl>
+                    <p:sldTgt/>
+                  </p:tgtEl>
+                </p:cond>
+              </p:nextCondLst>
+            </p:seq>
+          </p:childTnLst>
+        </p:cTn>
+      </p:par>
+    </p:tnLst>
+    <p:bldLst>
+      <p:bldP spid="3" grpId="0" animBg="1"/>
+      <p:bldP spid="4" grpId="0" animBg="1"/>
+    </p:bldLst>
+  </p:timing>
 </p:sld>
 </file>
 
-<file path=ppt/slides/slide62.xml><?xml version="1.0" encoding="utf-8"?>
+<file path=ppt/slides/slide76.xml><?xml version="1.0" encoding="utf-8"?>
 <p:sld xmlns:a="http://schemas.openxmlformats.org/drawingml/2006/main" xmlns:r="http://schemas.openxmlformats.org/officeDocument/2006/relationships" xmlns:p="http://schemas.openxmlformats.org/presentationml/2006/main">
   <p:cSld>
     <p:spTree>
@@ -23334,10 +28337,10 @@
       </p:grpSpPr>
       <p:sp>
         <p:nvSpPr>
-          <p:cNvPr id="4" name="矩形 3">
-            <a:extLst>
-              <a:ext uri="{FF2B5EF4-FFF2-40B4-BE49-F238E27FC236}">
-                <a16:creationId xmlns:a16="http://schemas.microsoft.com/office/drawing/2014/main" id="{42974963-45A6-4DFB-8BB4-486ACBA4DE2A}"/>
+          <p:cNvPr id="2" name="矩形 1">
+            <a:extLst>
+              <a:ext uri="{FF2B5EF4-FFF2-40B4-BE49-F238E27FC236}">
+                <a16:creationId xmlns:a16="http://schemas.microsoft.com/office/drawing/2014/main" id="{B792ACB7-E578-49B7-8E31-01516D7A16BE}"/>
               </a:ext>
             </a:extLst>
           </p:cNvPr>
@@ -23346,7 +28349,7 @@
         </p:nvSpPr>
         <p:spPr>
           <a:xfrm>
-            <a:off x="3961254" y="1688986"/>
+            <a:off x="4055522" y="1208219"/>
             <a:ext cx="2813591" cy="707886"/>
           </a:xfrm>
           <a:prstGeom prst="rect">
@@ -23387,10 +28390,10 @@
       </p:sp>
       <p:sp>
         <p:nvSpPr>
-          <p:cNvPr id="5" name="矩形 4">
-            <a:extLst>
-              <a:ext uri="{FF2B5EF4-FFF2-40B4-BE49-F238E27FC236}">
-                <a16:creationId xmlns:a16="http://schemas.microsoft.com/office/drawing/2014/main" id="{E90AEE62-A014-4BA6-A736-33939477ED96}"/>
+          <p:cNvPr id="3" name="矩形 2">
+            <a:extLst>
+              <a:ext uri="{FF2B5EF4-FFF2-40B4-BE49-F238E27FC236}">
+                <a16:creationId xmlns:a16="http://schemas.microsoft.com/office/drawing/2014/main" id="{BA61FC6A-8DDA-498B-967B-9090419D962B}"/>
               </a:ext>
             </a:extLst>
           </p:cNvPr>
@@ -23399,7 +28402,7 @@
         </p:nvSpPr>
         <p:spPr>
           <a:xfrm>
-            <a:off x="3961254" y="2662439"/>
+            <a:off x="4055522" y="2988199"/>
             <a:ext cx="4865434" cy="707886"/>
           </a:xfrm>
           <a:prstGeom prst="rect">
@@ -23455,10 +28458,10 @@
       </p:sp>
       <p:sp>
         <p:nvSpPr>
-          <p:cNvPr id="6" name="矩形 5">
-            <a:extLst>
-              <a:ext uri="{FF2B5EF4-FFF2-40B4-BE49-F238E27FC236}">
-                <a16:creationId xmlns:a16="http://schemas.microsoft.com/office/drawing/2014/main" id="{E3CF1568-03EE-4E54-B443-4130E1991CEA}"/>
+          <p:cNvPr id="4" name="矩形 3">
+            <a:extLst>
+              <a:ext uri="{FF2B5EF4-FFF2-40B4-BE49-F238E27FC236}">
+                <a16:creationId xmlns:a16="http://schemas.microsoft.com/office/drawing/2014/main" id="{9A75C71C-5E54-4974-88BD-F07C6EF19457}"/>
               </a:ext>
             </a:extLst>
           </p:cNvPr>
@@ -23467,7 +28470,7 @@
         </p:nvSpPr>
         <p:spPr>
           <a:xfrm>
-            <a:off x="3961254" y="3635892"/>
+            <a:off x="4055522" y="3961652"/>
             <a:ext cx="4865434" cy="707886"/>
           </a:xfrm>
           <a:prstGeom prst="rect">
@@ -23523,10 +28526,10 @@
       </p:sp>
       <p:sp>
         <p:nvSpPr>
-          <p:cNvPr id="7" name="矩形 6">
-            <a:extLst>
-              <a:ext uri="{FF2B5EF4-FFF2-40B4-BE49-F238E27FC236}">
-                <a16:creationId xmlns:a16="http://schemas.microsoft.com/office/drawing/2014/main" id="{4AD40DD2-32FC-4CB2-AC19-AA538D51534B}"/>
+          <p:cNvPr id="5" name="矩形 4">
+            <a:extLst>
+              <a:ext uri="{FF2B5EF4-FFF2-40B4-BE49-F238E27FC236}">
+                <a16:creationId xmlns:a16="http://schemas.microsoft.com/office/drawing/2014/main" id="{BDC83E0D-BDA9-41FF-A222-6C269F1B7E90}"/>
               </a:ext>
             </a:extLst>
           </p:cNvPr>
@@ -23535,8 +28538,8 @@
         </p:nvSpPr>
         <p:spPr>
           <a:xfrm>
-            <a:off x="5593300" y="5671112"/>
-            <a:ext cx="1005403" cy="338554"/>
+            <a:off x="4055522" y="2098209"/>
+            <a:ext cx="2813591" cy="707886"/>
           </a:xfrm>
           <a:prstGeom prst="rect">
             <a:avLst/>
@@ -23549,15 +28552,15 @@
           </a:bodyPr>
           <a:lstStyle/>
           <a:p>
-            <a:pPr algn="ctr"/>
+            <a:pPr marL="571500" indent="-571500">
+              <a:buFont typeface="Wingdings" panose="05000000000000000000" pitchFamily="2" charset="2"/>
+              <a:buChar char="ü"/>
+            </a:pPr>
             <a:r>
-              <a:rPr lang="zh-CN" altLang="en-US" sz="1600" b="0" cap="none" spc="0" dirty="0">
+              <a:rPr lang="zh-CN" altLang="en-US" sz="4000" b="0" cap="none" spc="0" dirty="0">
                 <a:ln w="0"/>
                 <a:solidFill>
-                  <a:schemeClr val="tx1">
-                    <a:lumMod val="65000"/>
-                    <a:lumOff val="35000"/>
-                  </a:schemeClr>
+                  <a:schemeClr val="bg1"/>
                 </a:solidFill>
                 <a:effectLst>
                   <a:outerShdw blurRad="38100" dist="25400" dir="5400000" algn="ctr" rotWithShape="0">
@@ -23569,83 +28572,52 @@
                 <a:latin typeface="宋体" panose="02010600030101010101" pitchFamily="2" charset="-122"/>
                 <a:ea typeface="宋体" panose="02010600030101010101" pitchFamily="2" charset="-122"/>
               </a:rPr>
-              <a:t>配置发布</a:t>
+              <a:t>回滚配置</a:t>
             </a:r>
-          </a:p>
-        </p:txBody>
-      </p:sp>
-      <p:sp>
-        <p:nvSpPr>
-          <p:cNvPr id="8" name="立方体 7">
-            <a:extLst>
-              <a:ext uri="{FF2B5EF4-FFF2-40B4-BE49-F238E27FC236}">
-                <a16:creationId xmlns:a16="http://schemas.microsoft.com/office/drawing/2014/main" id="{F4911F2D-44ED-4365-949B-9B287B178B09}"/>
-              </a:ext>
-            </a:extLst>
-          </p:cNvPr>
-          <p:cNvSpPr/>
-          <p:nvPr/>
-        </p:nvSpPr>
-        <p:spPr>
-          <a:xfrm>
-            <a:off x="5899608" y="5231471"/>
-            <a:ext cx="392784" cy="338554"/>
-          </a:xfrm>
-          <a:prstGeom prst="cube">
-            <a:avLst/>
-          </a:prstGeom>
-          <a:solidFill>
-            <a:schemeClr val="bg1">
-              <a:lumMod val="85000"/>
-            </a:schemeClr>
-          </a:solidFill>
-          <a:ln>
-            <a:solidFill>
-              <a:schemeClr val="bg2">
-                <a:lumMod val="75000"/>
-              </a:schemeClr>
-            </a:solidFill>
-          </a:ln>
-        </p:spPr>
-        <p:style>
-          <a:lnRef idx="2">
-            <a:schemeClr val="accent1">
-              <a:shade val="50000"/>
-            </a:schemeClr>
-          </a:lnRef>
-          <a:fillRef idx="1">
-            <a:schemeClr val="accent1"/>
-          </a:fillRef>
-          <a:effectRef idx="0">
-            <a:schemeClr val="accent1"/>
-          </a:effectRef>
-          <a:fontRef idx="minor">
-            <a:schemeClr val="lt1"/>
-          </a:fontRef>
-        </p:style>
-        <p:txBody>
-          <a:bodyPr rtlCol="0" anchor="ctr"/>
-          <a:lstStyle/>
-          <a:p>
-            <a:pPr algn="ctr"/>
-            <a:endParaRPr lang="zh-CN" altLang="en-US"/>
+            <a:endParaRPr lang="en-US" altLang="zh-CN" sz="4000" b="0" cap="none" spc="0" dirty="0">
+              <a:ln w="0"/>
+              <a:solidFill>
+                <a:schemeClr val="bg1"/>
+              </a:solidFill>
+              <a:effectLst>
+                <a:outerShdw blurRad="38100" dist="25400" dir="5400000" algn="ctr" rotWithShape="0">
+                  <a:srgbClr val="6E747A">
+                    <a:alpha val="43000"/>
+                  </a:srgbClr>
+                </a:outerShdw>
+              </a:effectLst>
+              <a:latin typeface="宋体" panose="02010600030101010101" pitchFamily="2" charset="-122"/>
+              <a:ea typeface="宋体" panose="02010600030101010101" pitchFamily="2" charset="-122"/>
+            </a:endParaRPr>
           </a:p>
         </p:txBody>
       </p:sp>
     </p:spTree>
     <p:extLst>
       <p:ext uri="{BB962C8B-B14F-4D97-AF65-F5344CB8AC3E}">
-        <p14:creationId xmlns:p14="http://schemas.microsoft.com/office/powerpoint/2010/main" val="1609467676"/>
+        <p14:creationId xmlns:p14="http://schemas.microsoft.com/office/powerpoint/2010/main" val="4176913015"/>
       </p:ext>
     </p:extLst>
   </p:cSld>
   <p:clrMapOvr>
     <a:masterClrMapping/>
   </p:clrMapOvr>
+  <mc:AlternateContent xmlns:mc="http://schemas.openxmlformats.org/markup-compatibility/2006">
+    <mc:Choice xmlns:p14="http://schemas.microsoft.com/office/powerpoint/2010/main" Requires="p14">
+      <p:transition spd="med" p14:dur="700">
+        <p:fade/>
+      </p:transition>
+    </mc:Choice>
+    <mc:Fallback>
+      <p:transition spd="med">
+        <p:fade/>
+      </p:transition>
+    </mc:Fallback>
+  </mc:AlternateContent>
 </p:sld>
 </file>
 
-<file path=ppt/slides/slide63.xml><?xml version="1.0" encoding="utf-8"?>
+<file path=ppt/slides/slide77.xml><?xml version="1.0" encoding="utf-8"?>
 <p:sld xmlns:a="http://schemas.openxmlformats.org/drawingml/2006/main" xmlns:r="http://schemas.openxmlformats.org/officeDocument/2006/relationships" xmlns:p="http://schemas.openxmlformats.org/presentationml/2006/main">
   <p:cSld>
     <p:spTree>
@@ -23699,7 +28671,7 @@
         </p:blipFill>
         <p:spPr>
           <a:xfrm>
-            <a:off x="2601797" y="1877703"/>
+            <a:off x="4298621" y="2381658"/>
             <a:ext cx="2794801" cy="1925000"/>
           </a:xfrm>
           <a:prstGeom prst="rect">
@@ -23717,283 +28689,18 @@
   <p:clrMapOvr>
     <a:masterClrMapping/>
   </p:clrMapOvr>
-</p:sld>
-</file>
-
-<file path=ppt/slides/slide7.xml><?xml version="1.0" encoding="utf-8"?>
-<p:sld xmlns:a="http://schemas.openxmlformats.org/drawingml/2006/main" xmlns:r="http://schemas.openxmlformats.org/officeDocument/2006/relationships" xmlns:p="http://schemas.openxmlformats.org/presentationml/2006/main">
-  <p:cSld>
-    <p:spTree>
-      <p:nvGrpSpPr>
-        <p:cNvPr id="1" name=""/>
-        <p:cNvGrpSpPr/>
-        <p:nvPr/>
-      </p:nvGrpSpPr>
-      <p:grpSpPr>
-        <a:xfrm>
-          <a:off x="0" y="0"/>
-          <a:ext cx="0" cy="0"/>
-          <a:chOff x="0" y="0"/>
-          <a:chExt cx="0" cy="0"/>
-        </a:xfrm>
-      </p:grpSpPr>
-      <p:sp>
-        <p:nvSpPr>
-          <p:cNvPr id="3" name="矩形 2">
-            <a:extLst>
-              <a:ext uri="{FF2B5EF4-FFF2-40B4-BE49-F238E27FC236}">
-                <a16:creationId xmlns:a16="http://schemas.microsoft.com/office/drawing/2014/main" id="{55EBD7F5-EB70-44F9-8E7C-925F80021033}"/>
-              </a:ext>
-            </a:extLst>
-          </p:cNvPr>
-          <p:cNvSpPr/>
-          <p:nvPr/>
-        </p:nvSpPr>
-        <p:spPr>
-          <a:xfrm>
-            <a:off x="3842614" y="2384296"/>
-            <a:ext cx="4012637" cy="707886"/>
-          </a:xfrm>
-          <a:prstGeom prst="rect">
-            <a:avLst/>
-          </a:prstGeom>
-          <a:noFill/>
-        </p:spPr>
-        <p:txBody>
-          <a:bodyPr wrap="none" lIns="91440" tIns="45720" rIns="91440" bIns="45720">
-            <a:spAutoFit/>
-          </a:bodyPr>
-          <a:lstStyle/>
-          <a:p>
-            <a:pPr marL="742950" indent="-742950">
-              <a:buFont typeface="Wingdings" panose="05000000000000000000" pitchFamily="2" charset="2"/>
-              <a:buChar char="p"/>
-            </a:pPr>
-            <a:r>
-              <a:rPr lang="zh-CN" altLang="en-US" sz="4000" dirty="0">
-                <a:ln w="0"/>
-                <a:solidFill>
-                  <a:schemeClr val="bg1"/>
-                </a:solidFill>
-                <a:effectLst>
-                  <a:outerShdw blurRad="38100" dist="25400" dir="5400000" algn="ctr" rotWithShape="0">
-                    <a:srgbClr val="6E747A">
-                      <a:alpha val="43000"/>
-                    </a:srgbClr>
-                  </a:outerShdw>
-                </a:effectLst>
-                <a:latin typeface="宋体" panose="02010600030101010101" pitchFamily="2" charset="-122"/>
-                <a:ea typeface="宋体" panose="02010600030101010101" pitchFamily="2" charset="-122"/>
-              </a:rPr>
-              <a:t>运维添加用户</a:t>
-            </a:r>
-            <a:endParaRPr lang="zh-CN" altLang="en-US" sz="4000" b="0" cap="none" spc="0" dirty="0">
-              <a:ln w="0"/>
-              <a:solidFill>
-                <a:schemeClr val="bg1"/>
-              </a:solidFill>
-              <a:effectLst>
-                <a:outerShdw blurRad="38100" dist="25400" dir="5400000" algn="ctr" rotWithShape="0">
-                  <a:srgbClr val="6E747A">
-                    <a:alpha val="43000"/>
-                  </a:srgbClr>
-                </a:outerShdw>
-              </a:effectLst>
-              <a:latin typeface="宋体" panose="02010600030101010101" pitchFamily="2" charset="-122"/>
-              <a:ea typeface="宋体" panose="02010600030101010101" pitchFamily="2" charset="-122"/>
-            </a:endParaRPr>
-          </a:p>
-        </p:txBody>
-      </p:sp>
-      <p:sp>
-        <p:nvSpPr>
-          <p:cNvPr id="4" name="矩形 3">
-            <a:extLst>
-              <a:ext uri="{FF2B5EF4-FFF2-40B4-BE49-F238E27FC236}">
-                <a16:creationId xmlns:a16="http://schemas.microsoft.com/office/drawing/2014/main" id="{781DDB74-7F9C-44EA-9669-FD242B05F63F}"/>
-              </a:ext>
-            </a:extLst>
-          </p:cNvPr>
-          <p:cNvSpPr/>
-          <p:nvPr/>
-        </p:nvSpPr>
-        <p:spPr>
-          <a:xfrm>
-            <a:off x="3842614" y="3435388"/>
-            <a:ext cx="5038559" cy="707886"/>
-          </a:xfrm>
-          <a:prstGeom prst="rect">
-            <a:avLst/>
-          </a:prstGeom>
-          <a:noFill/>
-        </p:spPr>
-        <p:txBody>
-          <a:bodyPr wrap="none" lIns="91440" tIns="45720" rIns="91440" bIns="45720">
-            <a:spAutoFit/>
-          </a:bodyPr>
-          <a:lstStyle/>
-          <a:p>
-            <a:pPr marL="742950" indent="-742950">
-              <a:buFont typeface="Wingdings" panose="05000000000000000000" pitchFamily="2" charset="2"/>
-              <a:buChar char="p"/>
-            </a:pPr>
-            <a:r>
-              <a:rPr lang="zh-CN" altLang="en-US" sz="4000" dirty="0">
-                <a:ln w="0"/>
-                <a:solidFill>
-                  <a:schemeClr val="bg1"/>
-                </a:solidFill>
-                <a:effectLst>
-                  <a:outerShdw blurRad="38100" dist="25400" dir="5400000" algn="ctr" rotWithShape="0">
-                    <a:srgbClr val="6E747A">
-                      <a:alpha val="43000"/>
-                    </a:srgbClr>
-                  </a:outerShdw>
-                </a:effectLst>
-                <a:latin typeface="宋体" panose="02010600030101010101" pitchFamily="2" charset="-122"/>
-                <a:ea typeface="宋体" panose="02010600030101010101" pitchFamily="2" charset="-122"/>
-              </a:rPr>
-              <a:t>运维修改用户密码</a:t>
-            </a:r>
-            <a:endParaRPr lang="zh-CN" altLang="en-US" sz="4000" b="0" cap="none" spc="0" dirty="0">
-              <a:ln w="0"/>
-              <a:solidFill>
-                <a:schemeClr val="bg1"/>
-              </a:solidFill>
-              <a:effectLst>
-                <a:outerShdw blurRad="38100" dist="25400" dir="5400000" algn="ctr" rotWithShape="0">
-                  <a:srgbClr val="6E747A">
-                    <a:alpha val="43000"/>
-                  </a:srgbClr>
-                </a:outerShdw>
-              </a:effectLst>
-              <a:latin typeface="宋体" panose="02010600030101010101" pitchFamily="2" charset="-122"/>
-              <a:ea typeface="宋体" panose="02010600030101010101" pitchFamily="2" charset="-122"/>
-            </a:endParaRPr>
-          </a:p>
-        </p:txBody>
-      </p:sp>
-      <p:sp>
-        <p:nvSpPr>
-          <p:cNvPr id="9" name="矩形 8">
-            <a:extLst>
-              <a:ext uri="{FF2B5EF4-FFF2-40B4-BE49-F238E27FC236}">
-                <a16:creationId xmlns:a16="http://schemas.microsoft.com/office/drawing/2014/main" id="{D58D53BC-38CE-4AA1-A6B9-12FB7EFCD1FE}"/>
-              </a:ext>
-            </a:extLst>
-          </p:cNvPr>
-          <p:cNvSpPr/>
-          <p:nvPr/>
-        </p:nvSpPr>
-        <p:spPr>
-          <a:xfrm>
-            <a:off x="5593298" y="5671112"/>
-            <a:ext cx="1005403" cy="338554"/>
-          </a:xfrm>
-          <a:prstGeom prst="rect">
-            <a:avLst/>
-          </a:prstGeom>
-          <a:noFill/>
-        </p:spPr>
-        <p:txBody>
-          <a:bodyPr wrap="none" lIns="91440" tIns="45720" rIns="91440" bIns="45720">
-            <a:spAutoFit/>
-          </a:bodyPr>
-          <a:lstStyle/>
-          <a:p>
-            <a:pPr algn="ctr"/>
-            <a:r>
-              <a:rPr lang="zh-CN" altLang="en-US" sz="1600" b="0" cap="none" spc="0" dirty="0">
-                <a:ln w="0"/>
-                <a:solidFill>
-                  <a:schemeClr val="tx1">
-                    <a:lumMod val="65000"/>
-                    <a:lumOff val="35000"/>
-                  </a:schemeClr>
-                </a:solidFill>
-                <a:effectLst>
-                  <a:outerShdw blurRad="38100" dist="25400" dir="5400000" algn="ctr" rotWithShape="0">
-                    <a:srgbClr val="6E747A">
-                      <a:alpha val="43000"/>
-                    </a:srgbClr>
-                  </a:outerShdw>
-                </a:effectLst>
-                <a:latin typeface="宋体" panose="02010600030101010101" pitchFamily="2" charset="-122"/>
-                <a:ea typeface="宋体" panose="02010600030101010101" pitchFamily="2" charset="-122"/>
-              </a:rPr>
-              <a:t>用户管理</a:t>
-            </a:r>
-          </a:p>
-        </p:txBody>
-      </p:sp>
-      <p:sp>
-        <p:nvSpPr>
-          <p:cNvPr id="11" name="立方体 10">
-            <a:extLst>
-              <a:ext uri="{FF2B5EF4-FFF2-40B4-BE49-F238E27FC236}">
-                <a16:creationId xmlns:a16="http://schemas.microsoft.com/office/drawing/2014/main" id="{0D198F0E-E972-4D92-A50D-62485CB65983}"/>
-              </a:ext>
-            </a:extLst>
-          </p:cNvPr>
-          <p:cNvSpPr/>
-          <p:nvPr/>
-        </p:nvSpPr>
-        <p:spPr>
-          <a:xfrm>
-            <a:off x="5899608" y="5231471"/>
-            <a:ext cx="392784" cy="338554"/>
-          </a:xfrm>
-          <a:prstGeom prst="cube">
-            <a:avLst/>
-          </a:prstGeom>
-          <a:solidFill>
-            <a:schemeClr val="bg1">
-              <a:lumMod val="85000"/>
-            </a:schemeClr>
-          </a:solidFill>
-          <a:ln>
-            <a:solidFill>
-              <a:schemeClr val="bg2">
-                <a:lumMod val="75000"/>
-              </a:schemeClr>
-            </a:solidFill>
-          </a:ln>
-        </p:spPr>
-        <p:style>
-          <a:lnRef idx="2">
-            <a:schemeClr val="accent1">
-              <a:shade val="50000"/>
-            </a:schemeClr>
-          </a:lnRef>
-          <a:fillRef idx="1">
-            <a:schemeClr val="accent1"/>
-          </a:fillRef>
-          <a:effectRef idx="0">
-            <a:schemeClr val="accent1"/>
-          </a:effectRef>
-          <a:fontRef idx="minor">
-            <a:schemeClr val="lt1"/>
-          </a:fontRef>
-        </p:style>
-        <p:txBody>
-          <a:bodyPr rtlCol="0" anchor="ctr"/>
-          <a:lstStyle/>
-          <a:p>
-            <a:pPr algn="ctr"/>
-            <a:endParaRPr lang="zh-CN" altLang="en-US"/>
-          </a:p>
-        </p:txBody>
-      </p:sp>
-    </p:spTree>
-    <p:extLst>
-      <p:ext uri="{BB962C8B-B14F-4D97-AF65-F5344CB8AC3E}">
-        <p14:creationId xmlns:p14="http://schemas.microsoft.com/office/powerpoint/2010/main" val="2180080274"/>
-      </p:ext>
-    </p:extLst>
-  </p:cSld>
-  <p:clrMapOvr>
-    <a:masterClrMapping/>
-  </p:clrMapOvr>
+  <mc:AlternateContent xmlns:mc="http://schemas.openxmlformats.org/markup-compatibility/2006">
+    <mc:Choice xmlns:p15="http://schemas.microsoft.com/office/powerpoint/2012/main" Requires="p15">
+      <p:transition xmlns:p14="http://schemas.microsoft.com/office/powerpoint/2010/main" spd="slow" p14:dur="6000">
+        <p15:prstTrans prst="curtains"/>
+      </p:transition>
+    </mc:Choice>
+    <mc:Fallback>
+      <p:transition spd="slow">
+        <p:fade/>
+      </p:transition>
+    </mc:Fallback>
+  </mc:AlternateContent>
 </p:sld>
 </file>
 

--- a/我画的小图/配置中心/apollo操作手册.pptx
+++ b/我画的小图/配置中心/apollo操作手册.pptx
@@ -302,7 +302,7 @@
           <a:p>
             <a:fld id="{BBF99A51-0678-4F1C-8EF8-69AC3D8A6199}" type="datetimeFigureOut">
               <a:rPr lang="zh-CN" altLang="en-US" smtClean="0"/>
-              <a:t>2018/6/21</a:t>
+              <a:t>2018/7/19</a:t>
             </a:fld>
             <a:endParaRPr lang="zh-CN" altLang="en-US"/>
           </a:p>
@@ -483,7 +483,7 @@
           <a:p>
             <a:fld id="{97CB0EFE-6733-40F7-A798-DCEB934D9876}" type="datetimeFigureOut">
               <a:rPr lang="zh-CN" altLang="en-US" smtClean="0"/>
-              <a:t>2018/6/21</a:t>
+              <a:t>2018/7/19</a:t>
             </a:fld>
             <a:endParaRPr lang="zh-CN" altLang="en-US"/>
           </a:p>
@@ -1396,7 +1396,7 @@
           <a:p>
             <a:fld id="{1513C6CA-73B3-4DC9-B066-D1FCF0ECC11E}" type="datetime1">
               <a:rPr lang="zh-CN" altLang="en-US" smtClean="0"/>
-              <a:t>2018/6/21</a:t>
+              <a:t>2018/7/19</a:t>
             </a:fld>
             <a:endParaRPr lang="zh-CN" altLang="en-US"/>
           </a:p>
@@ -1760,7 +1760,7 @@
           <a:p>
             <a:fld id="{03089A9A-579B-401F-8874-C7FF518F5A88}" type="datetime1">
               <a:rPr lang="zh-CN" altLang="en-US" smtClean="0"/>
-              <a:t>2018/6/21</a:t>
+              <a:t>2018/7/19</a:t>
             </a:fld>
             <a:endParaRPr lang="zh-CN" altLang="en-US"/>
           </a:p>
@@ -2214,7 +2214,7 @@
           <a:p>
             <a:fld id="{2B54B63A-702C-438D-9EBD-A554DA0BB4C5}" type="datetime1">
               <a:rPr lang="zh-CN" altLang="en-US" smtClean="0"/>
-              <a:t>2018/6/21</a:t>
+              <a:t>2018/7/19</a:t>
             </a:fld>
             <a:endParaRPr lang="zh-CN" altLang="en-US"/>
           </a:p>
@@ -2390,7 +2390,7 @@
           <a:p>
             <a:fld id="{D50882F4-FFAC-42FD-B4A8-D92464063E96}" type="datetime1">
               <a:rPr lang="zh-CN" altLang="en-US" smtClean="0"/>
-              <a:t>2018/6/21</a:t>
+              <a:t>2018/7/19</a:t>
             </a:fld>
             <a:endParaRPr lang="zh-CN" altLang="en-US"/>
           </a:p>
@@ -2530,7 +2530,7 @@
           <a:p>
             <a:fld id="{CF183E3E-5248-4326-BC57-228FDB2DA169}" type="datetime1">
               <a:rPr lang="zh-CN" altLang="en-US" smtClean="0"/>
-              <a:t>2018/6/21</a:t>
+              <a:t>2018/7/19</a:t>
             </a:fld>
             <a:endParaRPr lang="zh-CN" altLang="en-US"/>
           </a:p>
@@ -2877,7 +2877,7 @@
           <a:p>
             <a:fld id="{9AD990DA-C568-4F29-BCA1-6CE24BE235A0}" type="datetime1">
               <a:rPr lang="zh-CN" altLang="en-US" smtClean="0"/>
-              <a:t>2018/6/21</a:t>
+              <a:t>2018/7/19</a:t>
             </a:fld>
             <a:endParaRPr lang="zh-CN" altLang="en-US"/>
           </a:p>
@@ -3201,7 +3201,7 @@
           <a:p>
             <a:fld id="{BC17C775-DFA7-4101-9AFA-763D12E29B9C}" type="datetime1">
               <a:rPr lang="zh-CN" altLang="en-US" smtClean="0"/>
-              <a:t>2018/6/21</a:t>
+              <a:t>2018/7/19</a:t>
             </a:fld>
             <a:endParaRPr lang="zh-CN" altLang="en-US"/>
           </a:p>
@@ -3442,7 +3442,7 @@
           <a:p>
             <a:fld id="{8B52D78B-8776-437B-A522-0147DE5E648B}" type="datetime1">
               <a:rPr lang="zh-CN" altLang="en-US" smtClean="0"/>
-              <a:t>2018/6/21</a:t>
+              <a:t>2018/7/19</a:t>
             </a:fld>
             <a:endParaRPr lang="zh-CN" altLang="en-US"/>
           </a:p>
@@ -11148,8 +11148,8 @@
         </p:nvSpPr>
         <p:spPr>
           <a:xfrm>
-            <a:off x="3434855" y="1009487"/>
-            <a:ext cx="5322290" cy="492443"/>
+            <a:off x="3778699" y="1009487"/>
+            <a:ext cx="4634602" cy="492443"/>
           </a:xfrm>
           <a:prstGeom prst="rect">
             <a:avLst/>
@@ -11189,7 +11189,7 @@
                   <a:schemeClr val="bg1"/>
                 </a:solidFill>
               </a:rPr>
-              <a:t>http://192.168.21.26:8091</a:t>
+              <a:t>http://192.168.21. 52</a:t>
             </a:r>
             <a:endParaRPr lang="zh-CN" altLang="en-US" sz="2600" b="0" cap="none" spc="0" dirty="0">
               <a:ln w="0"/>
@@ -19377,13 +19377,13 @@
   <p:clrMapOvr>
     <a:masterClrMapping/>
   </p:clrMapOvr>
-  <mc:AlternateContent xmlns:mc="http://schemas.openxmlformats.org/markup-compatibility/2006">
-    <mc:Choice xmlns:p14="http://schemas.microsoft.com/office/powerpoint/2010/main" Requires="p14">
+  <mc:AlternateContent xmlns:mc="http://schemas.openxmlformats.org/markup-compatibility/2006" xmlns:p14="http://schemas.microsoft.com/office/powerpoint/2010/main">
+    <mc:Choice Requires="p14">
       <p:transition spd="med" p14:dur="700">
         <p:fade/>
       </p:transition>
     </mc:Choice>
-    <mc:Fallback>
+    <mc:Fallback xmlns="">
       <p:transition spd="med">
         <p:fade/>
       </p:transition>
@@ -20066,13 +20066,13 @@
   <p:clrMapOvr>
     <a:masterClrMapping/>
   </p:clrMapOvr>
-  <mc:AlternateContent xmlns:mc="http://schemas.openxmlformats.org/markup-compatibility/2006">
-    <mc:Choice xmlns:p14="http://schemas.microsoft.com/office/powerpoint/2010/main" Requires="p14">
+  <mc:AlternateContent xmlns:mc="http://schemas.openxmlformats.org/markup-compatibility/2006" xmlns:p14="http://schemas.microsoft.com/office/powerpoint/2010/main">
+    <mc:Choice Requires="p14">
       <p:transition spd="med" p14:dur="700">
         <p:fade/>
       </p:transition>
     </mc:Choice>
-    <mc:Fallback>
+    <mc:Fallback xmlns="">
       <p:transition spd="med">
         <p:fade/>
       </p:transition>
@@ -20488,13 +20488,13 @@
   <p:clrMapOvr>
     <a:masterClrMapping/>
   </p:clrMapOvr>
-  <mc:AlternateContent xmlns:mc="http://schemas.openxmlformats.org/markup-compatibility/2006">
-    <mc:Choice xmlns:p14="http://schemas.microsoft.com/office/powerpoint/2010/main" Requires="p14">
+  <mc:AlternateContent xmlns:mc="http://schemas.openxmlformats.org/markup-compatibility/2006" xmlns:p14="http://schemas.microsoft.com/office/powerpoint/2010/main">
+    <mc:Choice Requires="p14">
       <p:transition spd="med" p14:dur="700">
         <p:fade/>
       </p:transition>
     </mc:Choice>
-    <mc:Fallback>
+    <mc:Fallback xmlns="">
       <p:transition spd="med">
         <p:fade/>
       </p:transition>
@@ -20724,13 +20724,13 @@
   <p:clrMapOvr>
     <a:masterClrMapping/>
   </p:clrMapOvr>
-  <mc:AlternateContent xmlns:mc="http://schemas.openxmlformats.org/markup-compatibility/2006">
-    <mc:Choice xmlns:p14="http://schemas.microsoft.com/office/powerpoint/2010/main" Requires="p14">
+  <mc:AlternateContent xmlns:mc="http://schemas.openxmlformats.org/markup-compatibility/2006" xmlns:p14="http://schemas.microsoft.com/office/powerpoint/2010/main">
+    <mc:Choice Requires="p14">
       <p:transition spd="med" p14:dur="700">
         <p:fade/>
       </p:transition>
     </mc:Choice>
-    <mc:Fallback>
+    <mc:Fallback xmlns="">
       <p:transition spd="med">
         <p:fade/>
       </p:transition>
@@ -23434,13 +23434,13 @@
   <p:clrMapOvr>
     <a:masterClrMapping/>
   </p:clrMapOvr>
-  <mc:AlternateContent xmlns:mc="http://schemas.openxmlformats.org/markup-compatibility/2006">
-    <mc:Choice xmlns:p14="http://schemas.microsoft.com/office/powerpoint/2010/main" Requires="p14">
+  <mc:AlternateContent xmlns:mc="http://schemas.openxmlformats.org/markup-compatibility/2006" xmlns:p14="http://schemas.microsoft.com/office/powerpoint/2010/main">
+    <mc:Choice Requires="p14">
       <p:transition spd="slow" p14:dur="1600">
         <p14:prism dir="d" isContent="1"/>
       </p:transition>
     </mc:Choice>
-    <mc:Fallback>
+    <mc:Fallback xmlns="">
       <p:transition spd="slow">
         <p:fade/>
       </p:transition>
@@ -24896,13 +24896,13 @@
   <p:clrMapOvr>
     <a:masterClrMapping/>
   </p:clrMapOvr>
-  <mc:AlternateContent xmlns:mc="http://schemas.openxmlformats.org/markup-compatibility/2006">
-    <mc:Choice xmlns:p14="http://schemas.microsoft.com/office/powerpoint/2010/main" Requires="p14">
+  <mc:AlternateContent xmlns:mc="http://schemas.openxmlformats.org/markup-compatibility/2006" xmlns:p14="http://schemas.microsoft.com/office/powerpoint/2010/main">
+    <mc:Choice Requires="p14">
       <p:transition spd="med" p14:dur="700">
         <p:fade/>
       </p:transition>
     </mc:Choice>
-    <mc:Fallback>
+    <mc:Fallback xmlns="">
       <p:transition spd="med">
         <p:fade/>
       </p:transition>
@@ -25173,13 +25173,13 @@
   <p:clrMapOvr>
     <a:masterClrMapping/>
   </p:clrMapOvr>
-  <mc:AlternateContent xmlns:mc="http://schemas.openxmlformats.org/markup-compatibility/2006">
-    <mc:Choice xmlns:p14="http://schemas.microsoft.com/office/powerpoint/2010/main" Requires="p14">
+  <mc:AlternateContent xmlns:mc="http://schemas.openxmlformats.org/markup-compatibility/2006" xmlns:p14="http://schemas.microsoft.com/office/powerpoint/2010/main">
+    <mc:Choice Requires="p14">
       <p:transition spd="med" p14:dur="700">
         <p:fade/>
       </p:transition>
     </mc:Choice>
-    <mc:Fallback>
+    <mc:Fallback xmlns="">
       <p:transition spd="med">
         <p:fade/>
       </p:transition>
@@ -25751,13 +25751,13 @@
   <p:clrMapOvr>
     <a:masterClrMapping/>
   </p:clrMapOvr>
-  <mc:AlternateContent xmlns:mc="http://schemas.openxmlformats.org/markup-compatibility/2006">
-    <mc:Choice xmlns:p14="http://schemas.microsoft.com/office/powerpoint/2010/main" Requires="p14">
+  <mc:AlternateContent xmlns:mc="http://schemas.openxmlformats.org/markup-compatibility/2006" xmlns:p14="http://schemas.microsoft.com/office/powerpoint/2010/main">
+    <mc:Choice Requires="p14">
       <p:transition spd="med" p14:dur="700">
         <p:fade/>
       </p:transition>
     </mc:Choice>
-    <mc:Fallback>
+    <mc:Fallback xmlns="">
       <p:transition spd="med">
         <p:fade/>
       </p:transition>
@@ -26242,13 +26242,13 @@
   <p:clrMapOvr>
     <a:masterClrMapping/>
   </p:clrMapOvr>
-  <mc:AlternateContent xmlns:mc="http://schemas.openxmlformats.org/markup-compatibility/2006">
-    <mc:Choice xmlns:p14="http://schemas.microsoft.com/office/powerpoint/2010/main" Requires="p14">
+  <mc:AlternateContent xmlns:mc="http://schemas.openxmlformats.org/markup-compatibility/2006" xmlns:p14="http://schemas.microsoft.com/office/powerpoint/2010/main">
+    <mc:Choice Requires="p14">
       <p:transition spd="slow" p14:dur="2000">
         <p14:prism dir="u" isContent="1"/>
       </p:transition>
     </mc:Choice>
-    <mc:Fallback>
+    <mc:Fallback xmlns="">
       <p:transition spd="slow">
         <p:fade/>
       </p:transition>
@@ -26732,13 +26732,13 @@
   <p:clrMapOvr>
     <a:masterClrMapping/>
   </p:clrMapOvr>
-  <mc:AlternateContent xmlns:mc="http://schemas.openxmlformats.org/markup-compatibility/2006">
-    <mc:Choice xmlns:p14="http://schemas.microsoft.com/office/powerpoint/2010/main" Requires="p14">
+  <mc:AlternateContent xmlns:mc="http://schemas.openxmlformats.org/markup-compatibility/2006" xmlns:p14="http://schemas.microsoft.com/office/powerpoint/2010/main">
+    <mc:Choice Requires="p14">
       <p:transition spd="slow" p14:dur="2000">
         <p14:prism dir="u" isContent="1"/>
       </p:transition>
     </mc:Choice>
-    <mc:Fallback>
+    <mc:Fallback xmlns="">
       <p:transition spd="slow">
         <p:fade/>
       </p:transition>
@@ -27009,13 +27009,13 @@
   <p:clrMapOvr>
     <a:masterClrMapping/>
   </p:clrMapOvr>
-  <mc:AlternateContent xmlns:mc="http://schemas.openxmlformats.org/markup-compatibility/2006">
-    <mc:Choice xmlns:p14="http://schemas.microsoft.com/office/powerpoint/2010/main" Requires="p14">
+  <mc:AlternateContent xmlns:mc="http://schemas.openxmlformats.org/markup-compatibility/2006" xmlns:p14="http://schemas.microsoft.com/office/powerpoint/2010/main">
+    <mc:Choice Requires="p14">
       <p:transition spd="slow" p14:dur="2000">
         <p14:prism dir="u" isContent="1"/>
       </p:transition>
     </mc:Choice>
-    <mc:Fallback>
+    <mc:Fallback xmlns="">
       <p:transition spd="slow">
         <p:fade/>
       </p:transition>
@@ -27275,13 +27275,13 @@
   <p:clrMapOvr>
     <a:masterClrMapping/>
   </p:clrMapOvr>
-  <mc:AlternateContent xmlns:mc="http://schemas.openxmlformats.org/markup-compatibility/2006">
-    <mc:Choice xmlns:p14="http://schemas.microsoft.com/office/powerpoint/2010/main" Requires="p14">
+  <mc:AlternateContent xmlns:mc="http://schemas.openxmlformats.org/markup-compatibility/2006" xmlns:p14="http://schemas.microsoft.com/office/powerpoint/2010/main">
+    <mc:Choice Requires="p14">
       <p:transition spd="slow" p14:dur="1600">
         <p14:prism dir="d" isContent="1"/>
       </p:transition>
     </mc:Choice>
-    <mc:Fallback>
+    <mc:Fallback xmlns="">
       <p:transition spd="slow">
         <p:fade/>
       </p:transition>
@@ -28169,13 +28169,13 @@
   <p:clrMapOvr>
     <a:masterClrMapping/>
   </p:clrMapOvr>
-  <mc:AlternateContent xmlns:mc="http://schemas.openxmlformats.org/markup-compatibility/2006">
-    <mc:Choice xmlns:p14="http://schemas.microsoft.com/office/powerpoint/2010/main" Requires="p14">
+  <mc:AlternateContent xmlns:mc="http://schemas.openxmlformats.org/markup-compatibility/2006" xmlns:p14="http://schemas.microsoft.com/office/powerpoint/2010/main">
+    <mc:Choice Requires="p14">
       <p:transition spd="med" p14:dur="700">
         <p:fade/>
       </p:transition>
     </mc:Choice>
-    <mc:Fallback>
+    <mc:Fallback xmlns="">
       <p:transition spd="med">
         <p:fade/>
       </p:transition>
@@ -28602,13 +28602,13 @@
   <p:clrMapOvr>
     <a:masterClrMapping/>
   </p:clrMapOvr>
-  <mc:AlternateContent xmlns:mc="http://schemas.openxmlformats.org/markup-compatibility/2006">
-    <mc:Choice xmlns:p14="http://schemas.microsoft.com/office/powerpoint/2010/main" Requires="p14">
+  <mc:AlternateContent xmlns:mc="http://schemas.openxmlformats.org/markup-compatibility/2006" xmlns:p14="http://schemas.microsoft.com/office/powerpoint/2010/main">
+    <mc:Choice Requires="p14">
       <p:transition spd="med" p14:dur="700">
         <p:fade/>
       </p:transition>
     </mc:Choice>
-    <mc:Fallback>
+    <mc:Fallback xmlns="">
       <p:transition spd="med">
         <p:fade/>
       </p:transition>
@@ -28689,13 +28689,13 @@
   <p:clrMapOvr>
     <a:masterClrMapping/>
   </p:clrMapOvr>
-  <mc:AlternateContent xmlns:mc="http://schemas.openxmlformats.org/markup-compatibility/2006">
-    <mc:Choice xmlns:p15="http://schemas.microsoft.com/office/powerpoint/2012/main" Requires="p15">
+  <mc:AlternateContent xmlns:mc="http://schemas.openxmlformats.org/markup-compatibility/2006" xmlns:p15="http://schemas.microsoft.com/office/powerpoint/2012/main">
+    <mc:Choice Requires="p15">
       <p:transition xmlns:p14="http://schemas.microsoft.com/office/powerpoint/2010/main" spd="slow" p14:dur="6000">
         <p15:prstTrans prst="curtains"/>
       </p:transition>
     </mc:Choice>
-    <mc:Fallback>
+    <mc:Fallback xmlns="">
       <p:transition spd="slow">
         <p:fade/>
       </p:transition>
